--- a/presentation/presentation.pptx
+++ b/presentation/presentation.pptx
@@ -5,20 +5,26 @@
     <p:sldMasterId id="2147483712" r:id="rId1"/>
   </p:sldMasterIdLst>
   <p:notesMasterIdLst>
-    <p:notesMasterId r:id="rId10"/>
+    <p:notesMasterId r:id="rId16"/>
   </p:notesMasterIdLst>
   <p:handoutMasterIdLst>
-    <p:handoutMasterId r:id="rId11"/>
+    <p:handoutMasterId r:id="rId17"/>
   </p:handoutMasterIdLst>
   <p:sldIdLst>
     <p:sldId id="257" r:id="rId2"/>
-    <p:sldId id="259" r:id="rId3"/>
-    <p:sldId id="260" r:id="rId4"/>
-    <p:sldId id="262" r:id="rId5"/>
-    <p:sldId id="263" r:id="rId6"/>
-    <p:sldId id="264" r:id="rId7"/>
-    <p:sldId id="265" r:id="rId8"/>
-    <p:sldId id="258" r:id="rId9"/>
+    <p:sldId id="272" r:id="rId3"/>
+    <p:sldId id="259" r:id="rId4"/>
+    <p:sldId id="260" r:id="rId5"/>
+    <p:sldId id="262" r:id="rId6"/>
+    <p:sldId id="263" r:id="rId7"/>
+    <p:sldId id="264" r:id="rId8"/>
+    <p:sldId id="265" r:id="rId9"/>
+    <p:sldId id="270" r:id="rId10"/>
+    <p:sldId id="267" r:id="rId11"/>
+    <p:sldId id="266" r:id="rId12"/>
+    <p:sldId id="268" r:id="rId13"/>
+    <p:sldId id="269" r:id="rId14"/>
+    <p:sldId id="271" r:id="rId15"/>
   </p:sldIdLst>
   <p:sldSz cx="12192000" cy="6858000"/>
   <p:notesSz cx="6858000" cy="9144000"/>
@@ -2517,37 +2523,6 @@
         <a:effectLst/>
       </c:spPr>
     </c:plotArea>
-    <c:legend>
-      <c:legendPos val="b"/>
-      <c:overlay val="0"/>
-      <c:spPr>
-        <a:noFill/>
-        <a:ln>
-          <a:noFill/>
-        </a:ln>
-        <a:effectLst/>
-      </c:spPr>
-      <c:txPr>
-        <a:bodyPr rot="0" spcFirstLastPara="1" vertOverflow="ellipsis" vert="horz" wrap="square" anchor="ctr" anchorCtr="1"/>
-        <a:lstStyle/>
-        <a:p>
-          <a:pPr>
-            <a:defRPr sz="1197" b="0" i="0" u="none" strike="noStrike" kern="1200" baseline="0">
-              <a:solidFill>
-                <a:schemeClr val="tx1">
-                  <a:lumMod val="65000"/>
-                  <a:lumOff val="35000"/>
-                </a:schemeClr>
-              </a:solidFill>
-              <a:latin typeface="+mn-lt"/>
-              <a:ea typeface="+mn-ea"/>
-              <a:cs typeface="+mn-cs"/>
-            </a:defRPr>
-          </a:pPr>
-          <a:endParaRPr lang="de-DE"/>
-        </a:p>
-      </c:txPr>
-    </c:legend>
     <c:plotVisOnly val="1"/>
     <c:dispBlanksAs val="gap"/>
     <c:extLst>
@@ -3139,17 +3114,27 @@
 </file>
 
 <file path=ppt/diagrams/colors1.xml><?xml version="1.0" encoding="utf-8"?>
-<dgm:colorsDef xmlns:dgm="http://schemas.openxmlformats.org/drawingml/2006/diagram" xmlns:a="http://schemas.openxmlformats.org/drawingml/2006/main" uniqueId="urn:microsoft.com/office/officeart/2005/8/colors/accent1_3">
+<dgm:colorsDef xmlns:dgm="http://schemas.openxmlformats.org/drawingml/2006/diagram" xmlns:a="http://schemas.openxmlformats.org/drawingml/2006/main" uniqueId="urn:microsoft.com/office/officeart/2005/8/colors/accent2_2">
   <dgm:title val=""/>
   <dgm:desc val=""/>
   <dgm:catLst>
-    <dgm:cat type="accent1" pri="11300"/>
+    <dgm:cat type="accent2" pri="11200"/>
   </dgm:catLst>
   <dgm:styleLbl name="node0">
     <dgm:fillClrLst meth="repeat">
-      <a:schemeClr val="accent1">
-        <a:shade val="80000"/>
-      </a:schemeClr>
+      <a:schemeClr val="accent2"/>
+    </dgm:fillClrLst>
+    <dgm:linClrLst meth="repeat">
+      <a:schemeClr val="lt1"/>
+    </dgm:linClrLst>
+    <dgm:effectClrLst/>
+    <dgm:txLinClrLst/>
+    <dgm:txFillClrLst/>
+    <dgm:txEffectClrLst/>
+  </dgm:styleLbl>
+  <dgm:styleLbl name="node1">
+    <dgm:fillClrLst meth="repeat">
+      <a:schemeClr val="accent2"/>
     </dgm:fillClrLst>
     <dgm:linClrLst meth="repeat">
       <a:schemeClr val="lt1"/>
@@ -3160,38 +3145,11 @@
     <dgm:txEffectClrLst/>
   </dgm:styleLbl>
   <dgm:styleLbl name="alignNode1">
-    <dgm:fillClrLst>
-      <a:schemeClr val="accent1">
-        <a:shade val="80000"/>
-      </a:schemeClr>
-      <a:schemeClr val="accent1">
-        <a:tint val="70000"/>
-      </a:schemeClr>
-    </dgm:fillClrLst>
-    <dgm:linClrLst>
-      <a:schemeClr val="accent1">
-        <a:shade val="80000"/>
-      </a:schemeClr>
-      <a:schemeClr val="accent1">
-        <a:tint val="70000"/>
-      </a:schemeClr>
-    </dgm:linClrLst>
-    <dgm:effectClrLst/>
-    <dgm:txLinClrLst/>
-    <dgm:txFillClrLst/>
-    <dgm:txEffectClrLst/>
-  </dgm:styleLbl>
-  <dgm:styleLbl name="node1">
-    <dgm:fillClrLst>
-      <a:schemeClr val="accent1">
-        <a:shade val="80000"/>
-      </a:schemeClr>
-      <a:schemeClr val="accent1">
-        <a:tint val="70000"/>
-      </a:schemeClr>
+    <dgm:fillClrLst meth="repeat">
+      <a:schemeClr val="accent2"/>
     </dgm:fillClrLst>
     <dgm:linClrLst meth="repeat">
-      <a:schemeClr val="lt1"/>
+      <a:schemeClr val="accent2"/>
     </dgm:linClrLst>
     <dgm:effectClrLst/>
     <dgm:txLinClrLst/>
@@ -3199,13 +3157,8 @@
     <dgm:txEffectClrLst/>
   </dgm:styleLbl>
   <dgm:styleLbl name="lnNode1">
-    <dgm:fillClrLst>
-      <a:schemeClr val="accent1">
-        <a:shade val="80000"/>
-      </a:schemeClr>
-      <a:schemeClr val="accent1">
-        <a:tint val="70000"/>
-      </a:schemeClr>
+    <dgm:fillClrLst meth="repeat">
+      <a:schemeClr val="accent2"/>
     </dgm:fillClrLst>
     <dgm:linClrLst meth="repeat">
       <a:schemeClr val="lt1"/>
@@ -3216,13 +3169,8 @@
     <dgm:txEffectClrLst/>
   </dgm:styleLbl>
   <dgm:styleLbl name="vennNode1">
-    <dgm:fillClrLst>
-      <a:schemeClr val="accent1">
-        <a:shade val="80000"/>
-        <a:alpha val="50000"/>
-      </a:schemeClr>
-      <a:schemeClr val="accent1">
-        <a:tint val="70000"/>
+    <dgm:fillClrLst meth="repeat">
+      <a:schemeClr val="accent2">
         <a:alpha val="50000"/>
       </a:schemeClr>
     </dgm:fillClrLst>
@@ -3235,10 +3183,8 @@
     <dgm:txEffectClrLst/>
   </dgm:styleLbl>
   <dgm:styleLbl name="node2">
-    <dgm:fillClrLst>
-      <a:schemeClr val="accent1">
-        <a:tint val="99000"/>
-      </a:schemeClr>
+    <dgm:fillClrLst meth="repeat">
+      <a:schemeClr val="accent2"/>
     </dgm:fillClrLst>
     <dgm:linClrLst meth="repeat">
       <a:schemeClr val="lt1"/>
@@ -3249,10 +3195,8 @@
     <dgm:txEffectClrLst/>
   </dgm:styleLbl>
   <dgm:styleLbl name="node3">
-    <dgm:fillClrLst>
-      <a:schemeClr val="accent1">
-        <a:tint val="80000"/>
-      </a:schemeClr>
+    <dgm:fillClrLst meth="repeat">
+      <a:schemeClr val="accent2"/>
     </dgm:fillClrLst>
     <dgm:linClrLst meth="repeat">
       <a:schemeClr val="lt1"/>
@@ -3263,10 +3207,8 @@
     <dgm:txEffectClrLst/>
   </dgm:styleLbl>
   <dgm:styleLbl name="node4">
-    <dgm:fillClrLst>
-      <a:schemeClr val="accent1">
-        <a:tint val="70000"/>
-      </a:schemeClr>
+    <dgm:fillClrLst meth="repeat">
+      <a:schemeClr val="accent2"/>
     </dgm:fillClrLst>
     <dgm:linClrLst meth="repeat">
       <a:schemeClr val="lt1"/>
@@ -3277,12 +3219,9 @@
     <dgm:txEffectClrLst/>
   </dgm:styleLbl>
   <dgm:styleLbl name="fgImgPlace1">
-    <dgm:fillClrLst>
-      <a:schemeClr val="accent1">
+    <dgm:fillClrLst meth="repeat">
+      <a:schemeClr val="accent2">
         <a:tint val="50000"/>
-      </a:schemeClr>
-      <a:schemeClr val="accent1">
-        <a:tint val="20000"/>
       </a:schemeClr>
     </dgm:fillClrLst>
     <dgm:linClrLst meth="repeat">
@@ -3296,12 +3235,9 @@
     <dgm:txEffectClrLst/>
   </dgm:styleLbl>
   <dgm:styleLbl name="alignImgPlace1">
-    <dgm:fillClrLst>
-      <a:schemeClr val="accent1">
+    <dgm:fillClrLst meth="repeat">
+      <a:schemeClr val="accent2">
         <a:tint val="50000"/>
-      </a:schemeClr>
-      <a:schemeClr val="accent1">
-        <a:tint val="20000"/>
       </a:schemeClr>
     </dgm:fillClrLst>
     <dgm:linClrLst meth="repeat">
@@ -3315,12 +3251,9 @@
     <dgm:txEffectClrLst/>
   </dgm:styleLbl>
   <dgm:styleLbl name="bgImgPlace1">
-    <dgm:fillClrLst>
-      <a:schemeClr val="accent1">
+    <dgm:fillClrLst meth="repeat">
+      <a:schemeClr val="accent2">
         <a:tint val="50000"/>
-      </a:schemeClr>
-      <a:schemeClr val="accent1">
-        <a:tint val="20000"/>
       </a:schemeClr>
     </dgm:fillClrLst>
     <dgm:linClrLst meth="repeat">
@@ -3334,20 +3267,14 @@
     <dgm:txEffectClrLst/>
   </dgm:styleLbl>
   <dgm:styleLbl name="sibTrans2D1">
-    <dgm:fillClrLst>
-      <a:schemeClr val="accent1">
-        <a:shade val="90000"/>
-      </a:schemeClr>
-      <a:schemeClr val="accent1">
-        <a:tint val="70000"/>
+    <dgm:fillClrLst meth="repeat">
+      <a:schemeClr val="accent2">
+        <a:tint val="60000"/>
       </a:schemeClr>
     </dgm:fillClrLst>
-    <dgm:linClrLst>
-      <a:schemeClr val="accent1">
-        <a:shade val="90000"/>
-      </a:schemeClr>
-      <a:schemeClr val="accent1">
-        <a:tint val="70000"/>
+    <dgm:linClrLst meth="repeat">
+      <a:schemeClr val="accent2">
+        <a:tint val="60000"/>
       </a:schemeClr>
     </dgm:linClrLst>
     <dgm:effectClrLst/>
@@ -3356,69 +3283,43 @@
     <dgm:txEffectClrLst/>
   </dgm:styleLbl>
   <dgm:styleLbl name="fgSibTrans2D1">
-    <dgm:fillClrLst>
-      <a:schemeClr val="accent1">
-        <a:shade val="90000"/>
-      </a:schemeClr>
-      <a:schemeClr val="accent1">
-        <a:tint val="70000"/>
+    <dgm:fillClrLst meth="repeat">
+      <a:schemeClr val="accent2">
+        <a:tint val="60000"/>
       </a:schemeClr>
     </dgm:fillClrLst>
-    <dgm:linClrLst>
-      <a:schemeClr val="accent1">
-        <a:shade val="90000"/>
-      </a:schemeClr>
-      <a:schemeClr val="accent1">
-        <a:tint val="70000"/>
+    <dgm:linClrLst meth="repeat">
+      <a:schemeClr val="accent2">
+        <a:tint val="60000"/>
       </a:schemeClr>
     </dgm:linClrLst>
     <dgm:effectClrLst/>
     <dgm:txLinClrLst/>
-    <dgm:txFillClrLst meth="repeat">
-      <a:schemeClr val="lt1"/>
-    </dgm:txFillClrLst>
+    <dgm:txFillClrLst/>
     <dgm:txEffectClrLst/>
   </dgm:styleLbl>
   <dgm:styleLbl name="bgSibTrans2D1">
-    <dgm:fillClrLst>
-      <a:schemeClr val="accent1">
-        <a:shade val="90000"/>
-      </a:schemeClr>
-      <a:schemeClr val="accent1">
-        <a:tint val="70000"/>
+    <dgm:fillClrLst meth="repeat">
+      <a:schemeClr val="accent2">
+        <a:tint val="60000"/>
       </a:schemeClr>
     </dgm:fillClrLst>
-    <dgm:linClrLst>
-      <a:schemeClr val="accent1">
-        <a:shade val="90000"/>
-      </a:schemeClr>
-      <a:schemeClr val="accent1">
-        <a:tint val="70000"/>
+    <dgm:linClrLst meth="repeat">
+      <a:schemeClr val="accent2">
+        <a:tint val="60000"/>
       </a:schemeClr>
     </dgm:linClrLst>
     <dgm:effectClrLst/>
     <dgm:txLinClrLst/>
-    <dgm:txFillClrLst meth="repeat">
-      <a:schemeClr val="lt1"/>
-    </dgm:txFillClrLst>
+    <dgm:txFillClrLst/>
     <dgm:txEffectClrLst/>
   </dgm:styleLbl>
   <dgm:styleLbl name="sibTrans1D1">
-    <dgm:fillClrLst>
-      <a:schemeClr val="accent1">
-        <a:shade val="90000"/>
-      </a:schemeClr>
-      <a:schemeClr val="accent1">
-        <a:tint val="70000"/>
-      </a:schemeClr>
+    <dgm:fillClrLst meth="repeat">
+      <a:schemeClr val="accent2"/>
     </dgm:fillClrLst>
-    <dgm:linClrLst>
-      <a:schemeClr val="accent1">
-        <a:shade val="90000"/>
-      </a:schemeClr>
-      <a:schemeClr val="accent1">
-        <a:tint val="70000"/>
-      </a:schemeClr>
+    <dgm:linClrLst meth="repeat">
+      <a:schemeClr val="accent2"/>
     </dgm:linClrLst>
     <dgm:effectClrLst/>
     <dgm:txLinClrLst/>
@@ -3429,10 +3330,12 @@
   </dgm:styleLbl>
   <dgm:styleLbl name="callout">
     <dgm:fillClrLst meth="repeat">
-      <a:schemeClr val="accent1"/>
+      <a:schemeClr val="accent2"/>
     </dgm:fillClrLst>
     <dgm:linClrLst meth="repeat">
-      <a:schemeClr val="accent1"/>
+      <a:schemeClr val="accent2">
+        <a:tint val="50000"/>
+      </a:schemeClr>
     </dgm:linClrLst>
     <dgm:effectClrLst/>
     <dgm:txLinClrLst/>
@@ -3443,9 +3346,7 @@
   </dgm:styleLbl>
   <dgm:styleLbl name="asst0">
     <dgm:fillClrLst meth="repeat">
-      <a:schemeClr val="accent1">
-        <a:shade val="80000"/>
-      </a:schemeClr>
+      <a:schemeClr val="accent2"/>
     </dgm:fillClrLst>
     <dgm:linClrLst meth="repeat">
       <a:schemeClr val="lt1"/>
@@ -3457,9 +3358,7 @@
   </dgm:styleLbl>
   <dgm:styleLbl name="asst1">
     <dgm:fillClrLst meth="repeat">
-      <a:schemeClr val="accent1">
-        <a:shade val="80000"/>
-      </a:schemeClr>
+      <a:schemeClr val="accent2"/>
     </dgm:fillClrLst>
     <dgm:linClrLst meth="repeat">
       <a:schemeClr val="lt1"/>
@@ -3470,10 +3369,8 @@
     <dgm:txEffectClrLst/>
   </dgm:styleLbl>
   <dgm:styleLbl name="asst2">
-    <dgm:fillClrLst>
-      <a:schemeClr val="accent1">
-        <a:tint val="99000"/>
-      </a:schemeClr>
+    <dgm:fillClrLst meth="repeat">
+      <a:schemeClr val="accent2"/>
     </dgm:fillClrLst>
     <dgm:linClrLst meth="repeat">
       <a:schemeClr val="lt1"/>
@@ -3484,10 +3381,8 @@
     <dgm:txEffectClrLst/>
   </dgm:styleLbl>
   <dgm:styleLbl name="asst3">
-    <dgm:fillClrLst>
-      <a:schemeClr val="accent1">
-        <a:tint val="80000"/>
-      </a:schemeClr>
+    <dgm:fillClrLst meth="repeat">
+      <a:schemeClr val="accent2"/>
     </dgm:fillClrLst>
     <dgm:linClrLst meth="repeat">
       <a:schemeClr val="lt1"/>
@@ -3498,10 +3393,8 @@
     <dgm:txEffectClrLst/>
   </dgm:styleLbl>
   <dgm:styleLbl name="asst4">
-    <dgm:fillClrLst>
-      <a:schemeClr val="accent1">
-        <a:tint val="70000"/>
-      </a:schemeClr>
+    <dgm:fillClrLst meth="repeat">
+      <a:schemeClr val="accent2"/>
     </dgm:fillClrLst>
     <dgm:linClrLst meth="repeat">
       <a:schemeClr val="lt1"/>
@@ -3513,12 +3406,12 @@
   </dgm:styleLbl>
   <dgm:styleLbl name="parChTrans2D1">
     <dgm:fillClrLst meth="repeat">
-      <a:schemeClr val="accent1">
+      <a:schemeClr val="accent2">
         <a:tint val="60000"/>
       </a:schemeClr>
     </dgm:fillClrLst>
     <dgm:linClrLst meth="repeat">
-      <a:schemeClr val="accent1">
+      <a:schemeClr val="accent2">
         <a:tint val="60000"/>
       </a:schemeClr>
     </dgm:linClrLst>
@@ -3531,46 +3424,38 @@
   </dgm:styleLbl>
   <dgm:styleLbl name="parChTrans2D2">
     <dgm:fillClrLst meth="repeat">
-      <a:schemeClr val="accent1">
-        <a:tint val="90000"/>
-      </a:schemeClr>
+      <a:schemeClr val="accent2"/>
     </dgm:fillClrLst>
     <dgm:linClrLst meth="repeat">
-      <a:schemeClr val="accent1">
-        <a:tint val="90000"/>
-      </a:schemeClr>
+      <a:schemeClr val="accent2"/>
     </dgm:linClrLst>
     <dgm:effectClrLst/>
     <dgm:txLinClrLst/>
-    <dgm:txFillClrLst/>
+    <dgm:txFillClrLst meth="repeat">
+      <a:schemeClr val="lt1"/>
+    </dgm:txFillClrLst>
     <dgm:txEffectClrLst/>
   </dgm:styleLbl>
   <dgm:styleLbl name="parChTrans2D3">
     <dgm:fillClrLst meth="repeat">
-      <a:schemeClr val="accent1">
-        <a:tint val="70000"/>
-      </a:schemeClr>
+      <a:schemeClr val="accent2"/>
     </dgm:fillClrLst>
     <dgm:linClrLst meth="repeat">
-      <a:schemeClr val="accent1">
-        <a:tint val="70000"/>
-      </a:schemeClr>
+      <a:schemeClr val="accent2"/>
     </dgm:linClrLst>
     <dgm:effectClrLst/>
     <dgm:txLinClrLst/>
-    <dgm:txFillClrLst/>
+    <dgm:txFillClrLst meth="repeat">
+      <a:schemeClr val="lt1"/>
+    </dgm:txFillClrLst>
     <dgm:txEffectClrLst/>
   </dgm:styleLbl>
   <dgm:styleLbl name="parChTrans2D4">
     <dgm:fillClrLst meth="repeat">
-      <a:schemeClr val="accent1">
-        <a:tint val="50000"/>
-      </a:schemeClr>
+      <a:schemeClr val="accent2"/>
     </dgm:fillClrLst>
     <dgm:linClrLst meth="repeat">
-      <a:schemeClr val="accent1">
-        <a:tint val="50000"/>
-      </a:schemeClr>
+      <a:schemeClr val="accent2"/>
     </dgm:linClrLst>
     <dgm:effectClrLst/>
     <dgm:txLinClrLst/>
@@ -3581,13 +3466,11 @@
   </dgm:styleLbl>
   <dgm:styleLbl name="parChTrans1D1">
     <dgm:fillClrLst meth="repeat">
-      <a:schemeClr val="accent1">
-        <a:shade val="80000"/>
-      </a:schemeClr>
+      <a:schemeClr val="accent2"/>
     </dgm:fillClrLst>
     <dgm:linClrLst meth="repeat">
-      <a:schemeClr val="accent1">
-        <a:shade val="80000"/>
+      <a:schemeClr val="accent2">
+        <a:shade val="60000"/>
       </a:schemeClr>
     </dgm:linClrLst>
     <dgm:effectClrLst/>
@@ -3599,13 +3482,11 @@
   </dgm:styleLbl>
   <dgm:styleLbl name="parChTrans1D2">
     <dgm:fillClrLst meth="repeat">
-      <a:schemeClr val="accent1">
-        <a:tint val="99000"/>
-      </a:schemeClr>
+      <a:schemeClr val="accent2"/>
     </dgm:fillClrLst>
     <dgm:linClrLst meth="repeat">
-      <a:schemeClr val="accent1">
-        <a:tint val="99000"/>
+      <a:schemeClr val="accent2">
+        <a:shade val="60000"/>
       </a:schemeClr>
     </dgm:linClrLst>
     <dgm:effectClrLst/>
@@ -3617,13 +3498,11 @@
   </dgm:styleLbl>
   <dgm:styleLbl name="parChTrans1D3">
     <dgm:fillClrLst meth="repeat">
-      <a:schemeClr val="accent1">
-        <a:tint val="80000"/>
-      </a:schemeClr>
+      <a:schemeClr val="accent2"/>
     </dgm:fillClrLst>
     <dgm:linClrLst meth="repeat">
-      <a:schemeClr val="accent1">
-        <a:tint val="80000"/>
+      <a:schemeClr val="accent2">
+        <a:shade val="80000"/>
       </a:schemeClr>
     </dgm:linClrLst>
     <dgm:effectClrLst/>
@@ -3635,13 +3514,11 @@
   </dgm:styleLbl>
   <dgm:styleLbl name="parChTrans1D4">
     <dgm:fillClrLst meth="repeat">
-      <a:schemeClr val="accent1">
-        <a:tint val="70000"/>
-      </a:schemeClr>
+      <a:schemeClr val="accent2"/>
     </dgm:fillClrLst>
     <dgm:linClrLst meth="repeat">
-      <a:schemeClr val="accent1">
-        <a:tint val="70000"/>
+      <a:schemeClr val="accent2">
+        <a:shade val="80000"/>
       </a:schemeClr>
     </dgm:linClrLst>
     <dgm:effectClrLst/>
@@ -3657,13 +3534,8 @@
         <a:alpha val="90000"/>
       </a:schemeClr>
     </dgm:fillClrLst>
-    <dgm:linClrLst>
-      <a:schemeClr val="accent1">
-        <a:shade val="80000"/>
-      </a:schemeClr>
-      <a:schemeClr val="accent1">
-        <a:tint val="70000"/>
-      </a:schemeClr>
+    <dgm:linClrLst meth="repeat">
+      <a:schemeClr val="accent2"/>
     </dgm:linClrLst>
     <dgm:effectClrLst/>
     <dgm:txLinClrLst/>
@@ -3678,13 +3550,8 @@
         <a:alpha val="90000"/>
       </a:schemeClr>
     </dgm:fillClrLst>
-    <dgm:linClrLst>
-      <a:schemeClr val="accent1">
-        <a:shade val="80000"/>
-      </a:schemeClr>
-      <a:schemeClr val="accent1">
-        <a:tint val="70000"/>
-      </a:schemeClr>
+    <dgm:linClrLst meth="repeat">
+      <a:schemeClr val="accent2"/>
     </dgm:linClrLst>
     <dgm:effectClrLst/>
     <dgm:txLinClrLst/>
@@ -3699,13 +3566,8 @@
         <a:alpha val="90000"/>
       </a:schemeClr>
     </dgm:fillClrLst>
-    <dgm:linClrLst>
-      <a:schemeClr val="accent1">
-        <a:shade val="80000"/>
-      </a:schemeClr>
-      <a:schemeClr val="accent1">
-        <a:tint val="70000"/>
-      </a:schemeClr>
+    <dgm:linClrLst meth="repeat">
+      <a:schemeClr val="accent2"/>
     </dgm:linClrLst>
     <dgm:effectClrLst/>
     <dgm:txLinClrLst/>
@@ -3721,7 +3583,7 @@
       </a:schemeClr>
     </dgm:fillClrLst>
     <dgm:linClrLst meth="repeat">
-      <a:schemeClr val="accent1"/>
+      <a:schemeClr val="accent2"/>
     </dgm:linClrLst>
     <dgm:effectClrLst/>
     <dgm:txLinClrLst/>
@@ -3736,13 +3598,8 @@
         <a:alpha val="90000"/>
       </a:schemeClr>
     </dgm:fillClrLst>
-    <dgm:linClrLst>
-      <a:schemeClr val="accent1">
-        <a:shade val="80000"/>
-      </a:schemeClr>
-      <a:schemeClr val="accent1">
-        <a:tint val="70000"/>
-      </a:schemeClr>
+    <dgm:linClrLst meth="repeat">
+      <a:schemeClr val="accent2"/>
     </dgm:linClrLst>
     <dgm:effectClrLst/>
     <dgm:txLinClrLst/>
@@ -3755,13 +3612,8 @@
     <dgm:fillClrLst meth="repeat">
       <a:schemeClr val="lt1"/>
     </dgm:fillClrLst>
-    <dgm:linClrLst>
-      <a:schemeClr val="accent1">
-        <a:shade val="80000"/>
-      </a:schemeClr>
-      <a:schemeClr val="accent1">
-        <a:tint val="70000"/>
-      </a:schemeClr>
+    <dgm:linClrLst meth="repeat">
+      <a:schemeClr val="accent2"/>
     </dgm:linClrLst>
     <dgm:effectClrLst/>
     <dgm:txLinClrLst/>
@@ -3775,7 +3627,7 @@
       <a:schemeClr val="lt1"/>
     </dgm:fillClrLst>
     <dgm:linClrLst meth="repeat">
-      <a:schemeClr val="accent1"/>
+      <a:schemeClr val="accent2"/>
     </dgm:linClrLst>
     <dgm:effectClrLst/>
     <dgm:txLinClrLst/>
@@ -3789,7 +3641,7 @@
       <a:schemeClr val="lt1"/>
     </dgm:fillClrLst>
     <dgm:linClrLst meth="repeat">
-      <a:schemeClr val="accent1"/>
+      <a:schemeClr val="accent2"/>
     </dgm:linClrLst>
     <dgm:effectClrLst/>
     <dgm:txLinClrLst/>
@@ -3800,13 +3652,13 @@
   </dgm:styleLbl>
   <dgm:styleLbl name="fgAccFollowNode1">
     <dgm:fillClrLst meth="repeat">
-      <a:schemeClr val="accent1">
+      <a:schemeClr val="accent2">
         <a:alpha val="90000"/>
         <a:tint val="40000"/>
       </a:schemeClr>
     </dgm:fillClrLst>
     <dgm:linClrLst meth="repeat">
-      <a:schemeClr val="accent1">
+      <a:schemeClr val="accent2">
         <a:alpha val="90000"/>
         <a:tint val="40000"/>
       </a:schemeClr>
@@ -3820,13 +3672,13 @@
   </dgm:styleLbl>
   <dgm:styleLbl name="alignAccFollowNode1">
     <dgm:fillClrLst meth="repeat">
-      <a:schemeClr val="accent1">
+      <a:schemeClr val="accent2">
         <a:alpha val="90000"/>
         <a:tint val="40000"/>
       </a:schemeClr>
     </dgm:fillClrLst>
     <dgm:linClrLst meth="repeat">
-      <a:schemeClr val="accent1">
+      <a:schemeClr val="accent2">
         <a:alpha val="90000"/>
         <a:tint val="40000"/>
       </a:schemeClr>
@@ -3840,13 +3692,16 @@
   </dgm:styleLbl>
   <dgm:styleLbl name="bgAccFollowNode1">
     <dgm:fillClrLst meth="repeat">
-      <a:schemeClr val="accent1">
+      <a:schemeClr val="accent2">
         <a:alpha val="90000"/>
         <a:tint val="40000"/>
       </a:schemeClr>
     </dgm:fillClrLst>
     <dgm:linClrLst meth="repeat">
-      <a:schemeClr val="lt1"/>
+      <a:schemeClr val="accent2">
+        <a:alpha val="90000"/>
+        <a:tint val="40000"/>
+      </a:schemeClr>
     </dgm:linClrLst>
     <dgm:effectClrLst/>
     <dgm:txLinClrLst/>
@@ -3862,9 +3717,7 @@
       </a:schemeClr>
     </dgm:fillClrLst>
     <dgm:linClrLst meth="repeat">
-      <a:schemeClr val="accent1">
-        <a:shade val="80000"/>
-      </a:schemeClr>
+      <a:schemeClr val="accent2"/>
     </dgm:linClrLst>
     <dgm:effectClrLst/>
     <dgm:txLinClrLst/>
@@ -3880,9 +3733,7 @@
       </a:schemeClr>
     </dgm:fillClrLst>
     <dgm:linClrLst meth="repeat">
-      <a:schemeClr val="accent1">
-        <a:tint val="99000"/>
-      </a:schemeClr>
+      <a:schemeClr val="accent2"/>
     </dgm:linClrLst>
     <dgm:effectClrLst/>
     <dgm:txLinClrLst/>
@@ -3898,9 +3749,7 @@
       </a:schemeClr>
     </dgm:fillClrLst>
     <dgm:linClrLst meth="repeat">
-      <a:schemeClr val="accent1">
-        <a:tint val="80000"/>
-      </a:schemeClr>
+      <a:schemeClr val="accent2"/>
     </dgm:linClrLst>
     <dgm:effectClrLst/>
     <dgm:txLinClrLst/>
@@ -3916,9 +3765,7 @@
       </a:schemeClr>
     </dgm:fillClrLst>
     <dgm:linClrLst meth="repeat">
-      <a:schemeClr val="accent1">
-        <a:tint val="70000"/>
-      </a:schemeClr>
+      <a:schemeClr val="accent2"/>
     </dgm:linClrLst>
     <dgm:effectClrLst/>
     <dgm:txLinClrLst/>
@@ -3929,12 +3776,12 @@
   </dgm:styleLbl>
   <dgm:styleLbl name="bgShp">
     <dgm:fillClrLst meth="repeat">
-      <a:schemeClr val="accent1">
+      <a:schemeClr val="accent2">
         <a:tint val="40000"/>
       </a:schemeClr>
     </dgm:fillClrLst>
     <dgm:linClrLst meth="repeat">
-      <a:schemeClr val="dk1"/>
+      <a:schemeClr val="accent2"/>
     </dgm:linClrLst>
     <dgm:effectClrLst/>
     <dgm:txLinClrLst/>
@@ -3945,12 +3792,12 @@
   </dgm:styleLbl>
   <dgm:styleLbl name="dkBgShp">
     <dgm:fillClrLst meth="repeat">
-      <a:schemeClr val="accent1">
-        <a:shade val="90000"/>
+      <a:schemeClr val="accent2">
+        <a:shade val="80000"/>
       </a:schemeClr>
     </dgm:fillClrLst>
     <dgm:linClrLst meth="repeat">
-      <a:schemeClr val="dk1"/>
+      <a:schemeClr val="accent2"/>
     </dgm:linClrLst>
     <dgm:effectClrLst/>
     <dgm:txLinClrLst/>
@@ -3961,13 +3808,13 @@
   </dgm:styleLbl>
   <dgm:styleLbl name="trBgShp">
     <dgm:fillClrLst meth="repeat">
-      <a:schemeClr val="accent1">
+      <a:schemeClr val="accent2">
         <a:tint val="50000"/>
         <a:alpha val="40000"/>
       </a:schemeClr>
     </dgm:fillClrLst>
     <dgm:linClrLst meth="repeat">
-      <a:schemeClr val="accent1"/>
+      <a:schemeClr val="accent2"/>
     </dgm:linClrLst>
     <dgm:effectClrLst/>
     <dgm:txLinClrLst/>
@@ -3978,8 +3825,8 @@
   </dgm:styleLbl>
   <dgm:styleLbl name="fgShp">
     <dgm:fillClrLst meth="repeat">
-      <a:schemeClr val="accent1">
-        <a:tint val="40000"/>
+      <a:schemeClr val="accent2">
+        <a:tint val="60000"/>
       </a:schemeClr>
     </dgm:fillClrLst>
     <dgm:linClrLst meth="repeat">
@@ -4016,452 +3863,261 @@
 <file path=ppt/diagrams/data1.xml><?xml version="1.0" encoding="utf-8"?>
 <dgm:dataModel xmlns:dgm="http://schemas.openxmlformats.org/drawingml/2006/diagram" xmlns:a="http://schemas.openxmlformats.org/drawingml/2006/main">
   <dgm:ptLst>
-    <dgm:pt modelId="{6A70FD8F-0050-42E3-8B3A-6ED7CFB9852E}" type="doc">
-      <dgm:prSet loTypeId="urn:microsoft.com/office/officeart/2016/7/layout/RoundedRectangleTimeline" loCatId="process" qsTypeId="urn:microsoft.com/office/officeart/2005/8/quickstyle/simple1" qsCatId="simple" csTypeId="urn:microsoft.com/office/officeart/2005/8/colors/accent1_3" csCatId="accent1" phldr="1"/>
+    <dgm:pt modelId="{26CE0156-DE00-4467-B3EB-DC316C067640}" type="doc">
+      <dgm:prSet loTypeId="urn:microsoft.com/office/officeart/2005/8/layout/list1" loCatId="list" qsTypeId="urn:microsoft.com/office/officeart/2005/8/quickstyle/simple2" qsCatId="simple" csTypeId="urn:microsoft.com/office/officeart/2005/8/colors/accent2_2" csCatId="accent2" phldr="1"/>
       <dgm:spPr/>
       <dgm:t>
-        <a:bodyPr rtlCol="0"/>
+        <a:bodyPr/>
         <a:lstStyle/>
         <a:p>
-          <a:pPr rtl="0"/>
           <a:endParaRPr lang="en-US"/>
         </a:p>
       </dgm:t>
     </dgm:pt>
-    <dgm:pt modelId="{8DB5D7D5-6A1C-4ABC-8850-759A9D876047}">
+    <dgm:pt modelId="{4F60DAB6-3EA2-457C-A991-518FE2015BA3}">
       <dgm:prSet/>
       <dgm:spPr/>
       <dgm:t>
-        <a:bodyPr rtlCol="0"/>
+        <a:bodyPr/>
         <a:lstStyle/>
         <a:p>
-          <a:pPr rtl="0"/>
           <a:r>
-            <a:rPr lang="de"/>
-            <a:t>2017</a:t>
+            <a:rPr lang="de-DE"/>
+            <a:t>Lineare Korrelation – Pearson</a:t>
           </a:r>
-        </a:p>
-      </dgm:t>
-    </dgm:pt>
-    <dgm:pt modelId="{D8874F40-D7B0-41DE-BB6F-A6014FEAB2D7}" type="parTrans" cxnId="{C5202EE1-10E9-4076-9D55-9E0CF8B152AF}">
-      <dgm:prSet/>
-      <dgm:spPr/>
-      <dgm:t>
-        <a:bodyPr rtlCol="0"/>
-        <a:lstStyle/>
-        <a:p>
-          <a:pPr rtl="0"/>
           <a:endParaRPr lang="en-US"/>
         </a:p>
       </dgm:t>
     </dgm:pt>
-    <dgm:pt modelId="{BD6E0A2E-99C8-4F5A-971A-CD211D1099FF}" type="sibTrans" cxnId="{C5202EE1-10E9-4076-9D55-9E0CF8B152AF}">
+    <dgm:pt modelId="{EBAEF127-4EFA-49AB-97B5-367EFEBEACA5}" type="parTrans" cxnId="{325BEAC0-5F92-4A11-9765-891DAC325BD1}">
       <dgm:prSet/>
       <dgm:spPr/>
       <dgm:t>
-        <a:bodyPr rtlCol="0"/>
+        <a:bodyPr/>
         <a:lstStyle/>
         <a:p>
-          <a:pPr rtl="0"/>
           <a:endParaRPr lang="en-US"/>
         </a:p>
       </dgm:t>
     </dgm:pt>
-    <dgm:pt modelId="{96262926-A67D-4E4E-9515-5EBC67F0B634}">
+    <dgm:pt modelId="{1C2FFAA9-D36D-448E-8DEC-0F8A583A6281}" type="sibTrans" cxnId="{325BEAC0-5F92-4A11-9765-891DAC325BD1}">
       <dgm:prSet/>
       <dgm:spPr/>
       <dgm:t>
-        <a:bodyPr rtlCol="0"/>
+        <a:bodyPr/>
         <a:lstStyle/>
         <a:p>
-          <a:pPr rtl="0"/>
-          <a:r>
-            <a:rPr lang="de"/>
-            <a:t>Lorem ipsum dolor sit amet</a:t>
-          </a:r>
-        </a:p>
-      </dgm:t>
-    </dgm:pt>
-    <dgm:pt modelId="{EC74E552-C501-4B0E-9400-E8B410F53D50}" type="parTrans" cxnId="{8C5B110A-FBC3-4CBF-BED2-413E87D4DAD5}">
-      <dgm:prSet/>
-      <dgm:spPr/>
-      <dgm:t>
-        <a:bodyPr rtlCol="0"/>
-        <a:lstStyle/>
-        <a:p>
-          <a:pPr rtl="0"/>
           <a:endParaRPr lang="en-US"/>
         </a:p>
       </dgm:t>
     </dgm:pt>
-    <dgm:pt modelId="{1DA7ACEB-F642-43C1-BCB5-F580B9B985B9}" type="sibTrans" cxnId="{8C5B110A-FBC3-4CBF-BED2-413E87D4DAD5}">
+    <dgm:pt modelId="{2D8CFB89-674C-4C8A-9667-08DDDFAD43F9}">
       <dgm:prSet/>
       <dgm:spPr/>
       <dgm:t>
-        <a:bodyPr rtlCol="0"/>
+        <a:bodyPr/>
         <a:lstStyle/>
         <a:p>
-          <a:pPr rtl="0"/>
+          <a:r>
+            <a:rPr lang="de-DE"/>
+            <a:t>0,226 | p-Wert 0,00315</a:t>
+          </a:r>
           <a:endParaRPr lang="en-US"/>
         </a:p>
       </dgm:t>
     </dgm:pt>
-    <dgm:pt modelId="{C5146535-FD3D-4589-98A3-623B8DA4B8DB}">
+    <dgm:pt modelId="{2DA684F4-242F-4A22-A5A8-AC8C68CEDD9E}" type="parTrans" cxnId="{E309CBAA-2926-4554-B90C-239E6FDD7C4B}">
       <dgm:prSet/>
       <dgm:spPr/>
       <dgm:t>
-        <a:bodyPr rtlCol="0"/>
+        <a:bodyPr/>
         <a:lstStyle/>
         <a:p>
-          <a:pPr rtl="0"/>
-          <a:r>
-            <a:rPr lang="de"/>
-            <a:t>2018</a:t>
-          </a:r>
-        </a:p>
-      </dgm:t>
-    </dgm:pt>
-    <dgm:pt modelId="{20848F78-EC70-4162-96CE-CC68006930F0}" type="parTrans" cxnId="{8EBF857E-7408-4941-91E4-293B0F59EEF7}">
-      <dgm:prSet/>
-      <dgm:spPr/>
-      <dgm:t>
-        <a:bodyPr rtlCol="0"/>
-        <a:lstStyle/>
-        <a:p>
-          <a:pPr rtl="0"/>
           <a:endParaRPr lang="en-US"/>
         </a:p>
       </dgm:t>
     </dgm:pt>
-    <dgm:pt modelId="{7A3CCAF8-AC3A-401E-AEDD-44BBC1AA9C31}" type="sibTrans" cxnId="{8EBF857E-7408-4941-91E4-293B0F59EEF7}">
+    <dgm:pt modelId="{DF25E32A-AC3B-44A3-B4B7-0E45886D17C5}" type="sibTrans" cxnId="{E309CBAA-2926-4554-B90C-239E6FDD7C4B}">
       <dgm:prSet/>
       <dgm:spPr/>
       <dgm:t>
-        <a:bodyPr rtlCol="0"/>
+        <a:bodyPr/>
         <a:lstStyle/>
         <a:p>
-          <a:pPr rtl="0"/>
           <a:endParaRPr lang="en-US"/>
         </a:p>
       </dgm:t>
     </dgm:pt>
-    <dgm:pt modelId="{E80CA270-6C90-4E17-ACEA-46B56AD54DD1}">
+    <dgm:pt modelId="{B44F5B37-56C5-4867-9A9B-89F8A0CD4754}">
       <dgm:prSet/>
       <dgm:spPr/>
       <dgm:t>
-        <a:bodyPr rtlCol="0"/>
+        <a:bodyPr/>
         <a:lstStyle/>
         <a:p>
-          <a:pPr rtl="0"/>
           <a:r>
-            <a:rPr lang="de"/>
-            <a:t>Lorem ipsum dolor sit amet</a:t>
+            <a:rPr lang="de-DE" dirty="0"/>
+            <a:t>Rangkorrelation     – Spearman</a:t>
           </a:r>
+          <a:endParaRPr lang="en-US" dirty="0"/>
         </a:p>
       </dgm:t>
     </dgm:pt>
-    <dgm:pt modelId="{7EEC8067-96EF-4BE0-8BE3-BA59ED78A31F}" type="parTrans" cxnId="{2DC28DF8-5C1B-4F53-A4C1-D5B63FB54BAF}">
+    <dgm:pt modelId="{4A586E86-453B-48F2-BC24-29B333D1229A}" type="parTrans" cxnId="{4708B3AF-E0CA-4ABD-BA78-29915E33180E}">
       <dgm:prSet/>
       <dgm:spPr/>
       <dgm:t>
-        <a:bodyPr rtlCol="0"/>
+        <a:bodyPr/>
         <a:lstStyle/>
         <a:p>
-          <a:pPr rtl="0"/>
           <a:endParaRPr lang="en-US"/>
         </a:p>
       </dgm:t>
     </dgm:pt>
-    <dgm:pt modelId="{1AFE46E5-6B07-4894-8ECB-21BD7E7B8AF1}" type="sibTrans" cxnId="{2DC28DF8-5C1B-4F53-A4C1-D5B63FB54BAF}">
+    <dgm:pt modelId="{B0BCAFF3-00E4-4822-B5FD-EDC735EC6421}" type="sibTrans" cxnId="{4708B3AF-E0CA-4ABD-BA78-29915E33180E}">
       <dgm:prSet/>
       <dgm:spPr/>
       <dgm:t>
-        <a:bodyPr rtlCol="0"/>
+        <a:bodyPr/>
         <a:lstStyle/>
         <a:p>
-          <a:pPr rtl="0"/>
           <a:endParaRPr lang="en-US"/>
         </a:p>
       </dgm:t>
     </dgm:pt>
-    <dgm:pt modelId="{09C152DA-7620-4852-8162-A77EC3609F3F}">
+    <dgm:pt modelId="{20D1F2E5-C5DD-490C-8162-423A83C27A9A}">
       <dgm:prSet/>
       <dgm:spPr/>
       <dgm:t>
-        <a:bodyPr rtlCol="0"/>
+        <a:bodyPr/>
         <a:lstStyle/>
         <a:p>
-          <a:pPr rtl="0"/>
           <a:r>
-            <a:rPr lang="de"/>
-            <a:t>2019</a:t>
+            <a:rPr lang="de-DE"/>
+            <a:t>0,207 | p-Wert 0,00682</a:t>
           </a:r>
-        </a:p>
-      </dgm:t>
-    </dgm:pt>
-    <dgm:pt modelId="{9F6D14C0-6C82-4CBD-8D6D-B0E117B6F2ED}" type="parTrans" cxnId="{23ECAC8B-17A4-4883-AA0E-06D66B7E788A}">
-      <dgm:prSet/>
-      <dgm:spPr/>
-      <dgm:t>
-        <a:bodyPr rtlCol="0"/>
-        <a:lstStyle/>
-        <a:p>
-          <a:pPr rtl="0"/>
           <a:endParaRPr lang="en-US"/>
         </a:p>
       </dgm:t>
     </dgm:pt>
-    <dgm:pt modelId="{0AE8D36D-0F0F-4206-AE39-0A2D73987B68}" type="sibTrans" cxnId="{23ECAC8B-17A4-4883-AA0E-06D66B7E788A}">
+    <dgm:pt modelId="{1813BA7C-CFA9-4526-9399-2F0D64EC5FE6}" type="parTrans" cxnId="{F123F970-B8E0-46B1-B6F1-EAE1B354815B}">
       <dgm:prSet/>
       <dgm:spPr/>
       <dgm:t>
-        <a:bodyPr rtlCol="0"/>
+        <a:bodyPr/>
         <a:lstStyle/>
         <a:p>
-          <a:pPr rtl="0"/>
           <a:endParaRPr lang="en-US"/>
         </a:p>
       </dgm:t>
     </dgm:pt>
-    <dgm:pt modelId="{6C8937BE-93F8-4DED-8538-1C601DAEBA66}">
+    <dgm:pt modelId="{8E23670E-5AFA-42E0-96E6-8149FB3C4924}" type="sibTrans" cxnId="{F123F970-B8E0-46B1-B6F1-EAE1B354815B}">
       <dgm:prSet/>
       <dgm:spPr/>
       <dgm:t>
-        <a:bodyPr rtlCol="0"/>
+        <a:bodyPr/>
         <a:lstStyle/>
         <a:p>
-          <a:pPr rtl="0"/>
-          <a:r>
-            <a:rPr lang="de"/>
-            <a:t>Lorem ipsum dolor sit amet</a:t>
-          </a:r>
-        </a:p>
-      </dgm:t>
-    </dgm:pt>
-    <dgm:pt modelId="{77D169C6-D77F-456D-B18B-D7BE016AD87A}" type="parTrans" cxnId="{FAA8D3DD-12E8-457D-9144-B037C5678347}">
-      <dgm:prSet/>
-      <dgm:spPr/>
-      <dgm:t>
-        <a:bodyPr rtlCol="0"/>
-        <a:lstStyle/>
-        <a:p>
-          <a:pPr rtl="0"/>
           <a:endParaRPr lang="en-US"/>
         </a:p>
       </dgm:t>
     </dgm:pt>
-    <dgm:pt modelId="{A97BE953-FA9D-4BA6-A92C-494DB1F3BA59}" type="sibTrans" cxnId="{FAA8D3DD-12E8-457D-9144-B037C5678347}">
-      <dgm:prSet/>
-      <dgm:spPr/>
-      <dgm:t>
-        <a:bodyPr rtlCol="0"/>
-        <a:lstStyle/>
-        <a:p>
-          <a:pPr rtl="0"/>
-          <a:endParaRPr lang="en-US"/>
-        </a:p>
-      </dgm:t>
-    </dgm:pt>
-    <dgm:pt modelId="{AB52B3CC-6563-466D-BFC3-9B6B5AFA0881}" type="pres">
-      <dgm:prSet presAssocID="{6A70FD8F-0050-42E3-8B3A-6ED7CFB9852E}" presName="Name0" presStyleCnt="0">
+    <dgm:pt modelId="{3397B3EB-68D9-4F68-8392-B3F9373D90C1}" type="pres">
+      <dgm:prSet presAssocID="{26CE0156-DE00-4467-B3EB-DC316C067640}" presName="linear" presStyleCnt="0">
         <dgm:presLayoutVars>
-          <dgm:chMax/>
-          <dgm:chPref/>
+          <dgm:dir/>
           <dgm:animLvl val="lvl"/>
+          <dgm:resizeHandles val="exact"/>
         </dgm:presLayoutVars>
       </dgm:prSet>
       <dgm:spPr/>
     </dgm:pt>
-    <dgm:pt modelId="{815EDF7B-AC93-4A61-87AA-CAA5D85C31A8}" type="pres">
-      <dgm:prSet presAssocID="{8DB5D7D5-6A1C-4ABC-8850-759A9D876047}" presName="composite1" presStyleCnt="0"/>
+    <dgm:pt modelId="{F6C1DD0F-E694-4B22-855D-624446D1686C}" type="pres">
+      <dgm:prSet presAssocID="{4F60DAB6-3EA2-457C-A991-518FE2015BA3}" presName="parentLin" presStyleCnt="0"/>
       <dgm:spPr/>
     </dgm:pt>
-    <dgm:pt modelId="{954381E7-0584-46DD-8108-E9BF4F2B5005}" type="pres">
-      <dgm:prSet presAssocID="{8DB5D7D5-6A1C-4ABC-8850-759A9D876047}" presName="parent1" presStyleLbl="alignNode1" presStyleIdx="0" presStyleCnt="3">
+    <dgm:pt modelId="{A00AC266-0DDB-4C72-8F34-7DC22DEA08E1}" type="pres">
+      <dgm:prSet presAssocID="{4F60DAB6-3EA2-457C-A991-518FE2015BA3}" presName="parentLeftMargin" presStyleLbl="node1" presStyleIdx="0" presStyleCnt="2"/>
+      <dgm:spPr/>
+    </dgm:pt>
+    <dgm:pt modelId="{2DE812D1-8BC8-43A3-A7F0-CA6EF2A92CBF}" type="pres">
+      <dgm:prSet presAssocID="{4F60DAB6-3EA2-457C-A991-518FE2015BA3}" presName="parentText" presStyleLbl="node1" presStyleIdx="0" presStyleCnt="2">
         <dgm:presLayoutVars>
-          <dgm:chMax val="1"/>
-          <dgm:chPref val="1"/>
+          <dgm:chMax val="0"/>
           <dgm:bulletEnabled val="1"/>
         </dgm:presLayoutVars>
       </dgm:prSet>
       <dgm:spPr/>
     </dgm:pt>
-    <dgm:pt modelId="{5A1B764B-0DC5-47CD-BDEA-9E67799496EC}" type="pres">
-      <dgm:prSet presAssocID="{8DB5D7D5-6A1C-4ABC-8850-759A9D876047}" presName="Childtext1" presStyleLbl="revTx" presStyleIdx="0" presStyleCnt="3">
+    <dgm:pt modelId="{D905AE35-3A7D-4CD2-B125-67220F0C55D7}" type="pres">
+      <dgm:prSet presAssocID="{4F60DAB6-3EA2-457C-A991-518FE2015BA3}" presName="negativeSpace" presStyleCnt="0"/>
+      <dgm:spPr/>
+    </dgm:pt>
+    <dgm:pt modelId="{A2162418-4DDC-4F71-B0C7-723FDE22C29F}" type="pres">
+      <dgm:prSet presAssocID="{4F60DAB6-3EA2-457C-A991-518FE2015BA3}" presName="childText" presStyleLbl="conFgAcc1" presStyleIdx="0" presStyleCnt="2">
         <dgm:presLayoutVars>
           <dgm:bulletEnabled val="1"/>
         </dgm:presLayoutVars>
       </dgm:prSet>
       <dgm:spPr/>
     </dgm:pt>
-    <dgm:pt modelId="{122B38A3-0442-4747-820C-1F37877E2B0E}" type="pres">
-      <dgm:prSet presAssocID="{8DB5D7D5-6A1C-4ABC-8850-759A9D876047}" presName="ConnectLine1" presStyleLbl="sibTrans1D1" presStyleIdx="0" presStyleCnt="3"/>
-      <dgm:spPr>
-        <a:noFill/>
-        <a:ln w="12700" cap="rnd" cmpd="sng" algn="ctr">
-          <a:solidFill>
-            <a:schemeClr val="accent1">
-              <a:shade val="90000"/>
-              <a:hueOff val="93466"/>
-              <a:satOff val="1924"/>
-              <a:lumOff val="8231"/>
-              <a:alphaOff val="0"/>
-            </a:schemeClr>
-          </a:solidFill>
-          <a:prstDash val="dash"/>
-        </a:ln>
-        <a:effectLst/>
-      </dgm:spPr>
-    </dgm:pt>
-    <dgm:pt modelId="{A73181F6-69BB-4A47-8277-4671A45AC8C8}" type="pres">
-      <dgm:prSet presAssocID="{8DB5D7D5-6A1C-4ABC-8850-759A9D876047}" presName="ConnectLineEnd1" presStyleLbl="lnNode1" presStyleIdx="0" presStyleCnt="3"/>
+    <dgm:pt modelId="{C7161D32-829C-4044-85E1-FCC41103852E}" type="pres">
+      <dgm:prSet presAssocID="{1C2FFAA9-D36D-448E-8DEC-0F8A583A6281}" presName="spaceBetweenRectangles" presStyleCnt="0"/>
       <dgm:spPr/>
     </dgm:pt>
-    <dgm:pt modelId="{6E76EADA-5F61-4A59-B2F8-FA10112079FC}" type="pres">
-      <dgm:prSet presAssocID="{8DB5D7D5-6A1C-4ABC-8850-759A9D876047}" presName="EmptyPane1" presStyleCnt="0"/>
+    <dgm:pt modelId="{87467AF9-715F-47ED-995A-4F1DA423FC63}" type="pres">
+      <dgm:prSet presAssocID="{B44F5B37-56C5-4867-9A9B-89F8A0CD4754}" presName="parentLin" presStyleCnt="0"/>
       <dgm:spPr/>
     </dgm:pt>
-    <dgm:pt modelId="{A8189248-0785-43F1-844C-4DE92841F254}" type="pres">
-      <dgm:prSet presAssocID="{BD6E0A2E-99C8-4F5A-971A-CD211D1099FF}" presName="spaceBetweenRectangles1" presStyleCnt="0"/>
+    <dgm:pt modelId="{CDCFF20A-75E0-47D4-BDA8-0589EF83342E}" type="pres">
+      <dgm:prSet presAssocID="{B44F5B37-56C5-4867-9A9B-89F8A0CD4754}" presName="parentLeftMargin" presStyleLbl="node1" presStyleIdx="0" presStyleCnt="2"/>
       <dgm:spPr/>
     </dgm:pt>
-    <dgm:pt modelId="{218D9CD7-D48D-464C-9A1C-0F322EC540B3}" type="pres">
-      <dgm:prSet presAssocID="{C5146535-FD3D-4589-98A3-623B8DA4B8DB}" presName="composite1" presStyleCnt="0"/>
-      <dgm:spPr/>
-    </dgm:pt>
-    <dgm:pt modelId="{30804A27-188E-4A17-8FFE-97BCCA0597B8}" type="pres">
-      <dgm:prSet presAssocID="{C5146535-FD3D-4589-98A3-623B8DA4B8DB}" presName="parent1" presStyleLbl="alignNode1" presStyleIdx="1" presStyleCnt="3">
+    <dgm:pt modelId="{53C1BA20-5CD4-4FC2-B463-0562CFB9F9D4}" type="pres">
+      <dgm:prSet presAssocID="{B44F5B37-56C5-4867-9A9B-89F8A0CD4754}" presName="parentText" presStyleLbl="node1" presStyleIdx="1" presStyleCnt="2">
         <dgm:presLayoutVars>
-          <dgm:chMax val="1"/>
-          <dgm:chPref val="1"/>
+          <dgm:chMax val="0"/>
           <dgm:bulletEnabled val="1"/>
         </dgm:presLayoutVars>
       </dgm:prSet>
       <dgm:spPr/>
     </dgm:pt>
-    <dgm:pt modelId="{DF65791B-462E-4589-B98D-F60587330CA8}" type="pres">
-      <dgm:prSet presAssocID="{C5146535-FD3D-4589-98A3-623B8DA4B8DB}" presName="Childtext1" presStyleLbl="revTx" presStyleIdx="1" presStyleCnt="3">
+    <dgm:pt modelId="{05414907-A052-43E2-847F-BBAF4287EDF0}" type="pres">
+      <dgm:prSet presAssocID="{B44F5B37-56C5-4867-9A9B-89F8A0CD4754}" presName="negativeSpace" presStyleCnt="0"/>
+      <dgm:spPr/>
+    </dgm:pt>
+    <dgm:pt modelId="{E09281B2-310C-4314-A5A5-E0193E1286BA}" type="pres">
+      <dgm:prSet presAssocID="{B44F5B37-56C5-4867-9A9B-89F8A0CD4754}" presName="childText" presStyleLbl="conFgAcc1" presStyleIdx="1" presStyleCnt="2">
         <dgm:presLayoutVars>
           <dgm:bulletEnabled val="1"/>
         </dgm:presLayoutVars>
       </dgm:prSet>
       <dgm:spPr/>
     </dgm:pt>
-    <dgm:pt modelId="{DBA410EB-5F61-4F46-92D9-C5B0AA59EE15}" type="pres">
-      <dgm:prSet presAssocID="{C5146535-FD3D-4589-98A3-623B8DA4B8DB}" presName="ConnectLine1" presStyleLbl="sibTrans1D1" presStyleIdx="1" presStyleCnt="3"/>
-      <dgm:spPr>
-        <a:noFill/>
-        <a:ln w="12700" cap="rnd" cmpd="sng" algn="ctr">
-          <a:solidFill>
-            <a:schemeClr val="accent1">
-              <a:shade val="90000"/>
-              <a:hueOff val="140199"/>
-              <a:satOff val="2886"/>
-              <a:lumOff val="12346"/>
-              <a:alphaOff val="0"/>
-            </a:schemeClr>
-          </a:solidFill>
-          <a:prstDash val="dash"/>
-        </a:ln>
-        <a:effectLst/>
-      </dgm:spPr>
-    </dgm:pt>
-    <dgm:pt modelId="{E1220EDB-B75C-43A5-B862-97E4C09130A7}" type="pres">
-      <dgm:prSet presAssocID="{C5146535-FD3D-4589-98A3-623B8DA4B8DB}" presName="ConnectLineEnd1" presStyleLbl="lnNode1" presStyleIdx="1" presStyleCnt="3"/>
-      <dgm:spPr/>
-    </dgm:pt>
-    <dgm:pt modelId="{D8849157-215F-4E70-9735-315E97B5AC5C}" type="pres">
-      <dgm:prSet presAssocID="{C5146535-FD3D-4589-98A3-623B8DA4B8DB}" presName="EmptyPane1" presStyleCnt="0"/>
-      <dgm:spPr/>
-    </dgm:pt>
-    <dgm:pt modelId="{7C467054-22FE-4C18-9934-29D7168DFF63}" type="pres">
-      <dgm:prSet presAssocID="{7A3CCAF8-AC3A-401E-AEDD-44BBC1AA9C31}" presName="spaceBetweenRectangles1" presStyleCnt="0"/>
-      <dgm:spPr/>
-    </dgm:pt>
-    <dgm:pt modelId="{3E3E944D-A6EC-4962-9AC1-C585A4F97BDA}" type="pres">
-      <dgm:prSet presAssocID="{09C152DA-7620-4852-8162-A77EC3609F3F}" presName="composite1" presStyleCnt="0"/>
-      <dgm:spPr/>
-    </dgm:pt>
-    <dgm:pt modelId="{566B79CB-1A41-4F5C-BF91-58D94BF93913}" type="pres">
-      <dgm:prSet presAssocID="{09C152DA-7620-4852-8162-A77EC3609F3F}" presName="parent1" presStyleLbl="alignNode1" presStyleIdx="2" presStyleCnt="3">
-        <dgm:presLayoutVars>
-          <dgm:chMax val="1"/>
-          <dgm:chPref val="1"/>
-          <dgm:bulletEnabled val="1"/>
-        </dgm:presLayoutVars>
-      </dgm:prSet>
-      <dgm:spPr/>
-    </dgm:pt>
-    <dgm:pt modelId="{B4723E2A-4FF1-452A-BD25-8EC364F15A6F}" type="pres">
-      <dgm:prSet presAssocID="{09C152DA-7620-4852-8162-A77EC3609F3F}" presName="Childtext1" presStyleLbl="revTx" presStyleIdx="2" presStyleCnt="3">
-        <dgm:presLayoutVars>
-          <dgm:bulletEnabled val="1"/>
-        </dgm:presLayoutVars>
-      </dgm:prSet>
-      <dgm:spPr/>
-    </dgm:pt>
-    <dgm:pt modelId="{440E9361-37D2-4157-AF38-7B49AD23708B}" type="pres">
-      <dgm:prSet presAssocID="{09C152DA-7620-4852-8162-A77EC3609F3F}" presName="ConnectLine1" presStyleLbl="sibTrans1D1" presStyleIdx="2" presStyleCnt="3"/>
-      <dgm:spPr>
-        <a:noFill/>
-        <a:ln w="12700" cap="rnd" cmpd="sng" algn="ctr">
-          <a:solidFill>
-            <a:schemeClr val="accent1">
-              <a:shade val="90000"/>
-              <a:hueOff val="186931"/>
-              <a:satOff val="3848"/>
-              <a:lumOff val="16461"/>
-              <a:alphaOff val="0"/>
-            </a:schemeClr>
-          </a:solidFill>
-          <a:prstDash val="dash"/>
-        </a:ln>
-        <a:effectLst/>
-      </dgm:spPr>
-    </dgm:pt>
-    <dgm:pt modelId="{C45E7B63-1C71-483E-A3A8-705CE86D4D8E}" type="pres">
-      <dgm:prSet presAssocID="{09C152DA-7620-4852-8162-A77EC3609F3F}" presName="ConnectLineEnd1" presStyleLbl="lnNode1" presStyleIdx="2" presStyleCnt="3"/>
-      <dgm:spPr/>
-    </dgm:pt>
-    <dgm:pt modelId="{4174F691-D9D3-451C-9893-D177DC3AED58}" type="pres">
-      <dgm:prSet presAssocID="{09C152DA-7620-4852-8162-A77EC3609F3F}" presName="EmptyPane1" presStyleCnt="0"/>
-      <dgm:spPr/>
-    </dgm:pt>
   </dgm:ptLst>
   <dgm:cxnLst>
-    <dgm:cxn modelId="{5C25BB02-FA66-40A4-9DA6-9E1CAE3A8D4E}" type="presOf" srcId="{C5146535-FD3D-4589-98A3-623B8DA4B8DB}" destId="{30804A27-188E-4A17-8FFE-97BCCA0597B8}" srcOrd="0" destOrd="0" presId="urn:microsoft.com/office/officeart/2016/7/layout/RoundedRectangleTimeline"/>
-    <dgm:cxn modelId="{8C5B110A-FBC3-4CBF-BED2-413E87D4DAD5}" srcId="{8DB5D7D5-6A1C-4ABC-8850-759A9D876047}" destId="{96262926-A67D-4E4E-9515-5EBC67F0B634}" srcOrd="0" destOrd="0" parTransId="{EC74E552-C501-4B0E-9400-E8B410F53D50}" sibTransId="{1DA7ACEB-F642-43C1-BCB5-F580B9B985B9}"/>
-    <dgm:cxn modelId="{84C67813-55CE-4EBC-9032-03BD847DC17E}" type="presOf" srcId="{6A70FD8F-0050-42E3-8B3A-6ED7CFB9852E}" destId="{AB52B3CC-6563-466D-BFC3-9B6B5AFA0881}" srcOrd="0" destOrd="0" presId="urn:microsoft.com/office/officeart/2016/7/layout/RoundedRectangleTimeline"/>
-    <dgm:cxn modelId="{22ECA226-C4EA-44F1-BCB5-77F78841DA6F}" type="presOf" srcId="{09C152DA-7620-4852-8162-A77EC3609F3F}" destId="{566B79CB-1A41-4F5C-BF91-58D94BF93913}" srcOrd="0" destOrd="0" presId="urn:microsoft.com/office/officeart/2016/7/layout/RoundedRectangleTimeline"/>
-    <dgm:cxn modelId="{E2BBA750-A5E4-4F50-BE16-016934379F81}" type="presOf" srcId="{6C8937BE-93F8-4DED-8538-1C601DAEBA66}" destId="{B4723E2A-4FF1-452A-BD25-8EC364F15A6F}" srcOrd="0" destOrd="0" presId="urn:microsoft.com/office/officeart/2016/7/layout/RoundedRectangleTimeline"/>
-    <dgm:cxn modelId="{F9B2D375-40BE-4E5D-AA88-61805FBFF819}" type="presOf" srcId="{8DB5D7D5-6A1C-4ABC-8850-759A9D876047}" destId="{954381E7-0584-46DD-8108-E9BF4F2B5005}" srcOrd="0" destOrd="0" presId="urn:microsoft.com/office/officeart/2016/7/layout/RoundedRectangleTimeline"/>
-    <dgm:cxn modelId="{8EBF857E-7408-4941-91E4-293B0F59EEF7}" srcId="{6A70FD8F-0050-42E3-8B3A-6ED7CFB9852E}" destId="{C5146535-FD3D-4589-98A3-623B8DA4B8DB}" srcOrd="1" destOrd="0" parTransId="{20848F78-EC70-4162-96CE-CC68006930F0}" sibTransId="{7A3CCAF8-AC3A-401E-AEDD-44BBC1AA9C31}"/>
-    <dgm:cxn modelId="{23ECAC8B-17A4-4883-AA0E-06D66B7E788A}" srcId="{6A70FD8F-0050-42E3-8B3A-6ED7CFB9852E}" destId="{09C152DA-7620-4852-8162-A77EC3609F3F}" srcOrd="2" destOrd="0" parTransId="{9F6D14C0-6C82-4CBD-8D6D-B0E117B6F2ED}" sibTransId="{0AE8D36D-0F0F-4206-AE39-0A2D73987B68}"/>
-    <dgm:cxn modelId="{F9540599-A193-456C-A9A9-8962E3855B0B}" type="presOf" srcId="{96262926-A67D-4E4E-9515-5EBC67F0B634}" destId="{5A1B764B-0DC5-47CD-BDEA-9E67799496EC}" srcOrd="0" destOrd="0" presId="urn:microsoft.com/office/officeart/2016/7/layout/RoundedRectangleTimeline"/>
-    <dgm:cxn modelId="{E13585A2-54F2-486A-B317-F4D6AF7E83B9}" type="presOf" srcId="{E80CA270-6C90-4E17-ACEA-46B56AD54DD1}" destId="{DF65791B-462E-4589-B98D-F60587330CA8}" srcOrd="0" destOrd="0" presId="urn:microsoft.com/office/officeart/2016/7/layout/RoundedRectangleTimeline"/>
-    <dgm:cxn modelId="{FAA8D3DD-12E8-457D-9144-B037C5678347}" srcId="{09C152DA-7620-4852-8162-A77EC3609F3F}" destId="{6C8937BE-93F8-4DED-8538-1C601DAEBA66}" srcOrd="0" destOrd="0" parTransId="{77D169C6-D77F-456D-B18B-D7BE016AD87A}" sibTransId="{A97BE953-FA9D-4BA6-A92C-494DB1F3BA59}"/>
-    <dgm:cxn modelId="{C5202EE1-10E9-4076-9D55-9E0CF8B152AF}" srcId="{6A70FD8F-0050-42E3-8B3A-6ED7CFB9852E}" destId="{8DB5D7D5-6A1C-4ABC-8850-759A9D876047}" srcOrd="0" destOrd="0" parTransId="{D8874F40-D7B0-41DE-BB6F-A6014FEAB2D7}" sibTransId="{BD6E0A2E-99C8-4F5A-971A-CD211D1099FF}"/>
-    <dgm:cxn modelId="{2DC28DF8-5C1B-4F53-A4C1-D5B63FB54BAF}" srcId="{C5146535-FD3D-4589-98A3-623B8DA4B8DB}" destId="{E80CA270-6C90-4E17-ACEA-46B56AD54DD1}" srcOrd="0" destOrd="0" parTransId="{7EEC8067-96EF-4BE0-8BE3-BA59ED78A31F}" sibTransId="{1AFE46E5-6B07-4894-8ECB-21BD7E7B8AF1}"/>
-    <dgm:cxn modelId="{76459B4A-BC95-4631-A3CC-1410E80D5DFD}" type="presParOf" srcId="{AB52B3CC-6563-466D-BFC3-9B6B5AFA0881}" destId="{815EDF7B-AC93-4A61-87AA-CAA5D85C31A8}" srcOrd="0" destOrd="0" presId="urn:microsoft.com/office/officeart/2016/7/layout/RoundedRectangleTimeline"/>
-    <dgm:cxn modelId="{4238FA88-CE43-4680-BFB0-73DED5612698}" type="presParOf" srcId="{815EDF7B-AC93-4A61-87AA-CAA5D85C31A8}" destId="{954381E7-0584-46DD-8108-E9BF4F2B5005}" srcOrd="0" destOrd="0" presId="urn:microsoft.com/office/officeart/2016/7/layout/RoundedRectangleTimeline"/>
-    <dgm:cxn modelId="{6497CE05-0893-4952-B18A-28D71D90B841}" type="presParOf" srcId="{815EDF7B-AC93-4A61-87AA-CAA5D85C31A8}" destId="{5A1B764B-0DC5-47CD-BDEA-9E67799496EC}" srcOrd="1" destOrd="0" presId="urn:microsoft.com/office/officeart/2016/7/layout/RoundedRectangleTimeline"/>
-    <dgm:cxn modelId="{CB8BA570-C0D4-4400-BED8-C9BC961A6553}" type="presParOf" srcId="{815EDF7B-AC93-4A61-87AA-CAA5D85C31A8}" destId="{122B38A3-0442-4747-820C-1F37877E2B0E}" srcOrd="2" destOrd="0" presId="urn:microsoft.com/office/officeart/2016/7/layout/RoundedRectangleTimeline"/>
-    <dgm:cxn modelId="{82FC1E36-99F3-4E1F-8BD1-229D77A82EB1}" type="presParOf" srcId="{815EDF7B-AC93-4A61-87AA-CAA5D85C31A8}" destId="{A73181F6-69BB-4A47-8277-4671A45AC8C8}" srcOrd="3" destOrd="0" presId="urn:microsoft.com/office/officeart/2016/7/layout/RoundedRectangleTimeline"/>
-    <dgm:cxn modelId="{7EAD7967-836C-4AB6-AAA2-ED2EF3F29E78}" type="presParOf" srcId="{815EDF7B-AC93-4A61-87AA-CAA5D85C31A8}" destId="{6E76EADA-5F61-4A59-B2F8-FA10112079FC}" srcOrd="4" destOrd="0" presId="urn:microsoft.com/office/officeart/2016/7/layout/RoundedRectangleTimeline"/>
-    <dgm:cxn modelId="{3783DE09-7B3D-423E-960C-ED9DB81E314E}" type="presParOf" srcId="{AB52B3CC-6563-466D-BFC3-9B6B5AFA0881}" destId="{A8189248-0785-43F1-844C-4DE92841F254}" srcOrd="1" destOrd="0" presId="urn:microsoft.com/office/officeart/2016/7/layout/RoundedRectangleTimeline"/>
-    <dgm:cxn modelId="{38B07C9C-D21D-4E2B-A78B-C30877B2689A}" type="presParOf" srcId="{AB52B3CC-6563-466D-BFC3-9B6B5AFA0881}" destId="{218D9CD7-D48D-464C-9A1C-0F322EC540B3}" srcOrd="2" destOrd="0" presId="urn:microsoft.com/office/officeart/2016/7/layout/RoundedRectangleTimeline"/>
-    <dgm:cxn modelId="{E6790483-7B9E-44FB-9EAE-A282A4B9AB73}" type="presParOf" srcId="{218D9CD7-D48D-464C-9A1C-0F322EC540B3}" destId="{30804A27-188E-4A17-8FFE-97BCCA0597B8}" srcOrd="0" destOrd="0" presId="urn:microsoft.com/office/officeart/2016/7/layout/RoundedRectangleTimeline"/>
-    <dgm:cxn modelId="{B31BDB48-FB8E-47F4-8F76-B90009D28A96}" type="presParOf" srcId="{218D9CD7-D48D-464C-9A1C-0F322EC540B3}" destId="{DF65791B-462E-4589-B98D-F60587330CA8}" srcOrd="1" destOrd="0" presId="urn:microsoft.com/office/officeart/2016/7/layout/RoundedRectangleTimeline"/>
-    <dgm:cxn modelId="{517AE913-68B2-41AC-BE20-5D4195845D6F}" type="presParOf" srcId="{218D9CD7-D48D-464C-9A1C-0F322EC540B3}" destId="{DBA410EB-5F61-4F46-92D9-C5B0AA59EE15}" srcOrd="2" destOrd="0" presId="urn:microsoft.com/office/officeart/2016/7/layout/RoundedRectangleTimeline"/>
-    <dgm:cxn modelId="{0F089045-7542-47F1-8B17-68354869406A}" type="presParOf" srcId="{218D9CD7-D48D-464C-9A1C-0F322EC540B3}" destId="{E1220EDB-B75C-43A5-B862-97E4C09130A7}" srcOrd="3" destOrd="0" presId="urn:microsoft.com/office/officeart/2016/7/layout/RoundedRectangleTimeline"/>
-    <dgm:cxn modelId="{79B44ECC-99D2-49DD-9DEE-58B1D2AE6C6C}" type="presParOf" srcId="{218D9CD7-D48D-464C-9A1C-0F322EC540B3}" destId="{D8849157-215F-4E70-9735-315E97B5AC5C}" srcOrd="4" destOrd="0" presId="urn:microsoft.com/office/officeart/2016/7/layout/RoundedRectangleTimeline"/>
-    <dgm:cxn modelId="{6930EC12-FB60-44F8-973F-19AC06AA90BB}" type="presParOf" srcId="{AB52B3CC-6563-466D-BFC3-9B6B5AFA0881}" destId="{7C467054-22FE-4C18-9934-29D7168DFF63}" srcOrd="3" destOrd="0" presId="urn:microsoft.com/office/officeart/2016/7/layout/RoundedRectangleTimeline"/>
-    <dgm:cxn modelId="{1F4A4777-E935-453F-A5B9-015C6946FC6A}" type="presParOf" srcId="{AB52B3CC-6563-466D-BFC3-9B6B5AFA0881}" destId="{3E3E944D-A6EC-4962-9AC1-C585A4F97BDA}" srcOrd="4" destOrd="0" presId="urn:microsoft.com/office/officeart/2016/7/layout/RoundedRectangleTimeline"/>
-    <dgm:cxn modelId="{94AC8B5D-A9B9-4EF3-AD1C-6024606B5BF8}" type="presParOf" srcId="{3E3E944D-A6EC-4962-9AC1-C585A4F97BDA}" destId="{566B79CB-1A41-4F5C-BF91-58D94BF93913}" srcOrd="0" destOrd="0" presId="urn:microsoft.com/office/officeart/2016/7/layout/RoundedRectangleTimeline"/>
-    <dgm:cxn modelId="{A151554E-10B3-429A-9E0D-D40262ED6857}" type="presParOf" srcId="{3E3E944D-A6EC-4962-9AC1-C585A4F97BDA}" destId="{B4723E2A-4FF1-452A-BD25-8EC364F15A6F}" srcOrd="1" destOrd="0" presId="urn:microsoft.com/office/officeart/2016/7/layout/RoundedRectangleTimeline"/>
-    <dgm:cxn modelId="{329635D9-081F-4DC9-88AA-E074B7400415}" type="presParOf" srcId="{3E3E944D-A6EC-4962-9AC1-C585A4F97BDA}" destId="{440E9361-37D2-4157-AF38-7B49AD23708B}" srcOrd="2" destOrd="0" presId="urn:microsoft.com/office/officeart/2016/7/layout/RoundedRectangleTimeline"/>
-    <dgm:cxn modelId="{0F0D3AEA-9F0C-400E-A955-6CD1F474B6A4}" type="presParOf" srcId="{3E3E944D-A6EC-4962-9AC1-C585A4F97BDA}" destId="{C45E7B63-1C71-483E-A3A8-705CE86D4D8E}" srcOrd="3" destOrd="0" presId="urn:microsoft.com/office/officeart/2016/7/layout/RoundedRectangleTimeline"/>
-    <dgm:cxn modelId="{91F0BE33-39D4-4457-A5CC-3F1682DB166D}" type="presParOf" srcId="{3E3E944D-A6EC-4962-9AC1-C585A4F97BDA}" destId="{4174F691-D9D3-451C-9893-D177DC3AED58}" srcOrd="4" destOrd="0" presId="urn:microsoft.com/office/officeart/2016/7/layout/RoundedRectangleTimeline"/>
+    <dgm:cxn modelId="{58B3041F-C89E-401E-94C0-E352F39FC6E6}" type="presOf" srcId="{26CE0156-DE00-4467-B3EB-DC316C067640}" destId="{3397B3EB-68D9-4F68-8392-B3F9373D90C1}" srcOrd="0" destOrd="0" presId="urn:microsoft.com/office/officeart/2005/8/layout/list1"/>
+    <dgm:cxn modelId="{5D55FC66-995E-414D-8EBF-1EBB854E5C1F}" type="presOf" srcId="{2D8CFB89-674C-4C8A-9667-08DDDFAD43F9}" destId="{A2162418-4DDC-4F71-B0C7-723FDE22C29F}" srcOrd="0" destOrd="0" presId="urn:microsoft.com/office/officeart/2005/8/layout/list1"/>
+    <dgm:cxn modelId="{B907BF6B-537B-416B-91AE-ED1ABBB464C4}" type="presOf" srcId="{4F60DAB6-3EA2-457C-A991-518FE2015BA3}" destId="{A00AC266-0DDB-4C72-8F34-7DC22DEA08E1}" srcOrd="0" destOrd="0" presId="urn:microsoft.com/office/officeart/2005/8/layout/list1"/>
+    <dgm:cxn modelId="{F123F970-B8E0-46B1-B6F1-EAE1B354815B}" srcId="{B44F5B37-56C5-4867-9A9B-89F8A0CD4754}" destId="{20D1F2E5-C5DD-490C-8162-423A83C27A9A}" srcOrd="0" destOrd="0" parTransId="{1813BA7C-CFA9-4526-9399-2F0D64EC5FE6}" sibTransId="{8E23670E-5AFA-42E0-96E6-8149FB3C4924}"/>
+    <dgm:cxn modelId="{2526409E-48BC-4BD1-A100-A5CEB21FB738}" type="presOf" srcId="{20D1F2E5-C5DD-490C-8162-423A83C27A9A}" destId="{E09281B2-310C-4314-A5A5-E0193E1286BA}" srcOrd="0" destOrd="0" presId="urn:microsoft.com/office/officeart/2005/8/layout/list1"/>
+    <dgm:cxn modelId="{E309CBAA-2926-4554-B90C-239E6FDD7C4B}" srcId="{4F60DAB6-3EA2-457C-A991-518FE2015BA3}" destId="{2D8CFB89-674C-4C8A-9667-08DDDFAD43F9}" srcOrd="0" destOrd="0" parTransId="{2DA684F4-242F-4A22-A5A8-AC8C68CEDD9E}" sibTransId="{DF25E32A-AC3B-44A3-B4B7-0E45886D17C5}"/>
+    <dgm:cxn modelId="{4708B3AF-E0CA-4ABD-BA78-29915E33180E}" srcId="{26CE0156-DE00-4467-B3EB-DC316C067640}" destId="{B44F5B37-56C5-4867-9A9B-89F8A0CD4754}" srcOrd="1" destOrd="0" parTransId="{4A586E86-453B-48F2-BC24-29B333D1229A}" sibTransId="{B0BCAFF3-00E4-4822-B5FD-EDC735EC6421}"/>
+    <dgm:cxn modelId="{61D516B4-0AEF-4BF9-9E69-CF013781DE1D}" type="presOf" srcId="{4F60DAB6-3EA2-457C-A991-518FE2015BA3}" destId="{2DE812D1-8BC8-43A3-A7F0-CA6EF2A92CBF}" srcOrd="1" destOrd="0" presId="urn:microsoft.com/office/officeart/2005/8/layout/list1"/>
+    <dgm:cxn modelId="{A0BD20C0-A017-491B-A420-6CA9998AB490}" type="presOf" srcId="{B44F5B37-56C5-4867-9A9B-89F8A0CD4754}" destId="{53C1BA20-5CD4-4FC2-B463-0562CFB9F9D4}" srcOrd="1" destOrd="0" presId="urn:microsoft.com/office/officeart/2005/8/layout/list1"/>
+    <dgm:cxn modelId="{325BEAC0-5F92-4A11-9765-891DAC325BD1}" srcId="{26CE0156-DE00-4467-B3EB-DC316C067640}" destId="{4F60DAB6-3EA2-457C-A991-518FE2015BA3}" srcOrd="0" destOrd="0" parTransId="{EBAEF127-4EFA-49AB-97B5-367EFEBEACA5}" sibTransId="{1C2FFAA9-D36D-448E-8DEC-0F8A583A6281}"/>
+    <dgm:cxn modelId="{D30AC5D2-B7DC-44B6-920A-DD166B82BB36}" type="presOf" srcId="{B44F5B37-56C5-4867-9A9B-89F8A0CD4754}" destId="{CDCFF20A-75E0-47D4-BDA8-0589EF83342E}" srcOrd="0" destOrd="0" presId="urn:microsoft.com/office/officeart/2005/8/layout/list1"/>
+    <dgm:cxn modelId="{B0130C09-F997-4185-ABA7-191DAE39F7A8}" type="presParOf" srcId="{3397B3EB-68D9-4F68-8392-B3F9373D90C1}" destId="{F6C1DD0F-E694-4B22-855D-624446D1686C}" srcOrd="0" destOrd="0" presId="urn:microsoft.com/office/officeart/2005/8/layout/list1"/>
+    <dgm:cxn modelId="{E433F493-F9A4-4FB0-B7F7-AACE7B62F9A2}" type="presParOf" srcId="{F6C1DD0F-E694-4B22-855D-624446D1686C}" destId="{A00AC266-0DDB-4C72-8F34-7DC22DEA08E1}" srcOrd="0" destOrd="0" presId="urn:microsoft.com/office/officeart/2005/8/layout/list1"/>
+    <dgm:cxn modelId="{658D6D72-52E7-4AAC-A116-C00D8474CCE0}" type="presParOf" srcId="{F6C1DD0F-E694-4B22-855D-624446D1686C}" destId="{2DE812D1-8BC8-43A3-A7F0-CA6EF2A92CBF}" srcOrd="1" destOrd="0" presId="urn:microsoft.com/office/officeart/2005/8/layout/list1"/>
+    <dgm:cxn modelId="{E180C71F-934B-4C15-A89C-12284FC5AA73}" type="presParOf" srcId="{3397B3EB-68D9-4F68-8392-B3F9373D90C1}" destId="{D905AE35-3A7D-4CD2-B125-67220F0C55D7}" srcOrd="1" destOrd="0" presId="urn:microsoft.com/office/officeart/2005/8/layout/list1"/>
+    <dgm:cxn modelId="{FAD57D16-9615-4ECA-87FB-8A5337515B9D}" type="presParOf" srcId="{3397B3EB-68D9-4F68-8392-B3F9373D90C1}" destId="{A2162418-4DDC-4F71-B0C7-723FDE22C29F}" srcOrd="2" destOrd="0" presId="urn:microsoft.com/office/officeart/2005/8/layout/list1"/>
+    <dgm:cxn modelId="{E6A5F96E-8BA0-4D9E-BA30-A8D20DBAA8D9}" type="presParOf" srcId="{3397B3EB-68D9-4F68-8392-B3F9373D90C1}" destId="{C7161D32-829C-4044-85E1-FCC41103852E}" srcOrd="3" destOrd="0" presId="urn:microsoft.com/office/officeart/2005/8/layout/list1"/>
+    <dgm:cxn modelId="{6684683C-0417-4B8C-A520-79C80F802547}" type="presParOf" srcId="{3397B3EB-68D9-4F68-8392-B3F9373D90C1}" destId="{87467AF9-715F-47ED-995A-4F1DA423FC63}" srcOrd="4" destOrd="0" presId="urn:microsoft.com/office/officeart/2005/8/layout/list1"/>
+    <dgm:cxn modelId="{E43078DB-A986-4569-8BBE-6BF995DB0B7B}" type="presParOf" srcId="{87467AF9-715F-47ED-995A-4F1DA423FC63}" destId="{CDCFF20A-75E0-47D4-BDA8-0589EF83342E}" srcOrd="0" destOrd="0" presId="urn:microsoft.com/office/officeart/2005/8/layout/list1"/>
+    <dgm:cxn modelId="{C60F34AD-3671-4134-8B93-E6B85E51AD82}" type="presParOf" srcId="{87467AF9-715F-47ED-995A-4F1DA423FC63}" destId="{53C1BA20-5CD4-4FC2-B463-0562CFB9F9D4}" srcOrd="1" destOrd="0" presId="urn:microsoft.com/office/officeart/2005/8/layout/list1"/>
+    <dgm:cxn modelId="{97511062-20B9-45DB-9AFC-A4C50B29E883}" type="presParOf" srcId="{3397B3EB-68D9-4F68-8392-B3F9373D90C1}" destId="{05414907-A052-43E2-847F-BBAF4287EDF0}" srcOrd="5" destOrd="0" presId="urn:microsoft.com/office/officeart/2005/8/layout/list1"/>
+    <dgm:cxn modelId="{A41FE6D7-FCA6-4084-9140-79A9CC142160}" type="presParOf" srcId="{3397B3EB-68D9-4F68-8392-B3F9373D90C1}" destId="{E09281B2-310C-4314-A5A5-E0193E1286BA}" srcOrd="6" destOrd="0" presId="urn:microsoft.com/office/officeart/2005/8/layout/list1"/>
   </dgm:cxnLst>
   <dgm:bg/>
   <dgm:whole/>
@@ -4481,22 +4137,22 @@
       <dsp:cNvGrpSpPr/>
     </dsp:nvGrpSpPr>
     <dsp:grpSpPr/>
-    <dsp:sp modelId="{954381E7-0584-46DD-8108-E9BF4F2B5005}">
+    <dsp:sp modelId="{A2162418-4DDC-4F71-B0C7-723FDE22C29F}">
       <dsp:nvSpPr>
         <dsp:cNvPr id="0" name=""/>
         <dsp:cNvSpPr/>
       </dsp:nvSpPr>
       <dsp:spPr>
-        <a:xfrm rot="16200000">
-          <a:off x="2328055" y="314278"/>
-          <a:ext cx="363378" cy="3005230"/>
+        <a:xfrm>
+          <a:off x="0" y="626757"/>
+          <a:ext cx="6650991" cy="1597050"/>
         </a:xfrm>
-        <a:prstGeom prst="round2SameRect">
+        <a:prstGeom prst="rect">
           <a:avLst/>
         </a:prstGeom>
         <a:solidFill>
-          <a:schemeClr val="accent1">
-            <a:shade val="80000"/>
+          <a:schemeClr val="lt1">
+            <a:alpha val="90000"/>
             <a:hueOff val="0"/>
             <a:satOff val="0"/>
             <a:lumOff val="0"/>
@@ -4505,8 +4161,7 @@
         </a:solidFill>
         <a:ln w="22225" cap="rnd" cmpd="sng" algn="ctr">
           <a:solidFill>
-            <a:schemeClr val="accent1">
-              <a:shade val="80000"/>
+            <a:schemeClr val="accent2">
               <a:hueOff val="0"/>
               <a:satOff val="0"/>
               <a:lumOff val="0"/>
@@ -4527,17 +4182,93 @@
         <a:effectRef idx="0">
           <a:scrgbClr r="0" g="0" b="0"/>
         </a:effectRef>
+        <a:fontRef idx="minor"/>
+      </dsp:style>
+      <dsp:txBody>
+        <a:bodyPr spcFirstLastPara="0" vert="horz" wrap="square" lIns="516191" tIns="812292" rIns="516191" bIns="277368" numCol="1" spcCol="1270" anchor="t" anchorCtr="0">
+          <a:noAutofit/>
+        </a:bodyPr>
+        <a:lstStyle/>
+        <a:p>
+          <a:pPr marL="285750" lvl="1" indent="-285750" algn="l" defTabSz="1733550">
+            <a:lnSpc>
+              <a:spcPct val="90000"/>
+            </a:lnSpc>
+            <a:spcBef>
+              <a:spcPct val="0"/>
+            </a:spcBef>
+            <a:spcAft>
+              <a:spcPct val="15000"/>
+            </a:spcAft>
+            <a:buChar char="•"/>
+          </a:pPr>
+          <a:r>
+            <a:rPr lang="de-DE" sz="3900" kern="1200"/>
+            <a:t>0,226 | p-Wert 0,00315</a:t>
+          </a:r>
+          <a:endParaRPr lang="en-US" sz="3900" kern="1200"/>
+        </a:p>
+      </dsp:txBody>
+      <dsp:txXfrm>
+        <a:off x="0" y="626757"/>
+        <a:ext cx="6650991" cy="1597050"/>
+      </dsp:txXfrm>
+    </dsp:sp>
+    <dsp:sp modelId="{2DE812D1-8BC8-43A3-A7F0-CA6EF2A92CBF}">
+      <dsp:nvSpPr>
+        <dsp:cNvPr id="0" name=""/>
+        <dsp:cNvSpPr/>
+      </dsp:nvSpPr>
+      <dsp:spPr>
+        <a:xfrm>
+          <a:off x="332549" y="51117"/>
+          <a:ext cx="4655693" cy="1151280"/>
+        </a:xfrm>
+        <a:prstGeom prst="roundRect">
+          <a:avLst/>
+        </a:prstGeom>
+        <a:solidFill>
+          <a:schemeClr val="accent2">
+            <a:hueOff val="0"/>
+            <a:satOff val="0"/>
+            <a:lumOff val="0"/>
+            <a:alphaOff val="0"/>
+          </a:schemeClr>
+        </a:solidFill>
+        <a:ln w="25400" cap="rnd" cmpd="sng" algn="ctr">
+          <a:solidFill>
+            <a:schemeClr val="lt1">
+              <a:hueOff val="0"/>
+              <a:satOff val="0"/>
+              <a:lumOff val="0"/>
+              <a:alphaOff val="0"/>
+            </a:schemeClr>
+          </a:solidFill>
+          <a:prstDash val="solid"/>
+        </a:ln>
+        <a:effectLst/>
+      </dsp:spPr>
+      <dsp:style>
+        <a:lnRef idx="3">
+          <a:scrgbClr r="0" g="0" b="0"/>
+        </a:lnRef>
+        <a:fillRef idx="1">
+          <a:scrgbClr r="0" g="0" b="0"/>
+        </a:fillRef>
+        <a:effectRef idx="1">
+          <a:scrgbClr r="0" g="0" b="0"/>
+        </a:effectRef>
         <a:fontRef idx="minor">
           <a:schemeClr val="lt1"/>
         </a:fontRef>
       </dsp:style>
       <dsp:txBody>
-        <a:bodyPr spcFirstLastPara="0" vert="horz" wrap="square" lIns="83820" tIns="83820" rIns="83820" bIns="83820" numCol="1" spcCol="1270" rtlCol="0" anchor="ctr" anchorCtr="1">
+        <a:bodyPr spcFirstLastPara="0" vert="horz" wrap="square" lIns="175974" tIns="0" rIns="175974" bIns="0" numCol="1" spcCol="1270" anchor="ctr" anchorCtr="0">
           <a:noAutofit/>
         </a:bodyPr>
         <a:lstStyle/>
         <a:p>
-          <a:pPr marL="0" lvl="0" indent="0" algn="ctr" defTabSz="488950" rtl="0">
+          <a:pPr marL="0" lvl="0" indent="0" algn="l" defTabSz="1733550">
             <a:lnSpc>
               <a:spcPct val="90000"/>
             </a:lnSpc>
@@ -4550,133 +4281,33 @@
             <a:buNone/>
           </a:pPr>
           <a:r>
-            <a:rPr lang="de" sz="1100" kern="1200"/>
-            <a:t>2017</a:t>
+            <a:rPr lang="de-DE" sz="3900" kern="1200"/>
+            <a:t>Lineare Korrelation – Pearson</a:t>
           </a:r>
+          <a:endParaRPr lang="en-US" sz="3900" kern="1200"/>
         </a:p>
       </dsp:txBody>
-      <dsp:txXfrm rot="5400000">
-        <a:off x="1024869" y="1652943"/>
-        <a:ext cx="2987491" cy="327900"/>
+      <dsp:txXfrm>
+        <a:off x="388750" y="107318"/>
+        <a:ext cx="4543291" cy="1038878"/>
       </dsp:txXfrm>
     </dsp:sp>
-    <dsp:sp modelId="{5A1B764B-0DC5-47CD-BDEA-9E67799496EC}">
+    <dsp:sp modelId="{E09281B2-310C-4314-A5A5-E0193E1286BA}">
       <dsp:nvSpPr>
         <dsp:cNvPr id="0" name=""/>
         <dsp:cNvSpPr/>
       </dsp:nvSpPr>
       <dsp:spPr>
         <a:xfrm>
-          <a:off x="5385" y="0"/>
-          <a:ext cx="5008717" cy="1271825"/>
+          <a:off x="0" y="3010047"/>
+          <a:ext cx="6650991" cy="1597050"/>
         </a:xfrm>
         <a:prstGeom prst="rect">
           <a:avLst/>
         </a:prstGeom>
-        <a:noFill/>
-        <a:ln>
-          <a:noFill/>
-        </a:ln>
-        <a:effectLst/>
-      </dsp:spPr>
-      <dsp:style>
-        <a:lnRef idx="0">
-          <a:scrgbClr r="0" g="0" b="0"/>
-        </a:lnRef>
-        <a:fillRef idx="0">
-          <a:scrgbClr r="0" g="0" b="0"/>
-        </a:fillRef>
-        <a:effectRef idx="0">
-          <a:scrgbClr r="0" g="0" b="0"/>
-        </a:effectRef>
-        <a:fontRef idx="minor"/>
-      </dsp:style>
-      <dsp:txBody>
-        <a:bodyPr spcFirstLastPara="0" vert="horz" wrap="square" lIns="0" tIns="0" rIns="0" bIns="83820" numCol="1" spcCol="1270" rtlCol="0" anchor="b" anchorCtr="1">
-          <a:noAutofit/>
-        </a:bodyPr>
-        <a:lstStyle/>
-        <a:p>
-          <a:pPr marL="0" lvl="0" indent="0" algn="ctr" defTabSz="488950" rtl="0">
-            <a:lnSpc>
-              <a:spcPct val="90000"/>
-            </a:lnSpc>
-            <a:spcBef>
-              <a:spcPct val="0"/>
-            </a:spcBef>
-            <a:spcAft>
-              <a:spcPct val="35000"/>
-            </a:spcAft>
-            <a:buNone/>
-          </a:pPr>
-          <a:r>
-            <a:rPr lang="de" sz="1100" kern="1200"/>
-            <a:t>Lorem ipsum dolor sit amet</a:t>
-          </a:r>
-        </a:p>
-      </dsp:txBody>
-      <dsp:txXfrm>
-        <a:off x="5385" y="0"/>
-        <a:ext cx="5008717" cy="1271825"/>
-      </dsp:txXfrm>
-    </dsp:sp>
-    <dsp:sp modelId="{122B38A3-0442-4747-820C-1F37877E2B0E}">
-      <dsp:nvSpPr>
-        <dsp:cNvPr id="0" name=""/>
-        <dsp:cNvSpPr/>
-      </dsp:nvSpPr>
-      <dsp:spPr>
-        <a:xfrm>
-          <a:off x="2509744" y="1344501"/>
-          <a:ext cx="0" cy="290702"/>
-        </a:xfrm>
-        <a:prstGeom prst="line">
-          <a:avLst/>
-        </a:prstGeom>
-        <a:noFill/>
-        <a:ln w="12700" cap="rnd" cmpd="sng" algn="ctr">
-          <a:solidFill>
-            <a:schemeClr val="accent1">
-              <a:shade val="90000"/>
-              <a:hueOff val="93466"/>
-              <a:satOff val="1924"/>
-              <a:lumOff val="8231"/>
-              <a:alphaOff val="0"/>
-            </a:schemeClr>
-          </a:solidFill>
-          <a:prstDash val="dash"/>
-        </a:ln>
-        <a:effectLst/>
-      </dsp:spPr>
-      <dsp:style>
-        <a:lnRef idx="1">
-          <a:scrgbClr r="0" g="0" b="0"/>
-        </a:lnRef>
-        <a:fillRef idx="0">
-          <a:scrgbClr r="0" g="0" b="0"/>
-        </a:fillRef>
-        <a:effectRef idx="0">
-          <a:scrgbClr r="0" g="0" b="0"/>
-        </a:effectRef>
-        <a:fontRef idx="minor"/>
-      </dsp:style>
-    </dsp:sp>
-    <dsp:sp modelId="{A73181F6-69BB-4A47-8277-4671A45AC8C8}">
-      <dsp:nvSpPr>
-        <dsp:cNvPr id="0" name=""/>
-        <dsp:cNvSpPr/>
-      </dsp:nvSpPr>
-      <dsp:spPr>
-        <a:xfrm>
-          <a:off x="2473406" y="1271825"/>
-          <a:ext cx="72675" cy="72675"/>
-        </a:xfrm>
-        <a:prstGeom prst="ellipse">
-          <a:avLst/>
-        </a:prstGeom>
         <a:solidFill>
-          <a:schemeClr val="accent1">
-            <a:shade val="80000"/>
+          <a:schemeClr val="lt1">
+            <a:alpha val="90000"/>
             <a:hueOff val="0"/>
             <a:satOff val="0"/>
             <a:lumOff val="0"/>
@@ -4685,7 +4316,7 @@
         </a:solidFill>
         <a:ln w="22225" cap="rnd" cmpd="sng" algn="ctr">
           <a:solidFill>
-            <a:schemeClr val="lt1">
+            <a:schemeClr val="accent2">
               <a:hueOff val="0"/>
               <a:satOff val="0"/>
               <a:lumOff val="0"/>
@@ -4706,68 +4337,15 @@
         <a:effectRef idx="0">
           <a:scrgbClr r="0" g="0" b="0"/>
         </a:effectRef>
-        <a:fontRef idx="minor">
-          <a:schemeClr val="lt1"/>
-        </a:fontRef>
-      </dsp:style>
-    </dsp:sp>
-    <dsp:sp modelId="{30804A27-188E-4A17-8FFE-97BCCA0597B8}">
-      <dsp:nvSpPr>
-        <dsp:cNvPr id="0" name=""/>
-        <dsp:cNvSpPr/>
-      </dsp:nvSpPr>
-      <dsp:spPr>
-        <a:xfrm>
-          <a:off x="4012359" y="1635204"/>
-          <a:ext cx="3005230" cy="363378"/>
-        </a:xfrm>
-        <a:prstGeom prst="rect">
-          <a:avLst/>
-        </a:prstGeom>
-        <a:solidFill>
-          <a:schemeClr val="accent1">
-            <a:shade val="80000"/>
-            <a:hueOff val="223096"/>
-            <a:satOff val="-4529"/>
-            <a:lumOff val="15339"/>
-            <a:alphaOff val="0"/>
-          </a:schemeClr>
-        </a:solidFill>
-        <a:ln w="22225" cap="rnd" cmpd="sng" algn="ctr">
-          <a:solidFill>
-            <a:schemeClr val="accent1">
-              <a:shade val="80000"/>
-              <a:hueOff val="223096"/>
-              <a:satOff val="-4529"/>
-              <a:lumOff val="15339"/>
-              <a:alphaOff val="0"/>
-            </a:schemeClr>
-          </a:solidFill>
-          <a:prstDash val="solid"/>
-        </a:ln>
-        <a:effectLst/>
-      </dsp:spPr>
-      <dsp:style>
-        <a:lnRef idx="2">
-          <a:scrgbClr r="0" g="0" b="0"/>
-        </a:lnRef>
-        <a:fillRef idx="1">
-          <a:scrgbClr r="0" g="0" b="0"/>
-        </a:fillRef>
-        <a:effectRef idx="0">
-          <a:scrgbClr r="0" g="0" b="0"/>
-        </a:effectRef>
-        <a:fontRef idx="minor">
-          <a:schemeClr val="lt1"/>
-        </a:fontRef>
+        <a:fontRef idx="minor"/>
       </dsp:style>
       <dsp:txBody>
-        <a:bodyPr spcFirstLastPara="0" vert="horz" wrap="square" lIns="83820" tIns="83820" rIns="83820" bIns="83820" numCol="1" spcCol="1270" rtlCol="0" anchor="ctr" anchorCtr="1">
+        <a:bodyPr spcFirstLastPara="0" vert="horz" wrap="square" lIns="516191" tIns="812292" rIns="516191" bIns="277368" numCol="1" spcCol="1270" anchor="t" anchorCtr="0">
           <a:noAutofit/>
         </a:bodyPr>
         <a:lstStyle/>
         <a:p>
-          <a:pPr marL="0" lvl="0" indent="0" algn="ctr" defTabSz="488950" rtl="0">
+          <a:pPr marL="285750" lvl="1" indent="-285750" algn="l" defTabSz="1733550">
             <a:lnSpc>
               <a:spcPct val="90000"/>
             </a:lnSpc>
@@ -4775,145 +4353,44 @@
               <a:spcPct val="0"/>
             </a:spcBef>
             <a:spcAft>
-              <a:spcPct val="35000"/>
+              <a:spcPct val="15000"/>
             </a:spcAft>
-            <a:buNone/>
+            <a:buChar char="•"/>
           </a:pPr>
           <a:r>
-            <a:rPr lang="de" sz="1100" kern="1200"/>
-            <a:t>2018</a:t>
+            <a:rPr lang="de-DE" sz="3900" kern="1200"/>
+            <a:t>0,207 | p-Wert 0,00682</a:t>
           </a:r>
+          <a:endParaRPr lang="en-US" sz="3900" kern="1200"/>
         </a:p>
       </dsp:txBody>
       <dsp:txXfrm>
-        <a:off x="4012359" y="1635204"/>
-        <a:ext cx="3005230" cy="363378"/>
+        <a:off x="0" y="3010047"/>
+        <a:ext cx="6650991" cy="1597050"/>
       </dsp:txXfrm>
     </dsp:sp>
-    <dsp:sp modelId="{DF65791B-462E-4589-B98D-F60587330CA8}">
+    <dsp:sp modelId="{53C1BA20-5CD4-4FC2-B463-0562CFB9F9D4}">
       <dsp:nvSpPr>
         <dsp:cNvPr id="0" name=""/>
         <dsp:cNvSpPr/>
       </dsp:nvSpPr>
       <dsp:spPr>
         <a:xfrm>
-          <a:off x="3010616" y="2361961"/>
-          <a:ext cx="5008717" cy="1271825"/>
+          <a:off x="332549" y="2434408"/>
+          <a:ext cx="4655693" cy="1151280"/>
         </a:xfrm>
-        <a:prstGeom prst="rect">
-          <a:avLst/>
-        </a:prstGeom>
-        <a:noFill/>
-        <a:ln>
-          <a:noFill/>
-        </a:ln>
-        <a:effectLst/>
-      </dsp:spPr>
-      <dsp:style>
-        <a:lnRef idx="0">
-          <a:scrgbClr r="0" g="0" b="0"/>
-        </a:lnRef>
-        <a:fillRef idx="0">
-          <a:scrgbClr r="0" g="0" b="0"/>
-        </a:fillRef>
-        <a:effectRef idx="0">
-          <a:scrgbClr r="0" g="0" b="0"/>
-        </a:effectRef>
-        <a:fontRef idx="minor"/>
-      </dsp:style>
-      <dsp:txBody>
-        <a:bodyPr spcFirstLastPara="0" vert="horz" wrap="square" lIns="0" tIns="83820" rIns="0" bIns="0" numCol="1" spcCol="1270" rtlCol="0" anchor="t" anchorCtr="1">
-          <a:noAutofit/>
-        </a:bodyPr>
-        <a:lstStyle/>
-        <a:p>
-          <a:pPr marL="0" lvl="0" indent="0" algn="ctr" defTabSz="488950" rtl="0">
-            <a:lnSpc>
-              <a:spcPct val="90000"/>
-            </a:lnSpc>
-            <a:spcBef>
-              <a:spcPct val="0"/>
-            </a:spcBef>
-            <a:spcAft>
-              <a:spcPct val="35000"/>
-            </a:spcAft>
-            <a:buNone/>
-          </a:pPr>
-          <a:r>
-            <a:rPr lang="de" sz="1100" kern="1200"/>
-            <a:t>Lorem ipsum dolor sit amet</a:t>
-          </a:r>
-        </a:p>
-      </dsp:txBody>
-      <dsp:txXfrm>
-        <a:off x="3010616" y="2361961"/>
-        <a:ext cx="5008717" cy="1271825"/>
-      </dsp:txXfrm>
-    </dsp:sp>
-    <dsp:sp modelId="{DBA410EB-5F61-4F46-92D9-C5B0AA59EE15}">
-      <dsp:nvSpPr>
-        <dsp:cNvPr id="0" name=""/>
-        <dsp:cNvSpPr/>
-      </dsp:nvSpPr>
-      <dsp:spPr>
-        <a:xfrm>
-          <a:off x="5514975" y="1998582"/>
-          <a:ext cx="0" cy="290702"/>
-        </a:xfrm>
-        <a:prstGeom prst="line">
-          <a:avLst/>
-        </a:prstGeom>
-        <a:noFill/>
-        <a:ln w="12700" cap="rnd" cmpd="sng" algn="ctr">
-          <a:solidFill>
-            <a:schemeClr val="accent1">
-              <a:shade val="90000"/>
-              <a:hueOff val="140199"/>
-              <a:satOff val="2886"/>
-              <a:lumOff val="12346"/>
-              <a:alphaOff val="0"/>
-            </a:schemeClr>
-          </a:solidFill>
-          <a:prstDash val="dash"/>
-        </a:ln>
-        <a:effectLst/>
-      </dsp:spPr>
-      <dsp:style>
-        <a:lnRef idx="1">
-          <a:scrgbClr r="0" g="0" b="0"/>
-        </a:lnRef>
-        <a:fillRef idx="0">
-          <a:scrgbClr r="0" g="0" b="0"/>
-        </a:fillRef>
-        <a:effectRef idx="0">
-          <a:scrgbClr r="0" g="0" b="0"/>
-        </a:effectRef>
-        <a:fontRef idx="minor"/>
-      </dsp:style>
-    </dsp:sp>
-    <dsp:sp modelId="{E1220EDB-B75C-43A5-B862-97E4C09130A7}">
-      <dsp:nvSpPr>
-        <dsp:cNvPr id="0" name=""/>
-        <dsp:cNvSpPr/>
-      </dsp:nvSpPr>
-      <dsp:spPr>
-        <a:xfrm>
-          <a:off x="5478637" y="2289285"/>
-          <a:ext cx="72675" cy="72675"/>
-        </a:xfrm>
-        <a:prstGeom prst="ellipse">
+        <a:prstGeom prst="roundRect">
           <a:avLst/>
         </a:prstGeom>
         <a:solidFill>
-          <a:schemeClr val="accent1">
-            <a:shade val="80000"/>
-            <a:hueOff val="223096"/>
-            <a:satOff val="-4529"/>
-            <a:lumOff val="15339"/>
+          <a:schemeClr val="accent2">
+            <a:hueOff val="0"/>
+            <a:satOff val="0"/>
+            <a:lumOff val="0"/>
             <a:alphaOff val="0"/>
           </a:schemeClr>
         </a:solidFill>
-        <a:ln w="22225" cap="rnd" cmpd="sng" algn="ctr">
+        <a:ln w="25400" cap="rnd" cmpd="sng" algn="ctr">
           <a:solidFill>
             <a:schemeClr val="lt1">
               <a:hueOff val="0"/>
@@ -4927,64 +4404,13 @@
         <a:effectLst/>
       </dsp:spPr>
       <dsp:style>
-        <a:lnRef idx="2">
+        <a:lnRef idx="3">
           <a:scrgbClr r="0" g="0" b="0"/>
         </a:lnRef>
         <a:fillRef idx="1">
           <a:scrgbClr r="0" g="0" b="0"/>
         </a:fillRef>
-        <a:effectRef idx="0">
-          <a:scrgbClr r="0" g="0" b="0"/>
-        </a:effectRef>
-        <a:fontRef idx="minor">
-          <a:schemeClr val="lt1"/>
-        </a:fontRef>
-      </dsp:style>
-    </dsp:sp>
-    <dsp:sp modelId="{566B79CB-1A41-4F5C-BF91-58D94BF93913}">
-      <dsp:nvSpPr>
-        <dsp:cNvPr id="0" name=""/>
-        <dsp:cNvSpPr/>
-      </dsp:nvSpPr>
-      <dsp:spPr>
-        <a:xfrm rot="5400000">
-          <a:off x="8338516" y="314278"/>
-          <a:ext cx="363378" cy="3005230"/>
-        </a:xfrm>
-        <a:prstGeom prst="round2SameRect">
-          <a:avLst/>
-        </a:prstGeom>
-        <a:solidFill>
-          <a:schemeClr val="accent1">
-            <a:shade val="80000"/>
-            <a:hueOff val="446191"/>
-            <a:satOff val="-9058"/>
-            <a:lumOff val="30677"/>
-            <a:alphaOff val="0"/>
-          </a:schemeClr>
-        </a:solidFill>
-        <a:ln w="22225" cap="rnd" cmpd="sng" algn="ctr">
-          <a:solidFill>
-            <a:schemeClr val="accent1">
-              <a:shade val="80000"/>
-              <a:hueOff val="446191"/>
-              <a:satOff val="-9058"/>
-              <a:lumOff val="30677"/>
-              <a:alphaOff val="0"/>
-            </a:schemeClr>
-          </a:solidFill>
-          <a:prstDash val="solid"/>
-        </a:ln>
-        <a:effectLst/>
-      </dsp:spPr>
-      <dsp:style>
-        <a:lnRef idx="2">
-          <a:scrgbClr r="0" g="0" b="0"/>
-        </a:lnRef>
-        <a:fillRef idx="1">
-          <a:scrgbClr r="0" g="0" b="0"/>
-        </a:fillRef>
-        <a:effectRef idx="0">
+        <a:effectRef idx="1">
           <a:scrgbClr r="0" g="0" b="0"/>
         </a:effectRef>
         <a:fontRef idx="minor">
@@ -4992,12 +4418,12 @@
         </a:fontRef>
       </dsp:style>
       <dsp:txBody>
-        <a:bodyPr spcFirstLastPara="0" vert="horz" wrap="square" lIns="83820" tIns="83820" rIns="83820" bIns="83820" numCol="1" spcCol="1270" rtlCol="0" anchor="ctr" anchorCtr="1">
+        <a:bodyPr spcFirstLastPara="0" vert="horz" wrap="square" lIns="175974" tIns="0" rIns="175974" bIns="0" numCol="1" spcCol="1270" anchor="ctr" anchorCtr="0">
           <a:noAutofit/>
         </a:bodyPr>
         <a:lstStyle/>
         <a:p>
-          <a:pPr marL="0" lvl="0" indent="0" algn="ctr" defTabSz="488950" rtl="0">
+          <a:pPr marL="0" lvl="0" indent="0" algn="l" defTabSz="1733550">
             <a:lnSpc>
               <a:spcPct val="90000"/>
             </a:lnSpc>
@@ -5010,209 +4436,46 @@
             <a:buNone/>
           </a:pPr>
           <a:r>
-            <a:rPr lang="de" sz="1100" kern="1200"/>
-            <a:t>2019</a:t>
+            <a:rPr lang="de-DE" sz="3900" kern="1200" dirty="0"/>
+            <a:t>Rangkorrelation     – Spearman</a:t>
           </a:r>
-        </a:p>
-      </dsp:txBody>
-      <dsp:txXfrm rot="-5400000">
-        <a:off x="7017591" y="1652943"/>
-        <a:ext cx="2987491" cy="327900"/>
-      </dsp:txXfrm>
-    </dsp:sp>
-    <dsp:sp modelId="{B4723E2A-4FF1-452A-BD25-8EC364F15A6F}">
-      <dsp:nvSpPr>
-        <dsp:cNvPr id="0" name=""/>
-        <dsp:cNvSpPr/>
-      </dsp:nvSpPr>
-      <dsp:spPr>
-        <a:xfrm>
-          <a:off x="6015846" y="0"/>
-          <a:ext cx="5008717" cy="1271825"/>
-        </a:xfrm>
-        <a:prstGeom prst="rect">
-          <a:avLst/>
-        </a:prstGeom>
-        <a:noFill/>
-        <a:ln>
-          <a:noFill/>
-        </a:ln>
-        <a:effectLst/>
-      </dsp:spPr>
-      <dsp:style>
-        <a:lnRef idx="0">
-          <a:scrgbClr r="0" g="0" b="0"/>
-        </a:lnRef>
-        <a:fillRef idx="0">
-          <a:scrgbClr r="0" g="0" b="0"/>
-        </a:fillRef>
-        <a:effectRef idx="0">
-          <a:scrgbClr r="0" g="0" b="0"/>
-        </a:effectRef>
-        <a:fontRef idx="minor"/>
-      </dsp:style>
-      <dsp:txBody>
-        <a:bodyPr spcFirstLastPara="0" vert="horz" wrap="square" lIns="0" tIns="0" rIns="0" bIns="83820" numCol="1" spcCol="1270" rtlCol="0" anchor="b" anchorCtr="1">
-          <a:noAutofit/>
-        </a:bodyPr>
-        <a:lstStyle/>
-        <a:p>
-          <a:pPr marL="0" lvl="0" indent="0" algn="ctr" defTabSz="488950" rtl="0">
-            <a:lnSpc>
-              <a:spcPct val="90000"/>
-            </a:lnSpc>
-            <a:spcBef>
-              <a:spcPct val="0"/>
-            </a:spcBef>
-            <a:spcAft>
-              <a:spcPct val="35000"/>
-            </a:spcAft>
-            <a:buNone/>
-          </a:pPr>
-          <a:r>
-            <a:rPr lang="de" sz="1100" kern="1200"/>
-            <a:t>Lorem ipsum dolor sit amet</a:t>
-          </a:r>
+          <a:endParaRPr lang="en-US" sz="3900" kern="1200" dirty="0"/>
         </a:p>
       </dsp:txBody>
       <dsp:txXfrm>
-        <a:off x="6015846" y="0"/>
-        <a:ext cx="5008717" cy="1271825"/>
+        <a:off x="388750" y="2490609"/>
+        <a:ext cx="4543291" cy="1038878"/>
       </dsp:txXfrm>
-    </dsp:sp>
-    <dsp:sp modelId="{440E9361-37D2-4157-AF38-7B49AD23708B}">
-      <dsp:nvSpPr>
-        <dsp:cNvPr id="0" name=""/>
-        <dsp:cNvSpPr/>
-      </dsp:nvSpPr>
-      <dsp:spPr>
-        <a:xfrm>
-          <a:off x="8520205" y="1344501"/>
-          <a:ext cx="0" cy="290702"/>
-        </a:xfrm>
-        <a:prstGeom prst="line">
-          <a:avLst/>
-        </a:prstGeom>
-        <a:noFill/>
-        <a:ln w="12700" cap="rnd" cmpd="sng" algn="ctr">
-          <a:solidFill>
-            <a:schemeClr val="accent1">
-              <a:shade val="90000"/>
-              <a:hueOff val="186931"/>
-              <a:satOff val="3848"/>
-              <a:lumOff val="16461"/>
-              <a:alphaOff val="0"/>
-            </a:schemeClr>
-          </a:solidFill>
-          <a:prstDash val="dash"/>
-        </a:ln>
-        <a:effectLst/>
-      </dsp:spPr>
-      <dsp:style>
-        <a:lnRef idx="1">
-          <a:scrgbClr r="0" g="0" b="0"/>
-        </a:lnRef>
-        <a:fillRef idx="0">
-          <a:scrgbClr r="0" g="0" b="0"/>
-        </a:fillRef>
-        <a:effectRef idx="0">
-          <a:scrgbClr r="0" g="0" b="0"/>
-        </a:effectRef>
-        <a:fontRef idx="minor"/>
-      </dsp:style>
-    </dsp:sp>
-    <dsp:sp modelId="{C45E7B63-1C71-483E-A3A8-705CE86D4D8E}">
-      <dsp:nvSpPr>
-        <dsp:cNvPr id="0" name=""/>
-        <dsp:cNvSpPr/>
-      </dsp:nvSpPr>
-      <dsp:spPr>
-        <a:xfrm>
-          <a:off x="8483867" y="1271825"/>
-          <a:ext cx="72675" cy="72675"/>
-        </a:xfrm>
-        <a:prstGeom prst="ellipse">
-          <a:avLst/>
-        </a:prstGeom>
-        <a:solidFill>
-          <a:schemeClr val="accent1">
-            <a:shade val="80000"/>
-            <a:hueOff val="446191"/>
-            <a:satOff val="-9058"/>
-            <a:lumOff val="30677"/>
-            <a:alphaOff val="0"/>
-          </a:schemeClr>
-        </a:solidFill>
-        <a:ln w="22225" cap="rnd" cmpd="sng" algn="ctr">
-          <a:solidFill>
-            <a:schemeClr val="lt1">
-              <a:hueOff val="0"/>
-              <a:satOff val="0"/>
-              <a:lumOff val="0"/>
-              <a:alphaOff val="0"/>
-            </a:schemeClr>
-          </a:solidFill>
-          <a:prstDash val="solid"/>
-        </a:ln>
-        <a:effectLst/>
-      </dsp:spPr>
-      <dsp:style>
-        <a:lnRef idx="2">
-          <a:scrgbClr r="0" g="0" b="0"/>
-        </a:lnRef>
-        <a:fillRef idx="1">
-          <a:scrgbClr r="0" g="0" b="0"/>
-        </a:fillRef>
-        <a:effectRef idx="0">
-          <a:scrgbClr r="0" g="0" b="0"/>
-        </a:effectRef>
-        <a:fontRef idx="minor">
-          <a:schemeClr val="lt1"/>
-        </a:fontRef>
-      </dsp:style>
     </dsp:sp>
   </dsp:spTree>
 </dsp:drawing>
 </file>
 
 <file path=ppt/diagrams/layout1.xml><?xml version="1.0" encoding="utf-8"?>
-<dgm:layoutDef xmlns:dgm="http://schemas.openxmlformats.org/drawingml/2006/diagram" xmlns:a="http://schemas.openxmlformats.org/drawingml/2006/main" uniqueId="urn:microsoft.com/office/officeart/2016/7/layout/RoundedRectangleTimeline">
-  <dgm:title val="Rounded Rectangle Timeline"/>
-  <dgm:desc val="Use to show a list of events in chronological order. An invisible box contains the description while the date is shown in rectangles, except for the first and last node where the corners of the rectangle are rounded. It can display large amount of text and long descriptive date format."/>
+<dgm:layoutDef xmlns:dgm="http://schemas.openxmlformats.org/drawingml/2006/diagram" xmlns:a="http://schemas.openxmlformats.org/drawingml/2006/main" uniqueId="urn:microsoft.com/office/officeart/2005/8/layout/list1">
+  <dgm:title val=""/>
+  <dgm:desc val=""/>
   <dgm:catLst>
-    <dgm:cat type="timeline" pri="500"/>
-    <dgm:cat type="process" pri="600"/>
+    <dgm:cat type="list" pri="4000"/>
   </dgm:catLst>
   <dgm:sampData>
     <dgm:dataModel>
       <dgm:ptLst>
         <dgm:pt modelId="0" type="doc"/>
-        <dgm:pt modelId="10">
+        <dgm:pt modelId="1">
           <dgm:prSet phldr="1"/>
         </dgm:pt>
-        <dgm:pt modelId="11">
+        <dgm:pt modelId="2">
           <dgm:prSet phldr="1"/>
         </dgm:pt>
-        <dgm:pt modelId="20">
-          <dgm:prSet phldr="1"/>
-        </dgm:pt>
-        <dgm:pt modelId="21">
-          <dgm:prSet phldr="1"/>
-        </dgm:pt>
-        <dgm:pt modelId="30">
-          <dgm:prSet phldr="1"/>
-        </dgm:pt>
-        <dgm:pt modelId="31">
+        <dgm:pt modelId="3">
           <dgm:prSet phldr="1"/>
         </dgm:pt>
       </dgm:ptLst>
       <dgm:cxnLst>
-        <dgm:cxn modelId="40" srcId="0" destId="10" srcOrd="0" destOrd="0"/>
-        <dgm:cxn modelId="12" srcId="10" destId="11" srcOrd="0" destOrd="0"/>
-        <dgm:cxn modelId="50" srcId="0" destId="20" srcOrd="1" destOrd="0"/>
-        <dgm:cxn modelId="22" srcId="20" destId="21" srcOrd="0" destOrd="0"/>
-        <dgm:cxn modelId="60" srcId="0" destId="30" srcOrd="1" destOrd="0"/>
-        <dgm:cxn modelId="32" srcId="30" destId="31" srcOrd="0" destOrd="0"/>
+        <dgm:cxn modelId="4" srcId="0" destId="1" srcOrd="0" destOrd="0"/>
+        <dgm:cxn modelId="5" srcId="0" destId="2" srcOrd="1" destOrd="0"/>
+        <dgm:cxn modelId="6" srcId="0" destId="3" srcOrd="2" destOrd="0"/>
       </dgm:cxnLst>
       <dgm:bg/>
       <dgm:whole/>
@@ -5222,16 +4485,12 @@
     <dgm:dataModel>
       <dgm:ptLst>
         <dgm:pt modelId="0" type="doc"/>
-        <dgm:pt modelId="10">
-          <dgm:prSet phldr="1"/>
-        </dgm:pt>
-        <dgm:pt modelId="20">
-          <dgm:prSet phldr="1"/>
-        </dgm:pt>
+        <dgm:pt modelId="1"/>
+        <dgm:pt modelId="2"/>
       </dgm:ptLst>
       <dgm:cxnLst>
-        <dgm:cxn modelId="60" srcId="0" destId="10" srcOrd="0" destOrd="0"/>
-        <dgm:cxn modelId="70" srcId="0" destId="20" srcOrd="1" destOrd="0"/>
+        <dgm:cxn modelId="4" srcId="0" destId="1" srcOrd="0" destOrd="0"/>
+        <dgm:cxn modelId="5" srcId="0" destId="2" srcOrd="1" destOrd="0"/>
       </dgm:cxnLst>
       <dgm:bg/>
       <dgm:whole/>
@@ -5241,529 +4500,188 @@
     <dgm:dataModel>
       <dgm:ptLst>
         <dgm:pt modelId="0" type="doc"/>
-        <dgm:pt modelId="10">
-          <dgm:prSet phldr="1"/>
-        </dgm:pt>
-        <dgm:pt modelId="20">
-          <dgm:prSet phldr="1"/>
-        </dgm:pt>
-        <dgm:pt modelId="30">
-          <dgm:prSet phldr="1"/>
-        </dgm:pt>
-        <dgm:pt modelId="40">
-          <dgm:prSet phldr="1"/>
-        </dgm:pt>
+        <dgm:pt modelId="1"/>
+        <dgm:pt modelId="2"/>
+        <dgm:pt modelId="3"/>
+        <dgm:pt modelId="4"/>
       </dgm:ptLst>
       <dgm:cxnLst>
-        <dgm:cxn modelId="60" srcId="0" destId="10" srcOrd="0" destOrd="0"/>
-        <dgm:cxn modelId="70" srcId="0" destId="20" srcOrd="1" destOrd="0"/>
-        <dgm:cxn modelId="80" srcId="0" destId="30" srcOrd="2" destOrd="0"/>
-        <dgm:cxn modelId="90" srcId="0" destId="40" srcOrd="3" destOrd="0"/>
+        <dgm:cxn modelId="5" srcId="0" destId="1" srcOrd="0" destOrd="0"/>
+        <dgm:cxn modelId="6" srcId="0" destId="2" srcOrd="1" destOrd="0"/>
+        <dgm:cxn modelId="7" srcId="0" destId="3" srcOrd="2" destOrd="0"/>
+        <dgm:cxn modelId="8" srcId="0" destId="4" srcOrd="3" destOrd="0"/>
       </dgm:cxnLst>
       <dgm:bg/>
       <dgm:whole/>
     </dgm:dataModel>
   </dgm:clrData>
-  <dgm:layoutNode name="Name0">
+  <dgm:layoutNode name="linear">
     <dgm:varLst>
-      <dgm:chMax/>
-      <dgm:chPref/>
+      <dgm:dir/>
       <dgm:animLvl val="lvl"/>
+      <dgm:resizeHandles val="exact"/>
     </dgm:varLst>
-    <dgm:choose name="Name1">
-      <dgm:if name="Name2" func="var" arg="dir" op="equ" val="norm">
-        <dgm:alg type="lin"/>
+    <dgm:choose name="Name0">
+      <dgm:if name="Name1" func="var" arg="dir" op="equ" val="norm">
+        <dgm:alg type="lin">
+          <dgm:param type="linDir" val="fromT"/>
+          <dgm:param type="vertAlign" val="mid"/>
+          <dgm:param type="horzAlign" val="l"/>
+          <dgm:param type="nodeHorzAlign" val="l"/>
+        </dgm:alg>
       </dgm:if>
-      <dgm:else name="Name3">
+      <dgm:else name="Name2">
         <dgm:alg type="lin">
-          <dgm:param type="linDir" val="fromR"/>
+          <dgm:param type="linDir" val="fromT"/>
+          <dgm:param type="vertAlign" val="mid"/>
+          <dgm:param type="horzAlign" val="r"/>
+          <dgm:param type="nodeHorzAlign" val="r"/>
         </dgm:alg>
       </dgm:else>
     </dgm:choose>
     <dgm:shape xmlns:r="http://schemas.openxmlformats.org/officeDocument/2006/relationships" r:blip="">
       <dgm:adjLst/>
     </dgm:shape>
+    <dgm:presOf/>
     <dgm:constrLst>
-      <dgm:constr type="primFontSz" for="des" forName="parent" val="18"/>
-      <dgm:constr type="primFontSz" for="des" forName="Childtext" val="18"/>
-      <dgm:constr type="primFontSz" for="des" forName="Childtext" refType="primFontSz" refFor="des" refForName="parent" op="lte"/>
-      <dgm:constr type="w" for="ch" forName="composite" refType="w"/>
-      <dgm:constr type="h" for="ch" forName="composite" refType="h"/>
-      <dgm:constr type="w" for="ch" forName="spaceBetweenRectangles" refType="w" refFor="ch" refForName="composite" fact="-0.4"/>
-      <dgm:constr type="w" for="ch" ptType="sibTrans" op="equ"/>
-      <dgm:constr type="primFontSz" for="des" forName="parent" op="equ"/>
-      <dgm:constr type="primFontSz" for="des" forName="Childtext" op="equ"/>
-      <dgm:constr type="primFontSz" for="des" forName="parent1" val="18"/>
-      <dgm:constr type="primFontSz" for="des" forName="Childtext1" val="18"/>
-      <dgm:constr type="primFontSz" for="des" forName="Childtext1" refType="primFontSz" refFor="des" refForName="parent1" op="lte"/>
-      <dgm:constr type="w" for="ch" forName="composite1" refType="w"/>
-      <dgm:constr type="h" for="ch" forName="composite1" refType="h"/>
-      <dgm:constr type="w" for="ch" forName="spaceBetweenRectangles1" refType="w" refFor="ch" refForName="composite1" fact="-0.4"/>
-      <dgm:constr type="primFontSz" for="des" forName="parent1" op="equ"/>
-      <dgm:constr type="primFontSz" for="des" forName="Childtext1" op="equ"/>
+      <dgm:constr type="w" for="ch" forName="parentLin" refType="w"/>
+      <dgm:constr type="h" for="ch" forName="parentLin" val="INF"/>
+      <dgm:constr type="w" for="des" forName="parentLeftMargin" refType="w" fact="0.05"/>
+      <dgm:constr type="w" for="des" forName="parentText" refType="w" fact="0.7"/>
+      <dgm:constr type="h" for="des" forName="parentText" refType="primFontSz" refFor="des" refForName="parentText" fact="0.82"/>
+      <dgm:constr type="h" for="ch" forName="negativeSpace" refType="primFontSz" refFor="des" refForName="parentText" fact="-0.41"/>
+      <dgm:constr type="h" for="ch" forName="negativeSpace" refType="h" refFor="des" refForName="parentText" op="lte" fact="-0.82"/>
+      <dgm:constr type="h" for="ch" forName="negativeSpace" refType="h" refFor="des" refForName="parentText" op="gte" fact="-0.82"/>
+      <dgm:constr type="w" for="ch" forName="childText" refType="w"/>
+      <dgm:constr type="h" for="ch" forName="childText" refType="primFontSz" refFor="des" refForName="parentText" fact="0.7"/>
+      <dgm:constr type="primFontSz" for="des" forName="parentText" val="65"/>
+      <dgm:constr type="primFontSz" for="ch" forName="childText" refType="primFontSz" refFor="des" refForName="parentText"/>
+      <dgm:constr type="tMarg" for="ch" forName="childText" refType="primFontSz" refFor="des" refForName="parentText" fact="1.64"/>
+      <dgm:constr type="tMarg" for="ch" forName="childText" refType="h" refFor="des" refForName="parentText" op="lte" fact="3.28"/>
+      <dgm:constr type="tMarg" for="ch" forName="childText" refType="h" refFor="des" refForName="parentText" op="gte" fact="3.28"/>
+      <dgm:constr type="lMarg" for="ch" forName="childText" refType="w" fact="0.22"/>
+      <dgm:constr type="rMarg" for="ch" forName="childText" refType="lMarg" refFor="ch" refForName="childText"/>
+      <dgm:constr type="lMarg" for="des" forName="parentText" refType="w" fact="0.075"/>
+      <dgm:constr type="rMarg" for="des" forName="parentText" refType="lMarg" refFor="des" refForName="parentText"/>
+      <dgm:constr type="h" for="ch" forName="spaceBetweenRectangles" refType="primFontSz" refFor="des" refForName="parentText" fact="0.15"/>
     </dgm:constrLst>
-    <dgm:choose name="layoutByNodeCnt">
-      <dgm:if name="twoOrLessNodes" axis="ch" ptType="node" func="cnt" op="lte" val="2">
-        <dgm:forEach name="nodesForEach" axis="ch" ptType="node">
-          <dgm:layoutNode name="composite">
-            <dgm:alg type="composite"/>
-            <dgm:shape xmlns:r="http://schemas.openxmlformats.org/officeDocument/2006/relationships" r:blip="">
-              <dgm:adjLst/>
-            </dgm:shape>
-            <dgm:choose name="casesForFirstAndLastNode1">
-              <dgm:if name="startNode1" axis="self" ptType="node" func="pos" op="equ" val="1">
-                <dgm:choose name="removeLineWhenOnlyOneNode1">
-                  <dgm:if name="ifOnlyOneNode1" axis="followSib" ptType="node" func="cnt" op="equ" val="0">
-                    <dgm:constrLst>
-                      <dgm:constr type="w" for="ch" forName="parent" refType="w" fact="0.95"/>
-                      <dgm:constr type="l" for="ch" forName="parent" refType="w" fact="0.025"/>
-                      <dgm:constr type="t" for="ch" forName="parent" refType="h" fact="0.45"/>
-                      <dgm:constr type="h" for="ch" forName="parent" refType="h" fact="0.1"/>
-                      <dgm:constr type="l" for="ch" forName="Childtext" refType="w" fact="0.025"/>
-                      <dgm:constr type="w" for="ch" forName="Childtext" refType="w" fact="0.95"/>
-                      <dgm:constr type="h" for="ch" forName="Childtext" refType="h" fact="0.35"/>
-                      <dgm:constr type="w" for="ch" forName="ConnectLine"/>
-                      <dgm:constr type="h" for="ch" forName="ConnectLine" refType="h" fact="0.08"/>
-                      <dgm:constr type="t" for="ch" forName="ConnectLine" refType="h" fact="0.37"/>
-                      <dgm:constr type="ctrX" for="ch" forName="ConnectLine" refType="w" fact="0.5"/>
-                      <dgm:constr type="w" for="ch" forName="ConnectLineEnd" refType="h" fact="0.02"/>
-                      <dgm:constr type="h" for="ch" forName="ConnectLineEnd" refType="h" fact="0.02"/>
-                      <dgm:constr type="t" for="ch" forName="ConnectLineEnd" refType="h" fact="0.35"/>
-                      <dgm:constr type="ctrX" for="ch" forName="ConnectLineEnd" refType="w" fact="0.5"/>
-                      <dgm:constr type="w" for="ch" forName="EmptyPane" refType="w"/>
-                      <dgm:constr type="t" for="ch" forName="EmptyPane" refType="h" fact="0.55"/>
-                      <dgm:constr type="h" for="ch" forName="EmptyPane" refType="h" fact="0.45"/>
-                    </dgm:constrLst>
-                  </dgm:if>
-                  <dgm:else name="ifMoreThanOneNode1">
-                    <dgm:constrLst>
-                      <dgm:constr type="w" for="ch" forName="parent" refType="w" fact="0.6"/>
-                      <dgm:constr type="l" for="ch" forName="parent" refType="w" fact="0.2"/>
-                      <dgm:constr type="t" for="ch" forName="parent" refType="h" fact="0.45"/>
-                      <dgm:constr type="h" for="ch" forName="parent" refType="h" fact="0.1"/>
-                      <dgm:constr type="l" for="ch" forName="Childtext" refType="w" fact="0.2"/>
-                      <dgm:constr type="w" for="ch" forName="Childtext" refType="w" fact="0.6"/>
-                      <dgm:constr type="h" for="ch" forName="Childtext" refType="h" fact="0.35"/>
-                      <dgm:constr type="w" for="ch" forName="ConnectLine"/>
-                      <dgm:constr type="h" for="ch" forName="ConnectLine" refType="h" fact="0.08"/>
-                      <dgm:constr type="t" for="ch" forName="ConnectLine" refType="h" fact="0.37"/>
-                      <dgm:constr type="ctrX" for="ch" forName="ConnectLine" refType="w" fact="0.5"/>
-                      <dgm:constr type="w" for="ch" forName="ConnectLineEnd" refType="h" fact="0.02"/>
-                      <dgm:constr type="h" for="ch" forName="ConnectLineEnd" refType="h" fact="0.02"/>
-                      <dgm:constr type="t" for="ch" forName="ConnectLineEnd" refType="h" fact="0.35"/>
-                      <dgm:constr type="ctrX" for="ch" forName="ConnectLineEnd" refType="w" fact="0.5"/>
-                      <dgm:constr type="w" for="ch" forName="EmptyPane" refType="w"/>
-                      <dgm:constr type="t" for="ch" forName="EmptyPane" refType="h" fact="0.55"/>
-                      <dgm:constr type="h" for="ch" forName="EmptyPane" refType="h" fact="0.45"/>
-                    </dgm:constrLst>
-                  </dgm:else>
-                </dgm:choose>
-              </dgm:if>
-              <dgm:else name="notStartNode1">
-                <dgm:constrLst>
-                  <dgm:constr type="w" for="ch" forName="parent" refType="w" fact="0.6"/>
-                  <dgm:constr type="l" for="ch" forName="parent" refType="w" fact="0.2"/>
-                  <dgm:constr type="t" for="ch" forName="parent" refType="h" fact="0.45"/>
-                  <dgm:constr type="h" for="ch" forName="parent" refType="h" fact="0.1"/>
-                  <dgm:constr type="l" for="ch" forName="Childtext" refType="w" fact="0.2"/>
-                  <dgm:constr type="w" for="ch" forName="Childtext" refType="w" fact="0.6"/>
-                  <dgm:constr type="h" for="ch" forName="Childtext" refType="h" fact="0.35"/>
-                  <dgm:constr type="t" for="ch" forName="Childtext" refType="h" fact="0.65"/>
-                  <dgm:constr type="w" for="ch" forName="ConnectLine"/>
-                  <dgm:constr type="h" for="ch" forName="ConnectLine" refType="h" fact="0.08"/>
-                  <dgm:constr type="t" for="ch" forName="ConnectLine" refType="h" fact="0.55"/>
-                  <dgm:constr type="ctrX" for="ch" forName="ConnectLine" refType="w" fact="0.5"/>
-                  <dgm:constr type="w" for="ch" forName="ConnectLineEnd" refType="h" fact="0.02"/>
-                  <dgm:constr type="h" for="ch" forName="ConnectLineEnd" refType="h" fact="0.02"/>
-                  <dgm:constr type="b" for="ch" forName="ConnectLineEnd" refType="h" fact="0.65"/>
-                  <dgm:constr type="ctrX" for="ch" forName="ConnectLineEnd" refType="w" fact="0.5"/>
-                  <dgm:constr type="w" for="ch" forName="EmptyPane" refType="w"/>
-                  <dgm:constr type="h" for="ch" forName="EmptyPane" refType="h" fact="0.45"/>
-                </dgm:constrLst>
-              </dgm:else>
-            </dgm:choose>
-            <dgm:layoutNode name="parent" styleLbl="alignNode1">
-              <dgm:varLst>
-                <dgm:chMax val="1"/>
-                <dgm:chPref val="1"/>
-                <dgm:bulletEnabled val="1"/>
-              </dgm:varLst>
+    <dgm:ruleLst>
+      <dgm:rule type="primFontSz" for="des" forName="parentText" val="5" fact="NaN" max="NaN"/>
+    </dgm:ruleLst>
+    <dgm:forEach name="Name3" axis="ch" ptType="node">
+      <dgm:layoutNode name="parentLin">
+        <dgm:choose name="Name4">
+          <dgm:if name="Name5" func="var" arg="dir" op="equ" val="norm">
+            <dgm:alg type="lin">
+              <dgm:param type="linDir" val="fromL"/>
+              <dgm:param type="horzAlign" val="l"/>
+              <dgm:param type="nodeHorzAlign" val="l"/>
+            </dgm:alg>
+          </dgm:if>
+          <dgm:else name="Name6">
+            <dgm:alg type="lin">
+              <dgm:param type="linDir" val="fromR"/>
+              <dgm:param type="horzAlign" val="r"/>
+              <dgm:param type="nodeHorzAlign" val="r"/>
+            </dgm:alg>
+          </dgm:else>
+        </dgm:choose>
+        <dgm:shape xmlns:r="http://schemas.openxmlformats.org/officeDocument/2006/relationships" r:blip="">
+          <dgm:adjLst/>
+        </dgm:shape>
+        <dgm:presOf/>
+        <dgm:constrLst/>
+        <dgm:ruleLst/>
+        <dgm:layoutNode name="parentLeftMargin">
+          <dgm:alg type="sp"/>
+          <dgm:shape xmlns:r="http://schemas.openxmlformats.org/officeDocument/2006/relationships" type="rect" r:blip="" hideGeom="1">
+            <dgm:adjLst/>
+          </dgm:shape>
+          <dgm:presOf axis="self"/>
+          <dgm:constrLst>
+            <dgm:constr type="h"/>
+          </dgm:constrLst>
+          <dgm:ruleLst/>
+        </dgm:layoutNode>
+        <dgm:layoutNode name="parentText" styleLbl="node1">
+          <dgm:varLst>
+            <dgm:chMax val="0"/>
+            <dgm:bulletEnabled val="1"/>
+          </dgm:varLst>
+          <dgm:choose name="Name7">
+            <dgm:if name="Name8" func="var" arg="dir" op="equ" val="norm">
               <dgm:alg type="tx">
-                <dgm:param type="txAnchorHorz" val="ctr"/>
-                <dgm:param type="txAnchorVert" val="mid"/>
-                <dgm:param type="parTxLTRAlign" val="ctr"/>
-                <dgm:param type="parTxRTLAlign" val="ctr"/>
+                <dgm:param type="parTxLTRAlign" val="l"/>
+                <dgm:param type="parTxRTLAlign" val="l"/>
               </dgm:alg>
-              <dgm:choose name="casesForFirstAndLastNode">
-                <dgm:if name="startNode" axis="self" ptType="node" func="pos" op="equ" val="1">
-                  <dgm:choose name="removeLineWhenOnlyOneNode">
-                    <dgm:if name="ifOnlyOneNode" axis="followSib" ptType="node" func="cnt" op="equ" val="0">
-                      <dgm:shape xmlns:r="http://schemas.openxmlformats.org/officeDocument/2006/relationships" type="roundRect" r:blip="">
-                        <dgm:adjLst/>
-                      </dgm:shape>
-                    </dgm:if>
-                    <dgm:else name="ifMoreThanOneNode">
-                      <dgm:choose name="Name18">
-                        <dgm:if name="Name19" func="var" arg="dir" op="equ" val="norm">
-                          <dgm:shape xmlns:r="http://schemas.openxmlformats.org/officeDocument/2006/relationships" rot="-90" type="round2SameRect" r:blip="">
-                            <dgm:adjLst/>
-                          </dgm:shape>
-                        </dgm:if>
-                        <dgm:else name="Name20">
-                          <dgm:shape xmlns:r="http://schemas.openxmlformats.org/officeDocument/2006/relationships" rot="90" type="round2SameRect" r:blip="">
-                            <dgm:adjLst/>
-                          </dgm:shape>
-                        </dgm:else>
-                      </dgm:choose>
-                    </dgm:else>
-                  </dgm:choose>
-                </dgm:if>
-                <dgm:else name="notStartNode">
-                  <dgm:choose name="Name22">
-                    <dgm:if name="Name23" axis="self" ptType="node" func="revPos" op="equ" val="1">
-                      <dgm:choose name="Name24">
-                        <dgm:if name="Name25" func="var" arg="dir" op="equ" val="norm">
-                          <dgm:shape xmlns:r="http://schemas.openxmlformats.org/officeDocument/2006/relationships" rot="90" type="round2SameRect" r:blip="">
-                            <dgm:adjLst/>
-                          </dgm:shape>
-                        </dgm:if>
-                        <dgm:else name="Name26">
-                          <dgm:shape xmlns:r="http://schemas.openxmlformats.org/officeDocument/2006/relationships" rot="-90" type="round2SameRect" r:blip="">
-                            <dgm:adjLst/>
-                          </dgm:shape>
-                        </dgm:else>
-                      </dgm:choose>
-                    </dgm:if>
-                    <dgm:else name="Name27">
-                      <dgm:shape xmlns:r="http://schemas.openxmlformats.org/officeDocument/2006/relationships" type="rect" r:blip="">
-                        <dgm:adjLst/>
-                      </dgm:shape>
-                    </dgm:else>
-                  </dgm:choose>
-                </dgm:else>
-              </dgm:choose>
-              <dgm:presOf axis="self" ptType="node"/>
-              <dgm:constrLst>
-                <dgm:constr type="lMarg" refType="primFontSz" fact="0.6"/>
-                <dgm:constr type="rMarg" refType="primFontSz" fact="0.6"/>
-                <dgm:constr type="tMarg" refType="primFontSz" fact="0.6"/>
-                <dgm:constr type="bMarg" refType="primFontSz" fact="0.6"/>
-              </dgm:constrLst>
-              <dgm:ruleLst>
-                <dgm:rule type="primFontSz" val="11" fact="NaN" max="NaN"/>
-              </dgm:ruleLst>
-            </dgm:layoutNode>
-            <dgm:layoutNode name="Childtext" styleLbl="revTx">
-              <dgm:varLst>
-                <dgm:bulletEnabled val="1"/>
-              </dgm:varLst>
-              <dgm:choose name="casesForTxtDirLogic">
-                <dgm:if name="Name77" axis="self" ptType="node" func="posOdd" op="equ" val="1">
-                  <dgm:alg type="tx">
-                    <dgm:param type="txAnchorVert" val="b"/>
-                    <dgm:param type="txAnchorHorz" val="ctr"/>
-                    <dgm:param type="parTxLTRAlign" val="ctr"/>
-                    <dgm:param type="parTxRTLAlign" val="ctr"/>
-                  </dgm:alg>
-                  <dgm:constrLst>
-                    <dgm:constr type="lMarg"/>
-                    <dgm:constr type="rMarg"/>
-                    <dgm:constr type="tMarg"/>
-                    <dgm:constr type="bMarg" refType="primFontSz" fact="0.6"/>
-                  </dgm:constrLst>
-                </dgm:if>
-                <dgm:else name="Name88">
-                  <dgm:alg type="tx">
-                    <dgm:param type="txAnchorVert" val="t"/>
-                    <dgm:param type="txAnchorHorz" val="ctr"/>
-                    <dgm:param type="parTxLTRAlign" val="ctr"/>
-                    <dgm:param type="parTxRTLAlign" val="ctr"/>
-                  </dgm:alg>
-                  <dgm:constrLst>
-                    <dgm:constr type="lMarg"/>
-                    <dgm:constr type="rMarg"/>
-                    <dgm:constr type="tMarg" refType="primFontSz" fact="0.6"/>
-                    <dgm:constr type="bMarg"/>
-                  </dgm:constrLst>
-                </dgm:else>
-              </dgm:choose>
-              <dgm:shape xmlns:r="http://schemas.openxmlformats.org/officeDocument/2006/relationships" type="rect" r:blip="">
-                <dgm:adjLst/>
-              </dgm:shape>
-              <dgm:presOf axis="ch" ptType="node"/>
-              <dgm:ruleLst>
-                <dgm:rule type="primFontSz" val="11" fact="NaN" max="NaN"/>
-              </dgm:ruleLst>
-            </dgm:layoutNode>
-            <dgm:layoutNode name="ConnectLine" styleLbl="sibTrans1D1">
-              <dgm:alg type="sp"/>
-              <dgm:shape xmlns:r="http://schemas.openxmlformats.org/officeDocument/2006/relationships" type="line" r:blip="">
-                <dgm:adjLst/>
-                <dgm:extLst>
-                  <a:ext uri="{B698B0E9-8C71-41B9-8309-B3DCBF30829C}">
-                    <dgm1612:spPr xmlns:dgm1612="http://schemas.microsoft.com/office/drawing/2016/12/diagram">
-                      <a:ln>
-                        <a:prstDash val="dash"/>
-                      </a:ln>
-                    </dgm1612:spPr>
-                  </a:ext>
-                </dgm:extLst>
-              </dgm:shape>
-              <dgm:presOf/>
-              <dgm:constrLst/>
-            </dgm:layoutNode>
-            <dgm:layoutNode name="ConnectLineEnd" styleLbl="lnNode1">
-              <dgm:alg type="sp"/>
-              <dgm:shape xmlns:r="http://schemas.openxmlformats.org/officeDocument/2006/relationships" type="ellipse" r:blip="">
-                <dgm:adjLst/>
-              </dgm:shape>
-              <dgm:presOf/>
-              <dgm:constrLst/>
-            </dgm:layoutNode>
-            <dgm:layoutNode name="EmptyPane">
-              <dgm:alg type="sp"/>
-              <dgm:shape xmlns:r="http://schemas.openxmlformats.org/officeDocument/2006/relationships" r:blip="">
-                <dgm:adjLst/>
-              </dgm:shape>
-              <dgm:presOf/>
-              <dgm:constrLst/>
-            </dgm:layoutNode>
-          </dgm:layoutNode>
-          <dgm:forEach name="Name28" axis="followSib" ptType="sibTrans" cnt="1">
-            <dgm:layoutNode name="spaceBetweenRectangles">
-              <dgm:alg type="sp"/>
-              <dgm:shape xmlns:r="http://schemas.openxmlformats.org/officeDocument/2006/relationships" r:blip="">
-                <dgm:adjLst/>
-              </dgm:shape>
-              <dgm:presOf/>
-              <dgm:constrLst/>
-              <dgm:ruleLst/>
-            </dgm:layoutNode>
-          </dgm:forEach>
-        </dgm:forEach>
-      </dgm:if>
-      <dgm:else name="moreThanTwoNodes">
-        <dgm:forEach name="nodesForEach1" axis="ch" ptType="node">
-          <dgm:layoutNode name="composite1">
-            <dgm:alg type="composite"/>
-            <dgm:shape xmlns:r="http://schemas.openxmlformats.org/officeDocument/2006/relationships" r:blip="">
-              <dgm:adjLst/>
-            </dgm:shape>
-            <dgm:choose name="casesForSnakingLogic21">
-              <dgm:if name="oddNode21" axis="self" ptType="node" func="posOdd" op="equ" val="1">
-                <dgm:constrLst>
-                  <dgm:constr type="w" for="ch" forName="parent1" refType="w" fact="0.6"/>
-                  <dgm:constr type="l" for="ch" forName="parent1" refType="w" fact="0.2"/>
-                  <dgm:constr type="t" for="ch" forName="parent1" refType="h" fact="0.45"/>
-                  <dgm:constr type="h" for="ch" forName="parent1" refType="h" fact="0.1"/>
-                  <dgm:constr type="w" for="ch" forName="Childtext1" refType="w"/>
-                  <dgm:constr type="h" for="ch" forName="Childtext1" refType="h" fact="0.35"/>
-                  <dgm:constr type="w" for="ch" forName="ConnectLine1"/>
-                  <dgm:constr type="h" for="ch" forName="ConnectLine1" refType="h" fact="0.08"/>
-                  <dgm:constr type="t" for="ch" forName="ConnectLine1" refType="h" fact="0.37"/>
-                  <dgm:constr type="ctrX" for="ch" forName="ConnectLine1" refType="w" fact="0.5"/>
-                  <dgm:constr type="w" for="ch" forName="ConnectLineEnd1" refType="h" fact="0.02"/>
-                  <dgm:constr type="h" for="ch" forName="ConnectLineEnd1" refType="h" fact="0.02"/>
-                  <dgm:constr type="t" for="ch" forName="ConnectLineEnd1" refType="h" fact="0.35"/>
-                  <dgm:constr type="ctrX" for="ch" forName="ConnectLineEnd1" refType="w" fact="0.5"/>
-                  <dgm:constr type="w" for="ch" forName="EmptyPane1" refType="w"/>
-                  <dgm:constr type="t" for="ch" forName="EmptyPane1" refType="h" fact="0.55"/>
-                  <dgm:constr type="h" for="ch" forName="EmptyPane1" refType="h" fact="0.45"/>
-                </dgm:constrLst>
-              </dgm:if>
-              <dgm:else name="evenNode2">
-                <dgm:constrLst>
-                  <dgm:constr type="w" for="ch" forName="parent1" refType="w" fact="0.6"/>
-                  <dgm:constr type="l" for="ch" forName="parent1" refType="w" fact="0.2"/>
-                  <dgm:constr type="t" for="ch" forName="parent1" refType="h" fact="0.45"/>
-                  <dgm:constr type="h" for="ch" forName="parent1" refType="h" fact="0.1"/>
-                  <dgm:constr type="w" for="ch" forName="Childtext1" refType="w"/>
-                  <dgm:constr type="h" for="ch" forName="Childtext1" refType="h" fact="0.35"/>
-                  <dgm:constr type="t" for="ch" forName="Childtext1" refType="h" fact="0.65"/>
-                  <dgm:constr type="w" for="ch" forName="ConnectLine1"/>
-                  <dgm:constr type="h" for="ch" forName="ConnectLine1" refType="h" fact="0.08"/>
-                  <dgm:constr type="t" for="ch" forName="ConnectLine1" refType="h" fact="0.55"/>
-                  <dgm:constr type="ctrX" for="ch" forName="ConnectLine1" refType="w" fact="0.5"/>
-                  <dgm:constr type="w" for="ch" forName="ConnectLineEnd1" refType="h" fact="0.02"/>
-                  <dgm:constr type="h" for="ch" forName="ConnectLineEnd1" refType="h" fact="0.02"/>
-                  <dgm:constr type="b" for="ch" forName="ConnectLineEnd1" refType="h" fact="0.65"/>
-                  <dgm:constr type="ctrX" for="ch" forName="ConnectLineEnd1" refType="w" fact="0.5"/>
-                  <dgm:constr type="w" for="ch" forName="EmptyPane1" refType="w"/>
-                  <dgm:constr type="h" for="ch" forName="EmptyPane1" refType="h" fact="0.45"/>
-                </dgm:constrLst>
-              </dgm:else>
-            </dgm:choose>
-            <dgm:layoutNode name="parent1" styleLbl="alignNode1">
-              <dgm:varLst>
-                <dgm:chMax val="1"/>
-                <dgm:chPref val="1"/>
-                <dgm:bulletEnabled val="1"/>
-              </dgm:varLst>
+            </dgm:if>
+            <dgm:else name="Name9">
               <dgm:alg type="tx">
-                <dgm:param type="txAnchorHorz" val="ctr"/>
-                <dgm:param type="txAnchorVert" val="mid"/>
-                <dgm:param type="parTxLTRAlign" val="ctr"/>
-                <dgm:param type="parTxRTLAlign" val="ctr"/>
+                <dgm:param type="parTxLTRAlign" val="r"/>
+                <dgm:param type="parTxRTLAlign" val="r"/>
               </dgm:alg>
-              <dgm:choose name="casesForFirstAndLastNode12">
-                <dgm:if name="startNode12" axis="self" ptType="node" func="pos" op="equ" val="1">
-                  <dgm:choose name="removeLineWhenOnlyOneNode12">
-                    <dgm:if name="ifOnlyOneNode12" axis="followSib" ptType="node" func="cnt" op="equ" val="0">
-                      <dgm:shape xmlns:r="http://schemas.openxmlformats.org/officeDocument/2006/relationships" type="roundRect" r:blip="">
-                        <dgm:adjLst/>
-                      </dgm:shape>
-                    </dgm:if>
-                    <dgm:else name="ifMoreThanOneNode12">
-                      <dgm:choose name="Name181">
-                        <dgm:if name="Name191" func="var" arg="dir" op="equ" val="norm">
-                          <dgm:shape xmlns:r="http://schemas.openxmlformats.org/officeDocument/2006/relationships" rot="-90" type="round2SameRect" r:blip="">
-                            <dgm:adjLst/>
-                          </dgm:shape>
-                        </dgm:if>
-                        <dgm:else name="Name201">
-                          <dgm:shape xmlns:r="http://schemas.openxmlformats.org/officeDocument/2006/relationships" rot="90" type="round2SameRect" r:blip="">
-                            <dgm:adjLst/>
-                          </dgm:shape>
-                        </dgm:else>
-                      </dgm:choose>
-                    </dgm:else>
-                  </dgm:choose>
-                </dgm:if>
-                <dgm:else name="notStartNode12">
-                  <dgm:choose name="Name221">
-                    <dgm:if name="Name231" axis="self" ptType="node" func="revPos" op="equ" val="1">
-                      <dgm:choose name="Name241">
-                        <dgm:if name="Name251" func="var" arg="dir" op="equ" val="norm">
-                          <dgm:shape xmlns:r="http://schemas.openxmlformats.org/officeDocument/2006/relationships" rot="90" type="round2SameRect" r:blip="">
-                            <dgm:adjLst/>
-                          </dgm:shape>
-                        </dgm:if>
-                        <dgm:else name="Name261">
-                          <dgm:shape xmlns:r="http://schemas.openxmlformats.org/officeDocument/2006/relationships" rot="-90" type="round2SameRect" r:blip="">
-                            <dgm:adjLst/>
-                          </dgm:shape>
-                        </dgm:else>
-                      </dgm:choose>
-                    </dgm:if>
-                    <dgm:else name="Name271">
-                      <dgm:shape xmlns:r="http://schemas.openxmlformats.org/officeDocument/2006/relationships" type="rect" r:blip="">
-                        <dgm:adjLst/>
-                      </dgm:shape>
-                    </dgm:else>
-                  </dgm:choose>
-                </dgm:else>
-              </dgm:choose>
-              <dgm:presOf axis="self" ptType="node"/>
-              <dgm:constrLst>
-                <dgm:constr type="lMarg" refType="primFontSz" fact="0.6"/>
-                <dgm:constr type="rMarg" refType="primFontSz" fact="0.6"/>
-                <dgm:constr type="tMarg" refType="primFontSz" fact="0.6"/>
-                <dgm:constr type="bMarg" refType="primFontSz" fact="0.6"/>
-              </dgm:constrLst>
-              <dgm:ruleLst>
-                <dgm:rule type="primFontSz" val="11" fact="NaN" max="NaN"/>
-              </dgm:ruleLst>
-            </dgm:layoutNode>
-            <dgm:layoutNode name="Childtext1" styleLbl="revTx">
-              <dgm:varLst>
-                <dgm:bulletEnabled val="1"/>
-              </dgm:varLst>
-              <dgm:choose name="casesForTxtDirLogic1">
-                <dgm:if name="Name771" axis="self" ptType="node" func="posOdd" op="equ" val="1">
-                  <dgm:alg type="tx">
-                    <dgm:param type="txAnchorVert" val="b"/>
-                    <dgm:param type="txAnchorHorz" val="ctr"/>
-                    <dgm:param type="parTxLTRAlign" val="ctr"/>
-                    <dgm:param type="parTxRTLAlign" val="ctr"/>
-                  </dgm:alg>
-                  <dgm:constrLst>
-                    <dgm:constr type="lMarg"/>
-                    <dgm:constr type="rMarg"/>
-                    <dgm:constr type="tMarg"/>
-                    <dgm:constr type="bMarg" refType="primFontSz" fact="0.6"/>
-                  </dgm:constrLst>
-                </dgm:if>
-                <dgm:else name="Name881">
-                  <dgm:alg type="tx">
-                    <dgm:param type="txAnchorVert" val="t"/>
-                    <dgm:param type="txAnchorHorz" val="ctr"/>
-                    <dgm:param type="parTxLTRAlign" val="ctr"/>
-                    <dgm:param type="parTxRTLAlign" val="ctr"/>
-                  </dgm:alg>
-                  <dgm:constrLst>
-                    <dgm:constr type="lMarg"/>
-                    <dgm:constr type="rMarg"/>
-                    <dgm:constr type="tMarg" refType="primFontSz" fact="0.6"/>
-                    <dgm:constr type="bMarg"/>
-                  </dgm:constrLst>
-                </dgm:else>
-              </dgm:choose>
-              <dgm:shape xmlns:r="http://schemas.openxmlformats.org/officeDocument/2006/relationships" type="rect" r:blip="">
-                <dgm:adjLst/>
-              </dgm:shape>
-              <dgm:presOf axis="ch" ptType="node"/>
-              <dgm:ruleLst>
-                <dgm:rule type="primFontSz" val="11" fact="NaN" max="NaN"/>
-              </dgm:ruleLst>
-            </dgm:layoutNode>
-            <dgm:layoutNode name="ConnectLine1" styleLbl="sibTrans1D1">
-              <dgm:alg type="sp"/>
-              <dgm:shape xmlns:r="http://schemas.openxmlformats.org/officeDocument/2006/relationships" type="line" r:blip="">
-                <dgm:adjLst/>
-                <dgm:extLst>
-                  <a:ext uri="{B698B0E9-8C71-41B9-8309-B3DCBF30829C}">
-                    <dgm1612:spPr xmlns:dgm1612="http://schemas.microsoft.com/office/drawing/2016/12/diagram">
-                      <a:ln>
-                        <a:prstDash val="dash"/>
-                      </a:ln>
-                    </dgm1612:spPr>
-                  </a:ext>
-                </dgm:extLst>
-              </dgm:shape>
-              <dgm:presOf/>
-              <dgm:constrLst/>
-            </dgm:layoutNode>
-            <dgm:layoutNode name="ConnectLineEnd1" styleLbl="lnNode1">
-              <dgm:alg type="sp"/>
-              <dgm:shape xmlns:r="http://schemas.openxmlformats.org/officeDocument/2006/relationships" type="ellipse" r:blip="">
-                <dgm:adjLst/>
-              </dgm:shape>
-              <dgm:presOf/>
-              <dgm:constrLst/>
-            </dgm:layoutNode>
-            <dgm:layoutNode name="EmptyPane1">
-              <dgm:alg type="sp"/>
-              <dgm:shape xmlns:r="http://schemas.openxmlformats.org/officeDocument/2006/relationships" r:blip="">
-                <dgm:adjLst/>
-              </dgm:shape>
-              <dgm:presOf/>
-              <dgm:constrLst/>
-            </dgm:layoutNode>
-          </dgm:layoutNode>
-          <dgm:forEach name="Name281" axis="followSib" ptType="sibTrans" cnt="1">
-            <dgm:layoutNode name="spaceBetweenRectangles1">
-              <dgm:alg type="sp"/>
-              <dgm:shape xmlns:r="http://schemas.openxmlformats.org/officeDocument/2006/relationships" r:blip="">
-                <dgm:adjLst/>
-              </dgm:shape>
-              <dgm:presOf/>
-              <dgm:constrLst/>
-              <dgm:ruleLst/>
-            </dgm:layoutNode>
-          </dgm:forEach>
-        </dgm:forEach>
-      </dgm:else>
-    </dgm:choose>
+            </dgm:else>
+          </dgm:choose>
+          <dgm:shape xmlns:r="http://schemas.openxmlformats.org/officeDocument/2006/relationships" type="roundRect" r:blip="">
+            <dgm:adjLst/>
+          </dgm:shape>
+          <dgm:presOf axis="self" ptType="node"/>
+          <dgm:constrLst>
+            <dgm:constr type="tMarg"/>
+            <dgm:constr type="bMarg"/>
+          </dgm:constrLst>
+          <dgm:ruleLst/>
+        </dgm:layoutNode>
+      </dgm:layoutNode>
+      <dgm:layoutNode name="negativeSpace">
+        <dgm:alg type="sp"/>
+        <dgm:shape xmlns:r="http://schemas.openxmlformats.org/officeDocument/2006/relationships" r:blip="">
+          <dgm:adjLst/>
+        </dgm:shape>
+        <dgm:presOf/>
+        <dgm:constrLst/>
+        <dgm:ruleLst/>
+      </dgm:layoutNode>
+      <dgm:layoutNode name="childText" styleLbl="conFgAcc1">
+        <dgm:varLst>
+          <dgm:bulletEnabled val="1"/>
+        </dgm:varLst>
+        <dgm:alg type="tx">
+          <dgm:param type="stBulletLvl" val="1"/>
+        </dgm:alg>
+        <dgm:shape xmlns:r="http://schemas.openxmlformats.org/officeDocument/2006/relationships" type="rect" r:blip="" zOrderOff="-2">
+          <dgm:adjLst/>
+        </dgm:shape>
+        <dgm:presOf axis="des" ptType="node"/>
+        <dgm:constrLst>
+          <dgm:constr type="secFontSz" refType="primFontSz"/>
+        </dgm:constrLst>
+        <dgm:ruleLst>
+          <dgm:rule type="h" val="INF" fact="NaN" max="NaN"/>
+        </dgm:ruleLst>
+      </dgm:layoutNode>
+      <dgm:forEach name="Name10" axis="followSib" ptType="sibTrans" cnt="1">
+        <dgm:layoutNode name="spaceBetweenRectangles">
+          <dgm:alg type="sp"/>
+          <dgm:shape xmlns:r="http://schemas.openxmlformats.org/officeDocument/2006/relationships" r:blip="">
+            <dgm:adjLst/>
+          </dgm:shape>
+          <dgm:presOf/>
+          <dgm:constrLst/>
+          <dgm:ruleLst/>
+        </dgm:layoutNode>
+      </dgm:forEach>
+    </dgm:forEach>
   </dgm:layoutNode>
 </dgm:layoutDef>
 </file>
 
 <file path=ppt/diagrams/quickStyle1.xml><?xml version="1.0" encoding="utf-8"?>
-<dgm:styleDef xmlns:dgm="http://schemas.openxmlformats.org/drawingml/2006/diagram" xmlns:a="http://schemas.openxmlformats.org/drawingml/2006/main" uniqueId="urn:microsoft.com/office/officeart/2005/8/quickstyle/simple1">
+<dgm:styleDef xmlns:dgm="http://schemas.openxmlformats.org/drawingml/2006/diagram" xmlns:a="http://schemas.openxmlformats.org/drawingml/2006/main" uniqueId="urn:microsoft.com/office/officeart/2005/8/quickstyle/simple2">
   <dgm:title val=""/>
   <dgm:desc val=""/>
   <dgm:catLst>
-    <dgm:cat type="simple" pri="10100"/>
+    <dgm:cat type="simple" pri="10200"/>
   </dgm:catLst>
   <dgm:scene3d>
     <a:camera prst="orthographicFront"/>
@@ -5777,13 +4695,13 @@
     <dgm:sp3d/>
     <dgm:txPr/>
     <dgm:style>
-      <a:lnRef idx="2">
+      <a:lnRef idx="3">
         <a:scrgbClr r="0" g="0" b="0"/>
       </a:lnRef>
       <a:fillRef idx="1">
         <a:scrgbClr r="0" g="0" b="0"/>
       </a:fillRef>
-      <a:effectRef idx="0">
+      <a:effectRef idx="1">
         <a:scrgbClr r="0" g="0" b="0"/>
       </a:effectRef>
       <a:fontRef idx="minor">
@@ -5799,13 +4717,13 @@
     <dgm:sp3d/>
     <dgm:txPr/>
     <dgm:style>
-      <a:lnRef idx="2">
+      <a:lnRef idx="3">
         <a:scrgbClr r="0" g="0" b="0"/>
       </a:lnRef>
       <a:fillRef idx="1">
         <a:scrgbClr r="0" g="0" b="0"/>
       </a:fillRef>
-      <a:effectRef idx="0">
+      <a:effectRef idx="1">
         <a:scrgbClr r="0" g="0" b="0"/>
       </a:effectRef>
       <a:fontRef idx="minor">
@@ -5821,7 +4739,7 @@
     <dgm:sp3d/>
     <dgm:txPr/>
     <dgm:style>
-      <a:lnRef idx="2">
+      <a:lnRef idx="3">
         <a:scrgbClr r="0" g="0" b="0"/>
       </a:lnRef>
       <a:fillRef idx="1">
@@ -5849,7 +4767,7 @@
       <a:fillRef idx="1">
         <a:scrgbClr r="0" g="0" b="0"/>
       </a:fillRef>
-      <a:effectRef idx="0">
+      <a:effectRef idx="1">
         <a:scrgbClr r="0" g="0" b="0"/>
       </a:effectRef>
       <a:fontRef idx="minor">
@@ -5865,13 +4783,13 @@
     <dgm:sp3d/>
     <dgm:txPr/>
     <dgm:style>
-      <a:lnRef idx="2">
+      <a:lnRef idx="3">
         <a:scrgbClr r="0" g="0" b="0"/>
       </a:lnRef>
       <a:fillRef idx="1">
         <a:scrgbClr r="0" g="0" b="0"/>
       </a:fillRef>
-      <a:effectRef idx="0">
+      <a:effectRef idx="1">
         <a:scrgbClr r="0" g="0" b="0"/>
       </a:effectRef>
       <a:fontRef idx="minor">
@@ -5887,13 +4805,13 @@
     <dgm:sp3d/>
     <dgm:txPr/>
     <dgm:style>
-      <a:lnRef idx="2">
+      <a:lnRef idx="3">
         <a:scrgbClr r="0" g="0" b="0"/>
       </a:lnRef>
       <a:fillRef idx="1">
         <a:scrgbClr r="0" g="0" b="0"/>
       </a:fillRef>
-      <a:effectRef idx="0">
+      <a:effectRef idx="1">
         <a:scrgbClr r="0" g="0" b="0"/>
       </a:effectRef>
       <a:fontRef idx="minor">
@@ -5909,13 +4827,13 @@
     <dgm:sp3d/>
     <dgm:txPr/>
     <dgm:style>
-      <a:lnRef idx="2">
+      <a:lnRef idx="3">
         <a:scrgbClr r="0" g="0" b="0"/>
       </a:lnRef>
       <a:fillRef idx="1">
         <a:scrgbClr r="0" g="0" b="0"/>
       </a:fillRef>
-      <a:effectRef idx="0">
+      <a:effectRef idx="1">
         <a:scrgbClr r="0" g="0" b="0"/>
       </a:effectRef>
       <a:fontRef idx="minor">
@@ -5931,13 +4849,13 @@
     <dgm:sp3d/>
     <dgm:txPr/>
     <dgm:style>
-      <a:lnRef idx="2">
+      <a:lnRef idx="3">
         <a:scrgbClr r="0" g="0" b="0"/>
       </a:lnRef>
       <a:fillRef idx="1">
         <a:scrgbClr r="0" g="0" b="0"/>
       </a:fillRef>
-      <a:effectRef idx="0">
+      <a:effectRef idx="1">
         <a:scrgbClr r="0" g="0" b="0"/>
       </a:effectRef>
       <a:fontRef idx="minor">
@@ -5953,13 +4871,13 @@
     <dgm:sp3d/>
     <dgm:txPr/>
     <dgm:style>
-      <a:lnRef idx="2">
+      <a:lnRef idx="3">
         <a:scrgbClr r="0" g="0" b="0"/>
       </a:lnRef>
       <a:fillRef idx="1">
         <a:scrgbClr r="0" g="0" b="0"/>
       </a:fillRef>
-      <a:effectRef idx="0">
+      <a:effectRef idx="1">
         <a:scrgbClr r="0" g="0" b="0"/>
       </a:effectRef>
       <a:fontRef idx="minor"/>
@@ -5973,13 +4891,13 @@
     <dgm:sp3d/>
     <dgm:txPr/>
     <dgm:style>
-      <a:lnRef idx="2">
+      <a:lnRef idx="3">
         <a:scrgbClr r="0" g="0" b="0"/>
       </a:lnRef>
       <a:fillRef idx="1">
         <a:scrgbClr r="0" g="0" b="0"/>
       </a:fillRef>
-      <a:effectRef idx="0">
+      <a:effectRef idx="1">
         <a:scrgbClr r="0" g="0" b="0"/>
       </a:effectRef>
       <a:fontRef idx="minor"/>
@@ -5993,13 +4911,13 @@
     <dgm:sp3d/>
     <dgm:txPr/>
     <dgm:style>
-      <a:lnRef idx="2">
+      <a:lnRef idx="3">
         <a:scrgbClr r="0" g="0" b="0"/>
       </a:lnRef>
       <a:fillRef idx="1">
         <a:scrgbClr r="0" g="0" b="0"/>
       </a:fillRef>
-      <a:effectRef idx="0">
+      <a:effectRef idx="1">
         <a:scrgbClr r="0" g="0" b="0"/>
       </a:effectRef>
       <a:fontRef idx="minor"/>
@@ -6019,7 +4937,7 @@
       <a:fillRef idx="1">
         <a:scrgbClr r="0" g="0" b="0"/>
       </a:fillRef>
-      <a:effectRef idx="0">
+      <a:effectRef idx="1">
         <a:scrgbClr r="0" g="0" b="0"/>
       </a:effectRef>
       <a:fontRef idx="minor">
@@ -6041,7 +4959,7 @@
       <a:fillRef idx="1">
         <a:scrgbClr r="0" g="0" b="0"/>
       </a:fillRef>
-      <a:effectRef idx="0">
+      <a:effectRef idx="1">
         <a:scrgbClr r="0" g="0" b="0"/>
       </a:effectRef>
       <a:fontRef idx="minor">
@@ -6063,7 +4981,7 @@
       <a:fillRef idx="1">
         <a:scrgbClr r="0" g="0" b="0"/>
       </a:fillRef>
-      <a:effectRef idx="0">
+      <a:effectRef idx="1">
         <a:scrgbClr r="0" g="0" b="0"/>
       </a:effectRef>
       <a:fontRef idx="minor">
@@ -6105,7 +5023,7 @@
       <a:fillRef idx="1">
         <a:scrgbClr r="0" g="0" b="0"/>
       </a:fillRef>
-      <a:effectRef idx="0">
+      <a:effectRef idx="1">
         <a:scrgbClr r="0" g="0" b="0"/>
       </a:effectRef>
       <a:fontRef idx="minor"/>
@@ -6119,13 +5037,13 @@
     <dgm:sp3d/>
     <dgm:txPr/>
     <dgm:style>
-      <a:lnRef idx="2">
+      <a:lnRef idx="3">
         <a:scrgbClr r="0" g="0" b="0"/>
       </a:lnRef>
       <a:fillRef idx="1">
         <a:scrgbClr r="0" g="0" b="0"/>
       </a:fillRef>
-      <a:effectRef idx="0">
+      <a:effectRef idx="1">
         <a:scrgbClr r="0" g="0" b="0"/>
       </a:effectRef>
       <a:fontRef idx="minor">
@@ -6141,13 +5059,13 @@
     <dgm:sp3d/>
     <dgm:txPr/>
     <dgm:style>
-      <a:lnRef idx="2">
+      <a:lnRef idx="3">
         <a:scrgbClr r="0" g="0" b="0"/>
       </a:lnRef>
       <a:fillRef idx="1">
         <a:scrgbClr r="0" g="0" b="0"/>
       </a:fillRef>
-      <a:effectRef idx="0">
+      <a:effectRef idx="1">
         <a:scrgbClr r="0" g="0" b="0"/>
       </a:effectRef>
       <a:fontRef idx="minor">
@@ -6163,13 +5081,13 @@
     <dgm:sp3d/>
     <dgm:txPr/>
     <dgm:style>
-      <a:lnRef idx="2">
+      <a:lnRef idx="3">
         <a:scrgbClr r="0" g="0" b="0"/>
       </a:lnRef>
       <a:fillRef idx="1">
         <a:scrgbClr r="0" g="0" b="0"/>
       </a:fillRef>
-      <a:effectRef idx="0">
+      <a:effectRef idx="1">
         <a:scrgbClr r="0" g="0" b="0"/>
       </a:effectRef>
       <a:fontRef idx="minor">
@@ -6185,13 +5103,13 @@
     <dgm:sp3d/>
     <dgm:txPr/>
     <dgm:style>
-      <a:lnRef idx="2">
+      <a:lnRef idx="3">
         <a:scrgbClr r="0" g="0" b="0"/>
       </a:lnRef>
       <a:fillRef idx="1">
         <a:scrgbClr r="0" g="0" b="0"/>
       </a:fillRef>
-      <a:effectRef idx="0">
+      <a:effectRef idx="1">
         <a:scrgbClr r="0" g="0" b="0"/>
       </a:effectRef>
       <a:fontRef idx="minor">
@@ -6207,13 +5125,13 @@
     <dgm:sp3d/>
     <dgm:txPr/>
     <dgm:style>
-      <a:lnRef idx="2">
+      <a:lnRef idx="3">
         <a:scrgbClr r="0" g="0" b="0"/>
       </a:lnRef>
       <a:fillRef idx="1">
         <a:scrgbClr r="0" g="0" b="0"/>
       </a:fillRef>
-      <a:effectRef idx="0">
+      <a:effectRef idx="1">
         <a:scrgbClr r="0" g="0" b="0"/>
       </a:effectRef>
       <a:fontRef idx="minor">
@@ -6229,13 +5147,13 @@
     <dgm:sp3d/>
     <dgm:txPr/>
     <dgm:style>
-      <a:lnRef idx="2">
+      <a:lnRef idx="3">
         <a:scrgbClr r="0" g="0" b="0"/>
       </a:lnRef>
       <a:fillRef idx="1">
         <a:scrgbClr r="0" g="0" b="0"/>
       </a:fillRef>
-      <a:effectRef idx="0">
+      <a:effectRef idx="1">
         <a:scrgbClr r="0" g="0" b="0"/>
       </a:effectRef>
       <a:fontRef idx="minor">
@@ -6251,13 +5169,13 @@
     <dgm:sp3d/>
     <dgm:txPr/>
     <dgm:style>
-      <a:lnRef idx="2">
+      <a:lnRef idx="3">
         <a:scrgbClr r="0" g="0" b="0"/>
       </a:lnRef>
       <a:fillRef idx="1">
         <a:scrgbClr r="0" g="0" b="0"/>
       </a:fillRef>
-      <a:effectRef idx="0">
+      <a:effectRef idx="1">
         <a:scrgbClr r="0" g="0" b="0"/>
       </a:effectRef>
       <a:fontRef idx="minor">
@@ -6273,13 +5191,13 @@
     <dgm:sp3d/>
     <dgm:txPr/>
     <dgm:style>
-      <a:lnRef idx="2">
+      <a:lnRef idx="3">
         <a:scrgbClr r="0" g="0" b="0"/>
       </a:lnRef>
       <a:fillRef idx="1">
         <a:scrgbClr r="0" g="0" b="0"/>
       </a:fillRef>
-      <a:effectRef idx="0">
+      <a:effectRef idx="1">
         <a:scrgbClr r="0" g="0" b="0"/>
       </a:effectRef>
       <a:fontRef idx="minor">
@@ -6295,13 +5213,13 @@
     <dgm:sp3d/>
     <dgm:txPr/>
     <dgm:style>
-      <a:lnRef idx="2">
+      <a:lnRef idx="3">
         <a:scrgbClr r="0" g="0" b="0"/>
       </a:lnRef>
       <a:fillRef idx="1">
         <a:scrgbClr r="0" g="0" b="0"/>
       </a:fillRef>
-      <a:effectRef idx="0">
+      <a:effectRef idx="1">
         <a:scrgbClr r="0" g="0" b="0"/>
       </a:effectRef>
       <a:fontRef idx="minor">
@@ -6757,13 +5675,13 @@
     <dgm:sp3d/>
     <dgm:txPr/>
     <dgm:style>
-      <a:lnRef idx="2">
+      <a:lnRef idx="3">
         <a:scrgbClr r="0" g="0" b="0"/>
       </a:lnRef>
       <a:fillRef idx="1">
         <a:scrgbClr r="0" g="0" b="0"/>
       </a:fillRef>
-      <a:effectRef idx="0">
+      <a:effectRef idx="1">
         <a:scrgbClr r="0" g="0" b="0"/>
       </a:effectRef>
       <a:fontRef idx="minor"/>
@@ -6876,7 +5794,7 @@
             <a:pPr rtl="0"/>
             <a:fld id="{764ED9EE-8F2A-4E06-87A2-36C0DD0993FD}" type="datetime1">
               <a:rPr lang="de-DE" smtClean="0"/>
-              <a:t>12.05.2020</a:t>
+              <a:t>30.06.2020</a:t>
             </a:fld>
             <a:endParaRPr lang="en-US" dirty="0"/>
           </a:p>
@@ -7046,7 +5964,7 @@
             <a:pPr rtl="0"/>
             <a:fld id="{A5A5ADE8-1FB8-43FD-A675-2B613EE00B6F}" type="datetime1">
               <a:rPr lang="de-DE" smtClean="0"/>
-              <a:t>12.05.2020</a:t>
+              <a:t>30.06.2020</a:t>
             </a:fld>
             <a:endParaRPr lang="en-US"/>
           </a:p>
@@ -7560,7 +6478,7 @@
             <a:pPr rtl="0"/>
             <a:fld id="{81E9C95E-BEF0-4D2E-9127-B9099B238D2A}" type="datetime1">
               <a:rPr lang="de-DE" smtClean="0"/>
-              <a:t>12.05.2020</a:t>
+              <a:t>30.06.2020</a:t>
             </a:fld>
             <a:endParaRPr lang="en-US" dirty="0"/>
           </a:p>
@@ -7767,7 +6685,7 @@
             <a:pPr rtl="0"/>
             <a:fld id="{FE771757-BB18-44C5-813E-435E78C98126}" type="datetime1">
               <a:rPr lang="de-DE" smtClean="0"/>
-              <a:t>12.05.2020</a:t>
+              <a:t>30.06.2020</a:t>
             </a:fld>
             <a:endParaRPr lang="en-US" dirty="0"/>
           </a:p>
@@ -8133,7 +7051,7 @@
             <a:pPr rtl="0"/>
             <a:fld id="{B83FACD6-565C-4118-ACD0-32ACCA9AF940}" type="datetime1">
               <a:rPr lang="de-DE" smtClean="0"/>
-              <a:t>12.05.2020</a:t>
+              <a:t>30.06.2020</a:t>
             </a:fld>
             <a:endParaRPr lang="en-US" dirty="0"/>
           </a:p>
@@ -8335,7 +7253,7 @@
             <a:pPr rtl="0"/>
             <a:fld id="{83627DD0-092D-4AD9-AAE0-0513E170352E}" type="datetime1">
               <a:rPr lang="de-DE" smtClean="0"/>
-              <a:t>12.05.2020</a:t>
+              <a:t>30.06.2020</a:t>
             </a:fld>
             <a:endParaRPr lang="en-US" dirty="0"/>
           </a:p>
@@ -8651,7 +7569,7 @@
             <a:pPr rtl="0"/>
             <a:fld id="{F36CBEDB-B1DE-4F8C-AD4A-10AD3F77E1A9}" type="datetime1">
               <a:rPr lang="de-DE" smtClean="0"/>
-              <a:t>12.05.2020</a:t>
+              <a:t>30.06.2020</a:t>
             </a:fld>
             <a:endParaRPr lang="en-US" dirty="0"/>
           </a:p>
@@ -8908,7 +7826,7 @@
             <a:pPr rtl="0"/>
             <a:fld id="{F95AE019-BB99-4C3A-AA2C-A36C39CE4DCB}" type="datetime1">
               <a:rPr lang="de-DE" smtClean="0"/>
-              <a:t>12.05.2020</a:t>
+              <a:t>30.06.2020</a:t>
             </a:fld>
             <a:endParaRPr lang="en-US" dirty="0"/>
           </a:p>
@@ -9334,7 +8252,7 @@
             <a:pPr rtl="0"/>
             <a:fld id="{117FAFC6-AD0C-4B5B-B8B0-E729C6D4C810}" type="datetime1">
               <a:rPr lang="de-DE" smtClean="0"/>
-              <a:t>12.05.2020</a:t>
+              <a:t>30.06.2020</a:t>
             </a:fld>
             <a:endParaRPr lang="en-US" dirty="0"/>
           </a:p>
@@ -9461,7 +8379,7 @@
             <a:pPr rtl="0"/>
             <a:fld id="{607DEF3C-A2B0-4F78-836D-1A1B1DEE5467}" type="datetime1">
               <a:rPr lang="de-DE" smtClean="0"/>
-              <a:t>12.05.2020</a:t>
+              <a:t>30.06.2020</a:t>
             </a:fld>
             <a:endParaRPr lang="en-US" dirty="0"/>
           </a:p>
@@ -9559,7 +8477,7 @@
             <a:pPr rtl="0"/>
             <a:fld id="{D971D44B-9C44-467E-B481-41466CDBD2A7}" type="datetime1">
               <a:rPr lang="de-DE" smtClean="0"/>
-              <a:t>12.05.2020</a:t>
+              <a:t>30.06.2020</a:t>
             </a:fld>
             <a:endParaRPr lang="en-US" dirty="0"/>
           </a:p>
@@ -9940,7 +8858,7 @@
             <a:pPr rtl="0"/>
             <a:fld id="{0354EEBD-0E7F-42E6-BE86-4864547D749E}" type="datetime1">
               <a:rPr lang="de-DE" smtClean="0"/>
-              <a:t>12.05.2020</a:t>
+              <a:t>30.06.2020</a:t>
             </a:fld>
             <a:endParaRPr lang="en-US" dirty="0"/>
           </a:p>
@@ -10238,7 +9156,7 @@
             <a:pPr rtl="0"/>
             <a:fld id="{8C7274EF-79A2-4EAD-98EF-7E5BB5EA068D}" type="datetime1">
               <a:rPr lang="de-DE" smtClean="0"/>
-              <a:t>12.05.2020</a:t>
+              <a:t>30.06.2020</a:t>
             </a:fld>
             <a:endParaRPr lang="en-US" dirty="0"/>
           </a:p>
@@ -10456,7 +9374,7 @@
             <a:pPr rtl="0"/>
             <a:fld id="{EDD379EC-906B-4CE5-98C2-3A156331FD9E}" type="datetime1">
               <a:rPr lang="de-DE" smtClean="0"/>
-              <a:t>12.05.2020</a:t>
+              <a:t>30.06.2020</a:t>
             </a:fld>
             <a:endParaRPr lang="en-US" dirty="0"/>
           </a:p>
@@ -11446,7 +10364,1743 @@
 </p:sld>
 </file>
 
+<file path=ppt/slides/slide10.xml><?xml version="1.0" encoding="utf-8"?>
+<p:sld xmlns:a="http://schemas.openxmlformats.org/drawingml/2006/main" xmlns:r="http://schemas.openxmlformats.org/officeDocument/2006/relationships" xmlns:p="http://schemas.openxmlformats.org/presentationml/2006/main">
+  <p:cSld>
+    <p:spTree>
+      <p:nvGrpSpPr>
+        <p:cNvPr id="1" name=""/>
+        <p:cNvGrpSpPr/>
+        <p:nvPr/>
+      </p:nvGrpSpPr>
+      <p:grpSpPr>
+        <a:xfrm>
+          <a:off x="0" y="0"/>
+          <a:ext cx="0" cy="0"/>
+          <a:chOff x="0" y="0"/>
+          <a:chExt cx="0" cy="0"/>
+        </a:xfrm>
+      </p:grpSpPr>
+      <p:sp>
+        <p:nvSpPr>
+          <p:cNvPr id="2" name="Titel 1">
+            <a:extLst>
+              <a:ext uri="{FF2B5EF4-FFF2-40B4-BE49-F238E27FC236}">
+                <a16:creationId xmlns:a16="http://schemas.microsoft.com/office/drawing/2014/main" id="{B4DF1CA1-C0BB-40DD-963E-FE3593554993}"/>
+              </a:ext>
+            </a:extLst>
+          </p:cNvPr>
+          <p:cNvSpPr>
+            <a:spLocks noGrp="1"/>
+          </p:cNvSpPr>
+          <p:nvPr>
+            <p:ph type="title"/>
+          </p:nvPr>
+        </p:nvSpPr>
+        <p:spPr>
+          <a:xfrm>
+            <a:off x="581193" y="729658"/>
+            <a:ext cx="11029616" cy="988332"/>
+          </a:xfrm>
+        </p:spPr>
+        <p:txBody>
+          <a:bodyPr anchor="b">
+            <a:normAutofit/>
+          </a:bodyPr>
+          <a:lstStyle/>
+          <a:p>
+            <a:r>
+              <a:rPr lang="de-DE" dirty="0"/>
+              <a:t>Verteilung (normalisiert)</a:t>
+            </a:r>
+          </a:p>
+        </p:txBody>
+      </p:sp>
+      <p:pic>
+        <p:nvPicPr>
+          <p:cNvPr id="8" name="Inhaltsplatzhalter 7">
+            <a:extLst>
+              <a:ext uri="{FF2B5EF4-FFF2-40B4-BE49-F238E27FC236}">
+                <a16:creationId xmlns:a16="http://schemas.microsoft.com/office/drawing/2014/main" id="{2C8CE303-C61C-4435-A417-64EEE8A6EE6A}"/>
+              </a:ext>
+            </a:extLst>
+          </p:cNvPr>
+          <p:cNvPicPr>
+            <a:picLocks noGrp="1" noChangeAspect="1"/>
+          </p:cNvPicPr>
+          <p:nvPr>
+            <p:ph sz="half" idx="1"/>
+          </p:nvPr>
+        </p:nvPicPr>
+        <p:blipFill>
+          <a:blip r:embed="rId2">
+            <a:extLst>
+              <a:ext uri="{28A0092B-C50C-407E-A947-70E740481C1C}">
+                <a14:useLocalDpi xmlns:a14="http://schemas.microsoft.com/office/drawing/2010/main" val="0"/>
+              </a:ext>
+            </a:extLst>
+          </a:blip>
+          <a:stretch>
+            <a:fillRect/>
+          </a:stretch>
+        </p:blipFill>
+        <p:spPr>
+          <a:xfrm>
+            <a:off x="756545" y="2228003"/>
+            <a:ext cx="4844062" cy="3633047"/>
+          </a:xfrm>
+          <a:noFill/>
+        </p:spPr>
+      </p:pic>
+      <p:pic>
+        <p:nvPicPr>
+          <p:cNvPr id="10" name="Inhaltsplatzhalter 9">
+            <a:extLst>
+              <a:ext uri="{FF2B5EF4-FFF2-40B4-BE49-F238E27FC236}">
+                <a16:creationId xmlns:a16="http://schemas.microsoft.com/office/drawing/2014/main" id="{513D17D0-5E67-41FE-ADD6-B9D0650C46A9}"/>
+              </a:ext>
+            </a:extLst>
+          </p:cNvPr>
+          <p:cNvPicPr>
+            <a:picLocks noGrp="1" noChangeAspect="1"/>
+          </p:cNvPicPr>
+          <p:nvPr>
+            <p:ph sz="half" idx="2"/>
+          </p:nvPr>
+        </p:nvPicPr>
+        <p:blipFill>
+          <a:blip r:embed="rId3">
+            <a:extLst>
+              <a:ext uri="{28A0092B-C50C-407E-A947-70E740481C1C}">
+                <a14:useLocalDpi xmlns:a14="http://schemas.microsoft.com/office/drawing/2010/main" val="0"/>
+              </a:ext>
+            </a:extLst>
+          </a:blip>
+          <a:stretch>
+            <a:fillRect/>
+          </a:stretch>
+        </p:blipFill>
+        <p:spPr>
+          <a:xfrm>
+            <a:off x="6591300" y="2227263"/>
+            <a:ext cx="4845049" cy="3633787"/>
+          </a:xfrm>
+        </p:spPr>
+      </p:pic>
+      <p:sp>
+        <p:nvSpPr>
+          <p:cNvPr id="4" name="Datumsplatzhalter 3">
+            <a:extLst>
+              <a:ext uri="{FF2B5EF4-FFF2-40B4-BE49-F238E27FC236}">
+                <a16:creationId xmlns:a16="http://schemas.microsoft.com/office/drawing/2014/main" id="{34659434-5280-4739-B031-FB2084028C98}"/>
+              </a:ext>
+            </a:extLst>
+          </p:cNvPr>
+          <p:cNvSpPr>
+            <a:spLocks noGrp="1"/>
+          </p:cNvSpPr>
+          <p:nvPr>
+            <p:ph type="dt" sz="half" idx="10"/>
+          </p:nvPr>
+        </p:nvSpPr>
+        <p:spPr>
+          <a:xfrm>
+            <a:off x="7605951" y="6423914"/>
+            <a:ext cx="2844799" cy="365125"/>
+          </a:xfrm>
+        </p:spPr>
+        <p:txBody>
+          <a:bodyPr anchor="ctr">
+            <a:normAutofit/>
+          </a:bodyPr>
+          <a:lstStyle/>
+          <a:p>
+            <a:pPr rtl="0">
+              <a:spcAft>
+                <a:spcPts val="600"/>
+              </a:spcAft>
+            </a:pPr>
+            <a:fld id="{83627DD0-092D-4AD9-AAE0-0513E170352E}" type="datetime1">
+              <a:rPr lang="de-DE" smtClean="0"/>
+              <a:pPr rtl="0">
+                <a:spcAft>
+                  <a:spcPts val="600"/>
+                </a:spcAft>
+              </a:pPr>
+              <a:t>30.06.2020</a:t>
+            </a:fld>
+            <a:endParaRPr lang="en-US"/>
+          </a:p>
+        </p:txBody>
+      </p:sp>
+    </p:spTree>
+    <p:extLst>
+      <p:ext uri="{BB962C8B-B14F-4D97-AF65-F5344CB8AC3E}">
+        <p14:creationId xmlns:p14="http://schemas.microsoft.com/office/powerpoint/2010/main" val="1890708539"/>
+      </p:ext>
+    </p:extLst>
+  </p:cSld>
+  <p:clrMapOvr>
+    <a:masterClrMapping/>
+  </p:clrMapOvr>
+</p:sld>
+</file>
+
+<file path=ppt/slides/slide11.xml><?xml version="1.0" encoding="utf-8"?>
+<p:sld xmlns:a="http://schemas.openxmlformats.org/drawingml/2006/main" xmlns:r="http://schemas.openxmlformats.org/officeDocument/2006/relationships" xmlns:p="http://schemas.openxmlformats.org/presentationml/2006/main">
+  <p:cSld>
+    <p:spTree>
+      <p:nvGrpSpPr>
+        <p:cNvPr id="1" name=""/>
+        <p:cNvGrpSpPr/>
+        <p:nvPr/>
+      </p:nvGrpSpPr>
+      <p:grpSpPr>
+        <a:xfrm>
+          <a:off x="0" y="0"/>
+          <a:ext cx="0" cy="0"/>
+          <a:chOff x="0" y="0"/>
+          <a:chExt cx="0" cy="0"/>
+        </a:xfrm>
+      </p:grpSpPr>
+      <p:sp>
+        <p:nvSpPr>
+          <p:cNvPr id="2" name="Titel 1">
+            <a:extLst>
+              <a:ext uri="{FF2B5EF4-FFF2-40B4-BE49-F238E27FC236}">
+                <a16:creationId xmlns:a16="http://schemas.microsoft.com/office/drawing/2014/main" id="{998B1A6B-844D-4AD0-9F43-1B6F4262DCB2}"/>
+              </a:ext>
+            </a:extLst>
+          </p:cNvPr>
+          <p:cNvSpPr>
+            <a:spLocks noGrp="1"/>
+          </p:cNvSpPr>
+          <p:nvPr>
+            <p:ph type="title"/>
+          </p:nvPr>
+        </p:nvSpPr>
+        <p:spPr>
+          <a:xfrm>
+            <a:off x="767857" y="933450"/>
+            <a:ext cx="3031852" cy="1722419"/>
+          </a:xfrm>
+        </p:spPr>
+        <p:txBody>
+          <a:bodyPr anchor="b">
+            <a:normAutofit/>
+          </a:bodyPr>
+          <a:lstStyle/>
+          <a:p>
+            <a:r>
+              <a:rPr lang="de-DE" dirty="0"/>
+              <a:t>STATISTISCHE AUSWERTUNG – Grafisch</a:t>
+            </a:r>
+          </a:p>
+        </p:txBody>
+      </p:sp>
+      <p:sp>
+        <p:nvSpPr>
+          <p:cNvPr id="11" name="Text Placeholder 3">
+            <a:extLst>
+              <a:ext uri="{FF2B5EF4-FFF2-40B4-BE49-F238E27FC236}">
+                <a16:creationId xmlns:a16="http://schemas.microsoft.com/office/drawing/2014/main" id="{F150173C-4FB5-4F10-9E62-37B4FF5AF249}"/>
+              </a:ext>
+            </a:extLst>
+          </p:cNvPr>
+          <p:cNvSpPr>
+            <a:spLocks noGrp="1"/>
+          </p:cNvSpPr>
+          <p:nvPr>
+            <p:ph type="body" sz="half" idx="2"/>
+          </p:nvPr>
+        </p:nvSpPr>
+        <p:spPr>
+          <a:xfrm>
+            <a:off x="767857" y="2836654"/>
+            <a:ext cx="3031852" cy="3001392"/>
+          </a:xfrm>
+        </p:spPr>
+        <p:txBody>
+          <a:bodyPr/>
+          <a:lstStyle/>
+          <a:p>
+            <a:endParaRPr lang="en-US" dirty="0"/>
+          </a:p>
+        </p:txBody>
+      </p:sp>
+      <p:sp>
+        <p:nvSpPr>
+          <p:cNvPr id="4" name="Datumsplatzhalter 3">
+            <a:extLst>
+              <a:ext uri="{FF2B5EF4-FFF2-40B4-BE49-F238E27FC236}">
+                <a16:creationId xmlns:a16="http://schemas.microsoft.com/office/drawing/2014/main" id="{BDEB1E35-5C31-4336-B33B-931BDA5CFF47}"/>
+              </a:ext>
+            </a:extLst>
+          </p:cNvPr>
+          <p:cNvSpPr>
+            <a:spLocks noGrp="1"/>
+          </p:cNvSpPr>
+          <p:nvPr>
+            <p:ph type="dt" sz="half" idx="10"/>
+          </p:nvPr>
+        </p:nvSpPr>
+        <p:spPr>
+          <a:xfrm>
+            <a:off x="7605951" y="6456916"/>
+            <a:ext cx="2844799" cy="365125"/>
+          </a:xfrm>
+        </p:spPr>
+        <p:txBody>
+          <a:bodyPr anchor="ctr">
+            <a:normAutofit/>
+          </a:bodyPr>
+          <a:lstStyle/>
+          <a:p>
+            <a:pPr rtl="0">
+              <a:spcAft>
+                <a:spcPts val="600"/>
+              </a:spcAft>
+            </a:pPr>
+            <a:fld id="{83627DD0-092D-4AD9-AAE0-0513E170352E}" type="datetime1">
+              <a:rPr lang="de-DE" smtClean="0"/>
+              <a:pPr rtl="0">
+                <a:spcAft>
+                  <a:spcPts val="600"/>
+                </a:spcAft>
+              </a:pPr>
+              <a:t>30.06.2020</a:t>
+            </a:fld>
+            <a:endParaRPr lang="en-US"/>
+          </a:p>
+        </p:txBody>
+      </p:sp>
+      <p:pic>
+        <p:nvPicPr>
+          <p:cNvPr id="10" name="Inhaltsplatzhalter 9">
+            <a:extLst>
+              <a:ext uri="{FF2B5EF4-FFF2-40B4-BE49-F238E27FC236}">
+                <a16:creationId xmlns:a16="http://schemas.microsoft.com/office/drawing/2014/main" id="{527A14E2-7220-4045-B2F4-97692A8A7B83}"/>
+              </a:ext>
+            </a:extLst>
+          </p:cNvPr>
+          <p:cNvPicPr>
+            <a:picLocks noGrp="1" noChangeAspect="1"/>
+          </p:cNvPicPr>
+          <p:nvPr>
+            <p:ph idx="1"/>
+          </p:nvPr>
+        </p:nvPicPr>
+        <p:blipFill>
+          <a:blip r:embed="rId2">
+            <a:extLst>
+              <a:ext uri="{28A0092B-C50C-407E-A947-70E740481C1C}">
+                <a14:useLocalDpi xmlns:a14="http://schemas.microsoft.com/office/drawing/2010/main" val="0"/>
+              </a:ext>
+            </a:extLst>
+          </a:blip>
+          <a:stretch>
+            <a:fillRect/>
+          </a:stretch>
+        </p:blipFill>
+        <p:spPr>
+          <a:xfrm>
+            <a:off x="5178425" y="1223169"/>
+            <a:ext cx="6096000" cy="4572000"/>
+          </a:xfrm>
+        </p:spPr>
+      </p:pic>
+    </p:spTree>
+    <p:extLst>
+      <p:ext uri="{BB962C8B-B14F-4D97-AF65-F5344CB8AC3E}">
+        <p14:creationId xmlns:p14="http://schemas.microsoft.com/office/powerpoint/2010/main" val="1770075450"/>
+      </p:ext>
+    </p:extLst>
+  </p:cSld>
+  <p:clrMapOvr>
+    <a:masterClrMapping/>
+  </p:clrMapOvr>
+</p:sld>
+</file>
+
+<file path=ppt/slides/slide12.xml><?xml version="1.0" encoding="utf-8"?>
+<p:sld xmlns:a="http://schemas.openxmlformats.org/drawingml/2006/main" xmlns:r="http://schemas.openxmlformats.org/officeDocument/2006/relationships" xmlns:p="http://schemas.openxmlformats.org/presentationml/2006/main">
+  <p:cSld>
+    <p:spTree>
+      <p:nvGrpSpPr>
+        <p:cNvPr id="1" name=""/>
+        <p:cNvGrpSpPr/>
+        <p:nvPr/>
+      </p:nvGrpSpPr>
+      <p:grpSpPr>
+        <a:xfrm>
+          <a:off x="0" y="0"/>
+          <a:ext cx="0" cy="0"/>
+          <a:chOff x="0" y="0"/>
+          <a:chExt cx="0" cy="0"/>
+        </a:xfrm>
+      </p:grpSpPr>
+      <p:sp>
+        <p:nvSpPr>
+          <p:cNvPr id="2" name="Titel 1">
+            <a:extLst>
+              <a:ext uri="{FF2B5EF4-FFF2-40B4-BE49-F238E27FC236}">
+                <a16:creationId xmlns:a16="http://schemas.microsoft.com/office/drawing/2014/main" id="{82D995DB-7D2D-469B-96C7-8CA74C7C0104}"/>
+              </a:ext>
+            </a:extLst>
+          </p:cNvPr>
+          <p:cNvSpPr>
+            <a:spLocks noGrp="1"/>
+          </p:cNvSpPr>
+          <p:nvPr>
+            <p:ph type="title"/>
+          </p:nvPr>
+        </p:nvSpPr>
+        <p:spPr>
+          <a:xfrm>
+            <a:off x="767857" y="933450"/>
+            <a:ext cx="3031852" cy="1722419"/>
+          </a:xfrm>
+        </p:spPr>
+        <p:txBody>
+          <a:bodyPr anchor="b">
+            <a:normAutofit/>
+          </a:bodyPr>
+          <a:lstStyle/>
+          <a:p>
+            <a:r>
+              <a:rPr lang="de-DE" dirty="0"/>
+              <a:t>Korrelationen</a:t>
+            </a:r>
+          </a:p>
+        </p:txBody>
+      </p:sp>
+      <p:sp>
+        <p:nvSpPr>
+          <p:cNvPr id="11" name="Text Placeholder 3">
+            <a:extLst>
+              <a:ext uri="{FF2B5EF4-FFF2-40B4-BE49-F238E27FC236}">
+                <a16:creationId xmlns:a16="http://schemas.microsoft.com/office/drawing/2014/main" id="{34B31306-265E-4411-A53E-1D55CACA3141}"/>
+              </a:ext>
+            </a:extLst>
+          </p:cNvPr>
+          <p:cNvSpPr>
+            <a:spLocks noGrp="1"/>
+          </p:cNvSpPr>
+          <p:nvPr>
+            <p:ph type="body" sz="half" idx="2"/>
+          </p:nvPr>
+        </p:nvSpPr>
+        <p:spPr>
+          <a:xfrm>
+            <a:off x="767857" y="2836654"/>
+            <a:ext cx="3031852" cy="3001392"/>
+          </a:xfrm>
+        </p:spPr>
+        <p:txBody>
+          <a:bodyPr/>
+          <a:lstStyle/>
+          <a:p>
+            <a:endParaRPr lang="en-US"/>
+          </a:p>
+        </p:txBody>
+      </p:sp>
+      <p:sp>
+        <p:nvSpPr>
+          <p:cNvPr id="5" name="Datumsplatzhalter 4">
+            <a:extLst>
+              <a:ext uri="{FF2B5EF4-FFF2-40B4-BE49-F238E27FC236}">
+                <a16:creationId xmlns:a16="http://schemas.microsoft.com/office/drawing/2014/main" id="{324A8ACA-2CE9-4F24-8150-A8E1504CB369}"/>
+              </a:ext>
+            </a:extLst>
+          </p:cNvPr>
+          <p:cNvSpPr>
+            <a:spLocks noGrp="1"/>
+          </p:cNvSpPr>
+          <p:nvPr>
+            <p:ph type="dt" sz="half" idx="10"/>
+          </p:nvPr>
+        </p:nvSpPr>
+        <p:spPr>
+          <a:xfrm>
+            <a:off x="7605951" y="6456916"/>
+            <a:ext cx="2844799" cy="365125"/>
+          </a:xfrm>
+        </p:spPr>
+        <p:txBody>
+          <a:bodyPr anchor="ctr">
+            <a:normAutofit/>
+          </a:bodyPr>
+          <a:lstStyle/>
+          <a:p>
+            <a:pPr rtl="0">
+              <a:spcAft>
+                <a:spcPts val="600"/>
+              </a:spcAft>
+            </a:pPr>
+            <a:fld id="{0354EEBD-0E7F-42E6-BE86-4864547D749E}" type="datetime1">
+              <a:rPr lang="de-DE" smtClean="0"/>
+              <a:pPr rtl="0">
+                <a:spcAft>
+                  <a:spcPts val="600"/>
+                </a:spcAft>
+              </a:pPr>
+              <a:t>30.06.2020</a:t>
+            </a:fld>
+            <a:endParaRPr lang="en-US"/>
+          </a:p>
+        </p:txBody>
+      </p:sp>
+      <p:graphicFrame>
+        <p:nvGraphicFramePr>
+          <p:cNvPr id="7" name="Inhaltsplatzhalter 2">
+            <a:extLst>
+              <a:ext uri="{FF2B5EF4-FFF2-40B4-BE49-F238E27FC236}">
+                <a16:creationId xmlns:a16="http://schemas.microsoft.com/office/drawing/2014/main" id="{9C09B905-E49A-4D46-8620-46D0DC49A289}"/>
+              </a:ext>
+            </a:extLst>
+          </p:cNvPr>
+          <p:cNvGraphicFramePr>
+            <a:graphicFrameLocks noGrp="1"/>
+          </p:cNvGraphicFramePr>
+          <p:nvPr>
+            <p:ph idx="1"/>
+            <p:extLst>
+              <p:ext uri="{D42A27DB-BD31-4B8C-83A1-F6EECF244321}">
+                <p14:modId xmlns:p14="http://schemas.microsoft.com/office/powerpoint/2010/main" val="4114061383"/>
+              </p:ext>
+            </p:extLst>
+          </p:nvPr>
+        </p:nvGraphicFramePr>
+        <p:xfrm>
+          <a:off x="4900928" y="1179829"/>
+          <a:ext cx="6650991" cy="4658216"/>
+        </p:xfrm>
+        <a:graphic>
+          <a:graphicData uri="http://schemas.openxmlformats.org/drawingml/2006/diagram">
+            <dgm:relIds xmlns:dgm="http://schemas.openxmlformats.org/drawingml/2006/diagram" xmlns:r="http://schemas.openxmlformats.org/officeDocument/2006/relationships" r:dm="rId2" r:lo="rId3" r:qs="rId4" r:cs="rId5"/>
+          </a:graphicData>
+        </a:graphic>
+      </p:graphicFrame>
+    </p:spTree>
+    <p:extLst>
+      <p:ext uri="{BB962C8B-B14F-4D97-AF65-F5344CB8AC3E}">
+        <p14:creationId xmlns:p14="http://schemas.microsoft.com/office/powerpoint/2010/main" val="826727550"/>
+      </p:ext>
+    </p:extLst>
+  </p:cSld>
+  <p:clrMapOvr>
+    <a:masterClrMapping/>
+  </p:clrMapOvr>
+</p:sld>
+</file>
+
+<file path=ppt/slides/slide13.xml><?xml version="1.0" encoding="utf-8"?>
+<p:sld xmlns:a="http://schemas.openxmlformats.org/drawingml/2006/main" xmlns:r="http://schemas.openxmlformats.org/officeDocument/2006/relationships" xmlns:p="http://schemas.openxmlformats.org/presentationml/2006/main">
+  <p:cSld>
+    <p:spTree>
+      <p:nvGrpSpPr>
+        <p:cNvPr id="1" name=""/>
+        <p:cNvGrpSpPr/>
+        <p:nvPr/>
+      </p:nvGrpSpPr>
+      <p:grpSpPr>
+        <a:xfrm>
+          <a:off x="0" y="0"/>
+          <a:ext cx="0" cy="0"/>
+          <a:chOff x="0" y="0"/>
+          <a:chExt cx="0" cy="0"/>
+        </a:xfrm>
+      </p:grpSpPr>
+      <p:sp>
+        <p:nvSpPr>
+          <p:cNvPr id="10" name="Title 1">
+            <a:extLst>
+              <a:ext uri="{FF2B5EF4-FFF2-40B4-BE49-F238E27FC236}">
+                <a16:creationId xmlns:a16="http://schemas.microsoft.com/office/drawing/2014/main" id="{7FC64D3F-D32B-42C7-8EF5-C24212E944BF}"/>
+              </a:ext>
+            </a:extLst>
+          </p:cNvPr>
+          <p:cNvSpPr>
+            <a:spLocks noGrp="1"/>
+          </p:cNvSpPr>
+          <p:nvPr>
+            <p:ph type="title"/>
+          </p:nvPr>
+        </p:nvSpPr>
+        <p:spPr>
+          <a:xfrm>
+            <a:off x="575894" y="729658"/>
+            <a:ext cx="11029616" cy="988332"/>
+          </a:xfrm>
+        </p:spPr>
+        <p:txBody>
+          <a:bodyPr anchor="b">
+            <a:normAutofit/>
+          </a:bodyPr>
+          <a:lstStyle/>
+          <a:p>
+            <a:r>
+              <a:rPr lang="en-US" dirty="0" err="1"/>
+              <a:t>Fazit</a:t>
+            </a:r>
+            <a:endParaRPr lang="en-US" dirty="0"/>
+          </a:p>
+        </p:txBody>
+      </p:sp>
+      <p:sp>
+        <p:nvSpPr>
+          <p:cNvPr id="5" name="Datumsplatzhalter 4">
+            <a:extLst>
+              <a:ext uri="{FF2B5EF4-FFF2-40B4-BE49-F238E27FC236}">
+                <a16:creationId xmlns:a16="http://schemas.microsoft.com/office/drawing/2014/main" id="{7AA3F171-F1F7-4A17-B711-CB058B96BEBF}"/>
+              </a:ext>
+            </a:extLst>
+          </p:cNvPr>
+          <p:cNvSpPr>
+            <a:spLocks noGrp="1"/>
+          </p:cNvSpPr>
+          <p:nvPr>
+            <p:ph type="dt" sz="half" idx="10"/>
+          </p:nvPr>
+        </p:nvSpPr>
+        <p:spPr>
+          <a:xfrm>
+            <a:off x="7605951" y="6423914"/>
+            <a:ext cx="2844799" cy="365125"/>
+          </a:xfrm>
+        </p:spPr>
+        <p:txBody>
+          <a:bodyPr anchor="ctr">
+            <a:normAutofit/>
+          </a:bodyPr>
+          <a:lstStyle/>
+          <a:p>
+            <a:pPr rtl="0">
+              <a:spcAft>
+                <a:spcPts val="600"/>
+              </a:spcAft>
+            </a:pPr>
+            <a:fld id="{0354EEBD-0E7F-42E6-BE86-4864547D749E}" type="datetime1">
+              <a:rPr lang="de-DE" smtClean="0"/>
+              <a:pPr rtl="0">
+                <a:spcAft>
+                  <a:spcPts val="600"/>
+                </a:spcAft>
+              </a:pPr>
+              <a:t>30.06.2020</a:t>
+            </a:fld>
+            <a:endParaRPr lang="en-US"/>
+          </a:p>
+        </p:txBody>
+      </p:sp>
+      <p:sp>
+        <p:nvSpPr>
+          <p:cNvPr id="12" name="Inhaltsplatzhalter 5">
+            <a:extLst>
+              <a:ext uri="{FF2B5EF4-FFF2-40B4-BE49-F238E27FC236}">
+                <a16:creationId xmlns:a16="http://schemas.microsoft.com/office/drawing/2014/main" id="{AEA6FCD2-EF38-4C21-BD47-9B0D322D5569}"/>
+              </a:ext>
+            </a:extLst>
+          </p:cNvPr>
+          <p:cNvSpPr txBox="1">
+            <a:spLocks/>
+          </p:cNvSpPr>
+          <p:nvPr/>
+        </p:nvSpPr>
+        <p:spPr>
+          <a:xfrm>
+            <a:off x="743025" y="2038949"/>
+            <a:ext cx="9912534" cy="3497862"/>
+          </a:xfrm>
+          <a:prstGeom prst="rect">
+            <a:avLst/>
+          </a:prstGeom>
+        </p:spPr>
+        <p:txBody>
+          <a:bodyPr>
+            <a:normAutofit/>
+          </a:bodyPr>
+          <a:lstStyle>
+            <a:lvl1pPr marL="306000" indent="-306000" algn="l" defTabSz="457200" rtl="0" eaLnBrk="1" latinLnBrk="0" hangingPunct="1">
+              <a:lnSpc>
+                <a:spcPct val="110000"/>
+              </a:lnSpc>
+              <a:spcBef>
+                <a:spcPct val="20000"/>
+              </a:spcBef>
+              <a:spcAft>
+                <a:spcPts val="600"/>
+              </a:spcAft>
+              <a:buClr>
+                <a:schemeClr val="accent1"/>
+              </a:buClr>
+              <a:buSzPct val="92000"/>
+              <a:buFont typeface="Wingdings 2" panose="05020102010507070707" pitchFamily="18" charset="2"/>
+              <a:buChar char=""/>
+              <a:defRPr sz="1700" kern="1200">
+                <a:solidFill>
+                  <a:schemeClr val="tx1">
+                    <a:lumMod val="75000"/>
+                    <a:lumOff val="25000"/>
+                  </a:schemeClr>
+                </a:solidFill>
+                <a:latin typeface="+mn-lt"/>
+                <a:ea typeface="+mn-ea"/>
+                <a:cs typeface="+mn-cs"/>
+              </a:defRPr>
+            </a:lvl1pPr>
+            <a:lvl2pPr marL="630000" indent="-306000" algn="l" defTabSz="457200" rtl="0" eaLnBrk="1" latinLnBrk="0" hangingPunct="1">
+              <a:spcBef>
+                <a:spcPct val="20000"/>
+              </a:spcBef>
+              <a:spcAft>
+                <a:spcPts val="600"/>
+              </a:spcAft>
+              <a:buClr>
+                <a:schemeClr val="accent1"/>
+              </a:buClr>
+              <a:buSzPct val="92000"/>
+              <a:buFont typeface="Wingdings 2" panose="05020102010507070707" pitchFamily="18" charset="2"/>
+              <a:buChar char=""/>
+              <a:defRPr sz="1400" kern="1200">
+                <a:solidFill>
+                  <a:schemeClr val="tx1">
+                    <a:lumMod val="75000"/>
+                    <a:lumOff val="25000"/>
+                  </a:schemeClr>
+                </a:solidFill>
+                <a:latin typeface="+mn-lt"/>
+                <a:ea typeface="+mn-ea"/>
+                <a:cs typeface="+mn-cs"/>
+              </a:defRPr>
+            </a:lvl2pPr>
+            <a:lvl3pPr marL="900000" indent="-270000" algn="l" defTabSz="457200" rtl="0" eaLnBrk="1" latinLnBrk="0" hangingPunct="1">
+              <a:spcBef>
+                <a:spcPct val="20000"/>
+              </a:spcBef>
+              <a:spcAft>
+                <a:spcPts val="600"/>
+              </a:spcAft>
+              <a:buClr>
+                <a:schemeClr val="accent1"/>
+              </a:buClr>
+              <a:buSzPct val="92000"/>
+              <a:buFont typeface="Wingdings 2" panose="05020102010507070707" pitchFamily="18" charset="2"/>
+              <a:buChar char=""/>
+              <a:defRPr sz="1300" kern="1200">
+                <a:solidFill>
+                  <a:schemeClr val="tx1">
+                    <a:lumMod val="75000"/>
+                    <a:lumOff val="25000"/>
+                  </a:schemeClr>
+                </a:solidFill>
+                <a:latin typeface="+mn-lt"/>
+                <a:ea typeface="+mn-ea"/>
+                <a:cs typeface="+mn-cs"/>
+              </a:defRPr>
+            </a:lvl3pPr>
+            <a:lvl4pPr marL="1242000" indent="-234000" algn="l" defTabSz="457200" rtl="0" eaLnBrk="1" latinLnBrk="0" hangingPunct="1">
+              <a:spcBef>
+                <a:spcPct val="20000"/>
+              </a:spcBef>
+              <a:spcAft>
+                <a:spcPts val="600"/>
+              </a:spcAft>
+              <a:buClr>
+                <a:schemeClr val="accent1"/>
+              </a:buClr>
+              <a:buSzPct val="92000"/>
+              <a:buFont typeface="Wingdings 2" panose="05020102010507070707" pitchFamily="18" charset="2"/>
+              <a:buChar char=""/>
+              <a:defRPr sz="1100" kern="1200">
+                <a:solidFill>
+                  <a:schemeClr val="tx1">
+                    <a:lumMod val="75000"/>
+                    <a:lumOff val="25000"/>
+                  </a:schemeClr>
+                </a:solidFill>
+                <a:latin typeface="+mn-lt"/>
+                <a:ea typeface="+mn-ea"/>
+                <a:cs typeface="+mn-cs"/>
+              </a:defRPr>
+            </a:lvl4pPr>
+            <a:lvl5pPr marL="1602000" indent="-234000" algn="l" defTabSz="457200" rtl="0" eaLnBrk="1" latinLnBrk="0" hangingPunct="1">
+              <a:spcBef>
+                <a:spcPct val="20000"/>
+              </a:spcBef>
+              <a:spcAft>
+                <a:spcPts val="600"/>
+              </a:spcAft>
+              <a:buClr>
+                <a:schemeClr val="accent1"/>
+              </a:buClr>
+              <a:buSzPct val="92000"/>
+              <a:buFont typeface="Wingdings 2" panose="05020102010507070707" pitchFamily="18" charset="2"/>
+              <a:buChar char=""/>
+              <a:defRPr sz="1100" kern="1200">
+                <a:solidFill>
+                  <a:schemeClr val="tx1">
+                    <a:lumMod val="75000"/>
+                    <a:lumOff val="25000"/>
+                  </a:schemeClr>
+                </a:solidFill>
+                <a:latin typeface="+mn-lt"/>
+                <a:ea typeface="+mn-ea"/>
+                <a:cs typeface="+mn-cs"/>
+              </a:defRPr>
+            </a:lvl5pPr>
+            <a:lvl6pPr marL="1900000" indent="-228600" algn="l" defTabSz="457200" rtl="0" eaLnBrk="1" latinLnBrk="0" hangingPunct="1">
+              <a:spcBef>
+                <a:spcPct val="20000"/>
+              </a:spcBef>
+              <a:spcAft>
+                <a:spcPts val="600"/>
+              </a:spcAft>
+              <a:buClr>
+                <a:schemeClr val="accent2"/>
+              </a:buClr>
+              <a:buSzPct val="92000"/>
+              <a:buFont typeface="Wingdings 2" panose="05020102010507070707" pitchFamily="18" charset="2"/>
+              <a:buChar char=""/>
+              <a:defRPr sz="1200" kern="1200">
+                <a:solidFill>
+                  <a:schemeClr val="tx2"/>
+                </a:solidFill>
+                <a:latin typeface="+mn-lt"/>
+                <a:ea typeface="+mn-ea"/>
+                <a:cs typeface="+mn-cs"/>
+              </a:defRPr>
+            </a:lvl6pPr>
+            <a:lvl7pPr marL="2200000" indent="-228600" algn="l" defTabSz="457200" rtl="0" eaLnBrk="1" latinLnBrk="0" hangingPunct="1">
+              <a:spcBef>
+                <a:spcPct val="20000"/>
+              </a:spcBef>
+              <a:spcAft>
+                <a:spcPts val="600"/>
+              </a:spcAft>
+              <a:buClr>
+                <a:schemeClr val="accent2"/>
+              </a:buClr>
+              <a:buSzPct val="92000"/>
+              <a:buFont typeface="Wingdings 2" panose="05020102010507070707" pitchFamily="18" charset="2"/>
+              <a:buChar char=""/>
+              <a:defRPr sz="1200" kern="1200">
+                <a:solidFill>
+                  <a:schemeClr val="tx2"/>
+                </a:solidFill>
+                <a:latin typeface="+mn-lt"/>
+                <a:ea typeface="+mn-ea"/>
+                <a:cs typeface="+mn-cs"/>
+              </a:defRPr>
+            </a:lvl7pPr>
+            <a:lvl8pPr marL="2500000" indent="-228600" algn="l" defTabSz="457200" rtl="0" eaLnBrk="1" latinLnBrk="0" hangingPunct="1">
+              <a:spcBef>
+                <a:spcPct val="20000"/>
+              </a:spcBef>
+              <a:spcAft>
+                <a:spcPts val="600"/>
+              </a:spcAft>
+              <a:buClr>
+                <a:schemeClr val="accent2"/>
+              </a:buClr>
+              <a:buSzPct val="92000"/>
+              <a:buFont typeface="Wingdings 2" panose="05020102010507070707" pitchFamily="18" charset="2"/>
+              <a:buChar char=""/>
+              <a:defRPr sz="1200" kern="1200">
+                <a:solidFill>
+                  <a:schemeClr val="tx2"/>
+                </a:solidFill>
+                <a:latin typeface="+mn-lt"/>
+                <a:ea typeface="+mn-ea"/>
+                <a:cs typeface="+mn-cs"/>
+              </a:defRPr>
+            </a:lvl8pPr>
+            <a:lvl9pPr marL="2800000" indent="-228600" algn="l" defTabSz="457200" rtl="0" eaLnBrk="1" latinLnBrk="0" hangingPunct="1">
+              <a:spcBef>
+                <a:spcPct val="20000"/>
+              </a:spcBef>
+              <a:spcAft>
+                <a:spcPts val="600"/>
+              </a:spcAft>
+              <a:buClr>
+                <a:schemeClr val="accent2"/>
+              </a:buClr>
+              <a:buSzPct val="92000"/>
+              <a:buFont typeface="Wingdings 2" panose="05020102010507070707" pitchFamily="18" charset="2"/>
+              <a:buChar char=""/>
+              <a:defRPr sz="1200" kern="1200">
+                <a:solidFill>
+                  <a:schemeClr val="tx2"/>
+                </a:solidFill>
+                <a:latin typeface="+mn-lt"/>
+                <a:ea typeface="+mn-ea"/>
+                <a:cs typeface="+mn-cs"/>
+              </a:defRPr>
+            </a:lvl9pPr>
+          </a:lstStyle>
+          <a:p>
+            <a:r>
+              <a:rPr lang="de-DE" dirty="0"/>
+              <a:t>Keine lineare Korrelation zw. Preis und der Tweet-Stimmung</a:t>
+            </a:r>
+          </a:p>
+          <a:p>
+            <a:r>
+              <a:rPr lang="de-DE" dirty="0"/>
+              <a:t>Keine Rangkorrelation zw. Preis und Tweet-Stimmung</a:t>
+            </a:r>
+          </a:p>
+          <a:p>
+            <a:r>
+              <a:rPr lang="de-DE" dirty="0"/>
+              <a:t>Beide p-Werte sind &lt;5%</a:t>
+            </a:r>
+          </a:p>
+          <a:p>
+            <a:endParaRPr lang="de-DE" dirty="0"/>
+          </a:p>
+          <a:p>
+            <a:pPr marL="0" indent="0">
+              <a:buNone/>
+            </a:pPr>
+            <a:r>
+              <a:rPr lang="de-DE" dirty="0">
+                <a:sym typeface="Wingdings" panose="05000000000000000000" pitchFamily="2" charset="2"/>
+              </a:rPr>
+              <a:t> Die Nullhypothese wird damit abgelehnt</a:t>
+            </a:r>
+          </a:p>
+          <a:p>
+            <a:pPr marL="324000" lvl="1" indent="0">
+              <a:buNone/>
+            </a:pPr>
+            <a:r>
+              <a:rPr lang="de-DE" dirty="0">
+                <a:sym typeface="Wingdings" panose="05000000000000000000" pitchFamily="2" charset="2"/>
+              </a:rPr>
+              <a:t>		</a:t>
+            </a:r>
+            <a:r>
+              <a:rPr lang="de-DE" dirty="0"/>
+              <a:t> Es besteht kein Zusammenhang zw. der Tweet-Stimmung und den Avocado-Preisen in den USA</a:t>
+            </a:r>
+          </a:p>
+          <a:p>
+            <a:pPr marL="324000" lvl="1" indent="0">
+              <a:buNone/>
+            </a:pPr>
+            <a:endParaRPr lang="de-DE" dirty="0"/>
+          </a:p>
+          <a:p>
+            <a:pPr marL="324000" lvl="1" indent="0">
+              <a:buNone/>
+            </a:pPr>
+            <a:endParaRPr lang="de-DE" dirty="0"/>
+          </a:p>
+          <a:p>
+            <a:pPr marL="324000" lvl="1" indent="0">
+              <a:buNone/>
+            </a:pPr>
+            <a:r>
+              <a:rPr lang="de-DE" dirty="0"/>
+              <a:t>(ähnliches Ergebnis für „Sentiment Peak“ und „Anzahl Tweets“ errechnet, ebenfalls H</a:t>
+            </a:r>
+            <a:r>
+              <a:rPr lang="de-DE" baseline="-25000" dirty="0"/>
+              <a:t>0</a:t>
+            </a:r>
+            <a:r>
+              <a:rPr lang="de-DE" dirty="0"/>
+              <a:t> abgelehnt)</a:t>
+            </a:r>
+          </a:p>
+        </p:txBody>
+      </p:sp>
+    </p:spTree>
+    <p:extLst>
+      <p:ext uri="{BB962C8B-B14F-4D97-AF65-F5344CB8AC3E}">
+        <p14:creationId xmlns:p14="http://schemas.microsoft.com/office/powerpoint/2010/main" val="2223330884"/>
+      </p:ext>
+    </p:extLst>
+  </p:cSld>
+  <p:clrMapOvr>
+    <a:masterClrMapping/>
+  </p:clrMapOvr>
+</p:sld>
+</file>
+
+<file path=ppt/slides/slide14.xml><?xml version="1.0" encoding="utf-8"?>
+<p:sld xmlns:a="http://schemas.openxmlformats.org/drawingml/2006/main" xmlns:r="http://schemas.openxmlformats.org/officeDocument/2006/relationships" xmlns:p="http://schemas.openxmlformats.org/presentationml/2006/main">
+  <p:cSld>
+    <p:spTree>
+      <p:nvGrpSpPr>
+        <p:cNvPr id="1" name=""/>
+        <p:cNvGrpSpPr/>
+        <p:nvPr/>
+      </p:nvGrpSpPr>
+      <p:grpSpPr>
+        <a:xfrm>
+          <a:off x="0" y="0"/>
+          <a:ext cx="0" cy="0"/>
+          <a:chOff x="0" y="0"/>
+          <a:chExt cx="0" cy="0"/>
+        </a:xfrm>
+      </p:grpSpPr>
+      <p:sp>
+        <p:nvSpPr>
+          <p:cNvPr id="2" name="Titel 1">
+            <a:extLst>
+              <a:ext uri="{FF2B5EF4-FFF2-40B4-BE49-F238E27FC236}">
+                <a16:creationId xmlns:a16="http://schemas.microsoft.com/office/drawing/2014/main" id="{4DB81F4B-FE76-440A-A2BD-19CE94D7F9F3}"/>
+              </a:ext>
+            </a:extLst>
+          </p:cNvPr>
+          <p:cNvSpPr>
+            <a:spLocks noGrp="1"/>
+          </p:cNvSpPr>
+          <p:nvPr>
+            <p:ph type="title"/>
+          </p:nvPr>
+        </p:nvSpPr>
+        <p:spPr>
+          <a:xfrm>
+            <a:off x="581193" y="729658"/>
+            <a:ext cx="11029616" cy="988332"/>
+          </a:xfrm>
+        </p:spPr>
+        <p:txBody>
+          <a:bodyPr vert="horz" lIns="91440" tIns="45720" rIns="91440" bIns="45720" rtlCol="0" anchor="b">
+            <a:normAutofit/>
+          </a:bodyPr>
+          <a:lstStyle/>
+          <a:p>
+            <a:r>
+              <a:rPr lang="de-DE" dirty="0"/>
+              <a:t>Vielen Dank für die Aufmerksamkeit</a:t>
+            </a:r>
+          </a:p>
+        </p:txBody>
+      </p:sp>
+      <p:sp>
+        <p:nvSpPr>
+          <p:cNvPr id="4" name="Inhaltsplatzhalter 5">
+            <a:extLst>
+              <a:ext uri="{FF2B5EF4-FFF2-40B4-BE49-F238E27FC236}">
+                <a16:creationId xmlns:a16="http://schemas.microsoft.com/office/drawing/2014/main" id="{0B7A8265-34CB-45AE-8420-D98FECD2ED8B}"/>
+              </a:ext>
+            </a:extLst>
+          </p:cNvPr>
+          <p:cNvSpPr txBox="1">
+            <a:spLocks/>
+          </p:cNvSpPr>
+          <p:nvPr/>
+        </p:nvSpPr>
+        <p:spPr>
+          <a:xfrm>
+            <a:off x="581193" y="2228003"/>
+            <a:ext cx="5194767" cy="3633047"/>
+          </a:xfrm>
+          <a:prstGeom prst="rect">
+            <a:avLst/>
+          </a:prstGeom>
+        </p:spPr>
+        <p:txBody>
+          <a:bodyPr vert="horz" lIns="91440" tIns="45720" rIns="91440" bIns="45720" rtlCol="0" anchor="ctr">
+            <a:normAutofit/>
+          </a:bodyPr>
+          <a:lstStyle>
+            <a:lvl1pPr marL="306000" indent="-306000" algn="l" defTabSz="457200" rtl="0" eaLnBrk="1" latinLnBrk="0" hangingPunct="1">
+              <a:lnSpc>
+                <a:spcPct val="110000"/>
+              </a:lnSpc>
+              <a:spcBef>
+                <a:spcPct val="20000"/>
+              </a:spcBef>
+              <a:spcAft>
+                <a:spcPts val="600"/>
+              </a:spcAft>
+              <a:buClr>
+                <a:schemeClr val="accent1"/>
+              </a:buClr>
+              <a:buSzPct val="92000"/>
+              <a:buFont typeface="Wingdings 2" panose="05020102010507070707" pitchFamily="18" charset="2"/>
+              <a:buChar char=""/>
+              <a:defRPr sz="1700" kern="1200">
+                <a:solidFill>
+                  <a:schemeClr val="tx1">
+                    <a:lumMod val="75000"/>
+                    <a:lumOff val="25000"/>
+                  </a:schemeClr>
+                </a:solidFill>
+                <a:latin typeface="+mn-lt"/>
+                <a:ea typeface="+mn-ea"/>
+                <a:cs typeface="+mn-cs"/>
+              </a:defRPr>
+            </a:lvl1pPr>
+            <a:lvl2pPr marL="630000" indent="-306000" algn="l" defTabSz="457200" rtl="0" eaLnBrk="1" latinLnBrk="0" hangingPunct="1">
+              <a:spcBef>
+                <a:spcPct val="20000"/>
+              </a:spcBef>
+              <a:spcAft>
+                <a:spcPts val="600"/>
+              </a:spcAft>
+              <a:buClr>
+                <a:schemeClr val="accent1"/>
+              </a:buClr>
+              <a:buSzPct val="92000"/>
+              <a:buFont typeface="Wingdings 2" panose="05020102010507070707" pitchFamily="18" charset="2"/>
+              <a:buChar char=""/>
+              <a:defRPr sz="1400" kern="1200">
+                <a:solidFill>
+                  <a:schemeClr val="tx1">
+                    <a:lumMod val="75000"/>
+                    <a:lumOff val="25000"/>
+                  </a:schemeClr>
+                </a:solidFill>
+                <a:latin typeface="+mn-lt"/>
+                <a:ea typeface="+mn-ea"/>
+                <a:cs typeface="+mn-cs"/>
+              </a:defRPr>
+            </a:lvl2pPr>
+            <a:lvl3pPr marL="900000" indent="-270000" algn="l" defTabSz="457200" rtl="0" eaLnBrk="1" latinLnBrk="0" hangingPunct="1">
+              <a:spcBef>
+                <a:spcPct val="20000"/>
+              </a:spcBef>
+              <a:spcAft>
+                <a:spcPts val="600"/>
+              </a:spcAft>
+              <a:buClr>
+                <a:schemeClr val="accent1"/>
+              </a:buClr>
+              <a:buSzPct val="92000"/>
+              <a:buFont typeface="Wingdings 2" panose="05020102010507070707" pitchFamily="18" charset="2"/>
+              <a:buChar char=""/>
+              <a:defRPr sz="1300" kern="1200">
+                <a:solidFill>
+                  <a:schemeClr val="tx1">
+                    <a:lumMod val="75000"/>
+                    <a:lumOff val="25000"/>
+                  </a:schemeClr>
+                </a:solidFill>
+                <a:latin typeface="+mn-lt"/>
+                <a:ea typeface="+mn-ea"/>
+                <a:cs typeface="+mn-cs"/>
+              </a:defRPr>
+            </a:lvl3pPr>
+            <a:lvl4pPr marL="1242000" indent="-234000" algn="l" defTabSz="457200" rtl="0" eaLnBrk="1" latinLnBrk="0" hangingPunct="1">
+              <a:spcBef>
+                <a:spcPct val="20000"/>
+              </a:spcBef>
+              <a:spcAft>
+                <a:spcPts val="600"/>
+              </a:spcAft>
+              <a:buClr>
+                <a:schemeClr val="accent1"/>
+              </a:buClr>
+              <a:buSzPct val="92000"/>
+              <a:buFont typeface="Wingdings 2" panose="05020102010507070707" pitchFamily="18" charset="2"/>
+              <a:buChar char=""/>
+              <a:defRPr sz="1100" kern="1200">
+                <a:solidFill>
+                  <a:schemeClr val="tx1">
+                    <a:lumMod val="75000"/>
+                    <a:lumOff val="25000"/>
+                  </a:schemeClr>
+                </a:solidFill>
+                <a:latin typeface="+mn-lt"/>
+                <a:ea typeface="+mn-ea"/>
+                <a:cs typeface="+mn-cs"/>
+              </a:defRPr>
+            </a:lvl4pPr>
+            <a:lvl5pPr marL="1602000" indent="-234000" algn="l" defTabSz="457200" rtl="0" eaLnBrk="1" latinLnBrk="0" hangingPunct="1">
+              <a:spcBef>
+                <a:spcPct val="20000"/>
+              </a:spcBef>
+              <a:spcAft>
+                <a:spcPts val="600"/>
+              </a:spcAft>
+              <a:buClr>
+                <a:schemeClr val="accent1"/>
+              </a:buClr>
+              <a:buSzPct val="92000"/>
+              <a:buFont typeface="Wingdings 2" panose="05020102010507070707" pitchFamily="18" charset="2"/>
+              <a:buChar char=""/>
+              <a:defRPr sz="1100" kern="1200">
+                <a:solidFill>
+                  <a:schemeClr val="tx1">
+                    <a:lumMod val="75000"/>
+                    <a:lumOff val="25000"/>
+                  </a:schemeClr>
+                </a:solidFill>
+                <a:latin typeface="+mn-lt"/>
+                <a:ea typeface="+mn-ea"/>
+                <a:cs typeface="+mn-cs"/>
+              </a:defRPr>
+            </a:lvl5pPr>
+            <a:lvl6pPr marL="1900000" indent="-228600" algn="l" defTabSz="457200" rtl="0" eaLnBrk="1" latinLnBrk="0" hangingPunct="1">
+              <a:spcBef>
+                <a:spcPct val="20000"/>
+              </a:spcBef>
+              <a:spcAft>
+                <a:spcPts val="600"/>
+              </a:spcAft>
+              <a:buClr>
+                <a:schemeClr val="accent2"/>
+              </a:buClr>
+              <a:buSzPct val="92000"/>
+              <a:buFont typeface="Wingdings 2" panose="05020102010507070707" pitchFamily="18" charset="2"/>
+              <a:buChar char=""/>
+              <a:defRPr sz="1200" kern="1200">
+                <a:solidFill>
+                  <a:schemeClr val="tx2"/>
+                </a:solidFill>
+                <a:latin typeface="+mn-lt"/>
+                <a:ea typeface="+mn-ea"/>
+                <a:cs typeface="+mn-cs"/>
+              </a:defRPr>
+            </a:lvl6pPr>
+            <a:lvl7pPr marL="2200000" indent="-228600" algn="l" defTabSz="457200" rtl="0" eaLnBrk="1" latinLnBrk="0" hangingPunct="1">
+              <a:spcBef>
+                <a:spcPct val="20000"/>
+              </a:spcBef>
+              <a:spcAft>
+                <a:spcPts val="600"/>
+              </a:spcAft>
+              <a:buClr>
+                <a:schemeClr val="accent2"/>
+              </a:buClr>
+              <a:buSzPct val="92000"/>
+              <a:buFont typeface="Wingdings 2" panose="05020102010507070707" pitchFamily="18" charset="2"/>
+              <a:buChar char=""/>
+              <a:defRPr sz="1200" kern="1200">
+                <a:solidFill>
+                  <a:schemeClr val="tx2"/>
+                </a:solidFill>
+                <a:latin typeface="+mn-lt"/>
+                <a:ea typeface="+mn-ea"/>
+                <a:cs typeface="+mn-cs"/>
+              </a:defRPr>
+            </a:lvl7pPr>
+            <a:lvl8pPr marL="2500000" indent="-228600" algn="l" defTabSz="457200" rtl="0" eaLnBrk="1" latinLnBrk="0" hangingPunct="1">
+              <a:spcBef>
+                <a:spcPct val="20000"/>
+              </a:spcBef>
+              <a:spcAft>
+                <a:spcPts val="600"/>
+              </a:spcAft>
+              <a:buClr>
+                <a:schemeClr val="accent2"/>
+              </a:buClr>
+              <a:buSzPct val="92000"/>
+              <a:buFont typeface="Wingdings 2" panose="05020102010507070707" pitchFamily="18" charset="2"/>
+              <a:buChar char=""/>
+              <a:defRPr sz="1200" kern="1200">
+                <a:solidFill>
+                  <a:schemeClr val="tx2"/>
+                </a:solidFill>
+                <a:latin typeface="+mn-lt"/>
+                <a:ea typeface="+mn-ea"/>
+                <a:cs typeface="+mn-cs"/>
+              </a:defRPr>
+            </a:lvl8pPr>
+            <a:lvl9pPr marL="2800000" indent="-228600" algn="l" defTabSz="457200" rtl="0" eaLnBrk="1" latinLnBrk="0" hangingPunct="1">
+              <a:spcBef>
+                <a:spcPct val="20000"/>
+              </a:spcBef>
+              <a:spcAft>
+                <a:spcPts val="600"/>
+              </a:spcAft>
+              <a:buClr>
+                <a:schemeClr val="accent2"/>
+              </a:buClr>
+              <a:buSzPct val="92000"/>
+              <a:buFont typeface="Wingdings 2" panose="05020102010507070707" pitchFamily="18" charset="2"/>
+              <a:buChar char=""/>
+              <a:defRPr sz="1200" kern="1200">
+                <a:solidFill>
+                  <a:schemeClr val="tx2"/>
+                </a:solidFill>
+                <a:latin typeface="+mn-lt"/>
+                <a:ea typeface="+mn-ea"/>
+                <a:cs typeface="+mn-cs"/>
+              </a:defRPr>
+            </a:lvl9pPr>
+          </a:lstStyle>
+          <a:p>
+            <a:endParaRPr lang="de-DE" dirty="0"/>
+          </a:p>
+        </p:txBody>
+      </p:sp>
+      <p:sp>
+        <p:nvSpPr>
+          <p:cNvPr id="9" name="Content Placeholder 3">
+            <a:extLst>
+              <a:ext uri="{FF2B5EF4-FFF2-40B4-BE49-F238E27FC236}">
+                <a16:creationId xmlns:a16="http://schemas.microsoft.com/office/drawing/2014/main" id="{59CD4494-B063-4AEB-88A7-ADC7B01C3621}"/>
+              </a:ext>
+            </a:extLst>
+          </p:cNvPr>
+          <p:cNvSpPr>
+            <a:spLocks noGrp="1"/>
+          </p:cNvSpPr>
+          <p:nvPr>
+            <p:ph sz="half" idx="2"/>
+          </p:nvPr>
+        </p:nvSpPr>
+        <p:spPr>
+          <a:xfrm>
+            <a:off x="906011" y="2228003"/>
+            <a:ext cx="10704797" cy="3633047"/>
+          </a:xfrm>
+        </p:spPr>
+        <p:txBody>
+          <a:bodyPr/>
+          <a:lstStyle/>
+          <a:p>
+            <a:r>
+              <a:rPr lang="en-US" dirty="0" err="1"/>
+              <a:t>Quellen</a:t>
+            </a:r>
+            <a:r>
+              <a:rPr lang="en-US" dirty="0"/>
+              <a:t>:</a:t>
+            </a:r>
+          </a:p>
+          <a:p>
+            <a:pPr lvl="1"/>
+            <a:r>
+              <a:rPr lang="en-US" i="1" dirty="0">
+                <a:solidFill>
+                  <a:schemeClr val="bg1">
+                    <a:lumMod val="50000"/>
+                  </a:schemeClr>
+                </a:solidFill>
+              </a:rPr>
+              <a:t>Avocados</a:t>
+            </a:r>
+            <a:r>
+              <a:rPr lang="en-US" dirty="0"/>
+              <a:t>: </a:t>
+            </a:r>
+            <a:r>
+              <a:rPr lang="de-DE" i="1" dirty="0">
+                <a:solidFill>
+                  <a:schemeClr val="bg1">
+                    <a:lumMod val="50000"/>
+                  </a:schemeClr>
+                </a:solidFill>
+                <a:hlinkClick r:id="rId2"/>
+              </a:rPr>
+              <a:t>http://www.hassavocadoboard.com/retail/volume-and-price-data</a:t>
+            </a:r>
+            <a:endParaRPr lang="de-DE" i="1" dirty="0">
+              <a:solidFill>
+                <a:schemeClr val="bg1">
+                  <a:lumMod val="50000"/>
+                </a:schemeClr>
+              </a:solidFill>
+            </a:endParaRPr>
+          </a:p>
+          <a:p>
+            <a:pPr lvl="1"/>
+            <a:r>
+              <a:rPr lang="de-DE" i="1" dirty="0">
+                <a:solidFill>
+                  <a:schemeClr val="bg1">
+                    <a:lumMod val="50000"/>
+                  </a:schemeClr>
+                </a:solidFill>
+              </a:rPr>
+              <a:t>Trump Tweets: </a:t>
+            </a:r>
+            <a:r>
+              <a:rPr lang="de-DE" i="1" dirty="0">
+                <a:solidFill>
+                  <a:schemeClr val="bg1">
+                    <a:lumMod val="50000"/>
+                  </a:schemeClr>
+                </a:solidFill>
+                <a:hlinkClick r:id="rId3"/>
+              </a:rPr>
+              <a:t>http://www.trumptwitterarchive.com/archive</a:t>
+            </a:r>
+            <a:endParaRPr lang="de-DE" i="1" dirty="0">
+              <a:solidFill>
+                <a:schemeClr val="bg1">
+                  <a:lumMod val="50000"/>
+                </a:schemeClr>
+              </a:solidFill>
+            </a:endParaRPr>
+          </a:p>
+          <a:p>
+            <a:endParaRPr lang="de-DE" dirty="0"/>
+          </a:p>
+          <a:p>
+            <a:r>
+              <a:rPr lang="de-DE" dirty="0"/>
+              <a:t>Quellcode:</a:t>
+            </a:r>
+          </a:p>
+          <a:p>
+            <a:pPr lvl="1"/>
+            <a:r>
+              <a:rPr lang="de-DE" i="1" dirty="0" err="1">
+                <a:solidFill>
+                  <a:schemeClr val="bg1">
+                    <a:lumMod val="50000"/>
+                  </a:schemeClr>
+                </a:solidFill>
+              </a:rPr>
+              <a:t>Github</a:t>
+            </a:r>
+            <a:r>
+              <a:rPr lang="de-DE" dirty="0"/>
+              <a:t>: </a:t>
+            </a:r>
+            <a:r>
+              <a:rPr lang="de-DE" dirty="0">
+                <a:hlinkClick r:id="rId4"/>
+              </a:rPr>
+              <a:t>https://github.com/primus852/WissenschaftlicheMethodik</a:t>
+            </a:r>
+            <a:endParaRPr lang="de-DE" dirty="0"/>
+          </a:p>
+          <a:p>
+            <a:endParaRPr lang="de-DE" i="1" dirty="0">
+              <a:solidFill>
+                <a:schemeClr val="bg1">
+                  <a:lumMod val="50000"/>
+                </a:schemeClr>
+              </a:solidFill>
+            </a:endParaRPr>
+          </a:p>
+          <a:p>
+            <a:pPr marL="0" indent="0">
+              <a:buNone/>
+            </a:pPr>
+            <a:endParaRPr lang="de-DE" i="1" dirty="0">
+              <a:solidFill>
+                <a:schemeClr val="bg1">
+                  <a:lumMod val="50000"/>
+                </a:schemeClr>
+              </a:solidFill>
+            </a:endParaRPr>
+          </a:p>
+          <a:p>
+            <a:pPr lvl="2"/>
+            <a:endParaRPr lang="en-US" dirty="0"/>
+          </a:p>
+        </p:txBody>
+      </p:sp>
+      <p:sp>
+        <p:nvSpPr>
+          <p:cNvPr id="3" name="Datumsplatzhalter 2">
+            <a:extLst>
+              <a:ext uri="{FF2B5EF4-FFF2-40B4-BE49-F238E27FC236}">
+                <a16:creationId xmlns:a16="http://schemas.microsoft.com/office/drawing/2014/main" id="{5D6FD4CC-44F9-4F4D-B214-6FCBCF3699CC}"/>
+              </a:ext>
+            </a:extLst>
+          </p:cNvPr>
+          <p:cNvSpPr>
+            <a:spLocks noGrp="1"/>
+          </p:cNvSpPr>
+          <p:nvPr>
+            <p:ph type="dt" sz="half" idx="10"/>
+          </p:nvPr>
+        </p:nvSpPr>
+        <p:spPr>
+          <a:xfrm>
+            <a:off x="7605951" y="6423914"/>
+            <a:ext cx="2844799" cy="365125"/>
+          </a:xfrm>
+        </p:spPr>
+        <p:txBody>
+          <a:bodyPr vert="horz" lIns="91440" tIns="45720" rIns="91440" bIns="45720" rtlCol="0" anchor="ctr">
+            <a:normAutofit/>
+          </a:bodyPr>
+          <a:lstStyle/>
+          <a:p>
+            <a:pPr>
+              <a:spcAft>
+                <a:spcPts val="600"/>
+              </a:spcAft>
+            </a:pPr>
+            <a:fld id="{607DEF3C-A2B0-4F78-836D-1A1B1DEE5467}" type="datetime1">
+              <a:rPr lang="de-DE" smtClean="0"/>
+              <a:pPr>
+                <a:spcAft>
+                  <a:spcPts val="600"/>
+                </a:spcAft>
+              </a:pPr>
+              <a:t>30.06.2020</a:t>
+            </a:fld>
+            <a:endParaRPr lang="en-US"/>
+          </a:p>
+        </p:txBody>
+      </p:sp>
+      <p:pic>
+        <p:nvPicPr>
+          <p:cNvPr id="5" name="Grafik 4">
+            <a:extLst>
+              <a:ext uri="{FF2B5EF4-FFF2-40B4-BE49-F238E27FC236}">
+                <a16:creationId xmlns:a16="http://schemas.microsoft.com/office/drawing/2014/main" id="{301E2B9B-291E-490C-A41E-E9FCCF6AF46E}"/>
+              </a:ext>
+            </a:extLst>
+          </p:cNvPr>
+          <p:cNvPicPr>
+            <a:picLocks noChangeAspect="1"/>
+          </p:cNvPicPr>
+          <p:nvPr/>
+        </p:nvPicPr>
+        <p:blipFill>
+          <a:blip r:embed="rId5"/>
+          <a:stretch>
+            <a:fillRect/>
+          </a:stretch>
+        </p:blipFill>
+        <p:spPr>
+          <a:xfrm>
+            <a:off x="7675838" y="1610496"/>
+            <a:ext cx="3934969" cy="4813418"/>
+          </a:xfrm>
+          <a:prstGeom prst="rect">
+            <a:avLst/>
+          </a:prstGeom>
+        </p:spPr>
+      </p:pic>
+    </p:spTree>
+    <p:extLst>
+      <p:ext uri="{BB962C8B-B14F-4D97-AF65-F5344CB8AC3E}">
+        <p14:creationId xmlns:p14="http://schemas.microsoft.com/office/powerpoint/2010/main" val="241657589"/>
+      </p:ext>
+    </p:extLst>
+  </p:cSld>
+  <p:clrMapOvr>
+    <a:masterClrMapping/>
+  </p:clrMapOvr>
+</p:sld>
+</file>
+
 <file path=ppt/slides/slide2.xml><?xml version="1.0" encoding="utf-8"?>
+<p:sld xmlns:a="http://schemas.openxmlformats.org/drawingml/2006/main" xmlns:r="http://schemas.openxmlformats.org/officeDocument/2006/relationships" xmlns:p="http://schemas.openxmlformats.org/presentationml/2006/main">
+  <p:cSld>
+    <p:spTree>
+      <p:nvGrpSpPr>
+        <p:cNvPr id="1" name=""/>
+        <p:cNvGrpSpPr/>
+        <p:nvPr/>
+      </p:nvGrpSpPr>
+      <p:grpSpPr>
+        <a:xfrm>
+          <a:off x="0" y="0"/>
+          <a:ext cx="0" cy="0"/>
+          <a:chOff x="0" y="0"/>
+          <a:chExt cx="0" cy="0"/>
+        </a:xfrm>
+      </p:grpSpPr>
+      <p:sp>
+        <p:nvSpPr>
+          <p:cNvPr id="11" name="Title 1">
+            <a:extLst>
+              <a:ext uri="{FF2B5EF4-FFF2-40B4-BE49-F238E27FC236}">
+                <a16:creationId xmlns:a16="http://schemas.microsoft.com/office/drawing/2014/main" id="{1B102C66-EC65-4390-9685-504975B90C4D}"/>
+              </a:ext>
+            </a:extLst>
+          </p:cNvPr>
+          <p:cNvSpPr>
+            <a:spLocks noGrp="1"/>
+          </p:cNvSpPr>
+          <p:nvPr>
+            <p:ph type="title"/>
+          </p:nvPr>
+        </p:nvSpPr>
+        <p:spPr>
+          <a:xfrm>
+            <a:off x="767857" y="933450"/>
+            <a:ext cx="3031852" cy="1722419"/>
+          </a:xfrm>
+        </p:spPr>
+        <p:txBody>
+          <a:bodyPr/>
+          <a:lstStyle/>
+          <a:p>
+            <a:r>
+              <a:rPr lang="en-US" dirty="0"/>
+              <a:t>Motivation</a:t>
+            </a:r>
+          </a:p>
+        </p:txBody>
+      </p:sp>
+      <p:pic>
+        <p:nvPicPr>
+          <p:cNvPr id="6" name="Inhaltsplatzhalter 5">
+            <a:extLst>
+              <a:ext uri="{FF2B5EF4-FFF2-40B4-BE49-F238E27FC236}">
+                <a16:creationId xmlns:a16="http://schemas.microsoft.com/office/drawing/2014/main" id="{E2E17EE8-CEE2-42D5-9DD6-693437363FC1}"/>
+              </a:ext>
+            </a:extLst>
+          </p:cNvPr>
+          <p:cNvPicPr>
+            <a:picLocks noGrp="1" noChangeAspect="1"/>
+          </p:cNvPicPr>
+          <p:nvPr>
+            <p:ph idx="1"/>
+          </p:nvPr>
+        </p:nvPicPr>
+        <p:blipFill>
+          <a:blip r:embed="rId2"/>
+          <a:stretch>
+            <a:fillRect/>
+          </a:stretch>
+        </p:blipFill>
+        <p:spPr>
+          <a:xfrm>
+            <a:off x="5437073" y="1179829"/>
+            <a:ext cx="5578701" cy="4658216"/>
+          </a:xfrm>
+          <a:prstGeom prst="rect">
+            <a:avLst/>
+          </a:prstGeom>
+          <a:noFill/>
+          <a:ln>
+            <a:noFill/>
+          </a:ln>
+          <a:effectLst>
+            <a:outerShdw blurRad="292100" dist="139700" dir="2700000" algn="tl" rotWithShape="0">
+              <a:srgbClr val="333333">
+                <a:alpha val="65000"/>
+              </a:srgbClr>
+            </a:outerShdw>
+          </a:effectLst>
+        </p:spPr>
+      </p:pic>
+      <p:sp>
+        <p:nvSpPr>
+          <p:cNvPr id="13" name="Text Placeholder 3">
+            <a:extLst>
+              <a:ext uri="{FF2B5EF4-FFF2-40B4-BE49-F238E27FC236}">
+                <a16:creationId xmlns:a16="http://schemas.microsoft.com/office/drawing/2014/main" id="{BA726498-0776-4A51-AD1A-BF41441989BE}"/>
+              </a:ext>
+            </a:extLst>
+          </p:cNvPr>
+          <p:cNvSpPr>
+            <a:spLocks noGrp="1"/>
+          </p:cNvSpPr>
+          <p:nvPr>
+            <p:ph type="body" sz="half" idx="2"/>
+          </p:nvPr>
+        </p:nvSpPr>
+        <p:spPr>
+          <a:xfrm>
+            <a:off x="767857" y="2836654"/>
+            <a:ext cx="3031852" cy="3001392"/>
+          </a:xfrm>
+        </p:spPr>
+        <p:txBody>
+          <a:bodyPr/>
+          <a:lstStyle/>
+          <a:p>
+            <a:endParaRPr lang="en-US"/>
+          </a:p>
+        </p:txBody>
+      </p:sp>
+      <p:sp>
+        <p:nvSpPr>
+          <p:cNvPr id="15" name="Date Placeholder 4">
+            <a:extLst>
+              <a:ext uri="{FF2B5EF4-FFF2-40B4-BE49-F238E27FC236}">
+                <a16:creationId xmlns:a16="http://schemas.microsoft.com/office/drawing/2014/main" id="{5731ADD6-F676-4E36-A9C2-766C8FF1FFC1}"/>
+              </a:ext>
+            </a:extLst>
+          </p:cNvPr>
+          <p:cNvSpPr>
+            <a:spLocks noGrp="1"/>
+          </p:cNvSpPr>
+          <p:nvPr>
+            <p:ph type="dt" sz="half" idx="10"/>
+          </p:nvPr>
+        </p:nvSpPr>
+        <p:spPr>
+          <a:xfrm>
+            <a:off x="7605951" y="6456916"/>
+            <a:ext cx="2844799" cy="365125"/>
+          </a:xfrm>
+        </p:spPr>
+        <p:txBody>
+          <a:bodyPr/>
+          <a:lstStyle/>
+          <a:p>
+            <a:pPr rtl="0">
+              <a:spcAft>
+                <a:spcPts val="600"/>
+              </a:spcAft>
+            </a:pPr>
+            <a:fld id="{0354EEBD-0E7F-42E6-BE86-4864547D749E}" type="datetime1">
+              <a:rPr lang="de-DE" smtClean="0"/>
+              <a:pPr rtl="0">
+                <a:spcAft>
+                  <a:spcPts val="600"/>
+                </a:spcAft>
+              </a:pPr>
+              <a:t>30.06.2020</a:t>
+            </a:fld>
+            <a:endParaRPr lang="en-US"/>
+          </a:p>
+        </p:txBody>
+      </p:sp>
+      <p:sp>
+        <p:nvSpPr>
+          <p:cNvPr id="5" name="Datumsplatzhalter 4" hidden="1">
+            <a:extLst>
+              <a:ext uri="{FF2B5EF4-FFF2-40B4-BE49-F238E27FC236}">
+                <a16:creationId xmlns:a16="http://schemas.microsoft.com/office/drawing/2014/main" id="{3B5031AD-D53D-47C1-9826-DC2E33360573}"/>
+              </a:ext>
+            </a:extLst>
+          </p:cNvPr>
+          <p:cNvSpPr>
+            <a:spLocks noGrp="1"/>
+          </p:cNvSpPr>
+          <p:nvPr>
+            <p:ph type="dt" sz="half" idx="10"/>
+          </p:nvPr>
+        </p:nvSpPr>
+        <p:spPr/>
+        <p:txBody>
+          <a:bodyPr/>
+          <a:lstStyle/>
+          <a:p>
+            <a:pPr rtl="0">
+              <a:spcAft>
+                <a:spcPts val="600"/>
+              </a:spcAft>
+            </a:pPr>
+            <a:fld id="{0354EEBD-0E7F-42E6-BE86-4864547D749E}" type="datetime1">
+              <a:rPr lang="de-DE" smtClean="0"/>
+              <a:pPr rtl="0">
+                <a:spcAft>
+                  <a:spcPts val="600"/>
+                </a:spcAft>
+              </a:pPr>
+              <a:t>30.06.2020</a:t>
+            </a:fld>
+            <a:endParaRPr lang="en-US"/>
+          </a:p>
+        </p:txBody>
+      </p:sp>
+    </p:spTree>
+    <p:extLst>
+      <p:ext uri="{BB962C8B-B14F-4D97-AF65-F5344CB8AC3E}">
+        <p14:creationId xmlns:p14="http://schemas.microsoft.com/office/powerpoint/2010/main" val="2585233144"/>
+      </p:ext>
+    </p:extLst>
+  </p:cSld>
+  <p:clrMapOvr>
+    <a:masterClrMapping/>
+  </p:clrMapOvr>
+</p:sld>
+</file>
+
+<file path=ppt/slides/slide3.xml><?xml version="1.0" encoding="utf-8"?>
 <p:sld xmlns:a="http://schemas.openxmlformats.org/drawingml/2006/main" xmlns:r="http://schemas.openxmlformats.org/officeDocument/2006/relationships" xmlns:p="http://schemas.openxmlformats.org/presentationml/2006/main">
   <p:cSld>
     <p:spTree>
@@ -11538,7 +12192,7 @@
             </a:r>
             <a:r>
               <a:rPr lang="de-DE" i="1" dirty="0"/>
-              <a:t>Der durchschnittliche Preis der Avocados in den USA hängt von Stimmung von Donald Trumps Tweets ab</a:t>
+              <a:t>Der durchschnittliche Preis der Avocados in den USA hängt von der Stimmung von Donald Trumps Tweets ab</a:t>
             </a:r>
           </a:p>
           <a:p>
@@ -11554,72 +12208,6 @@
               <a:rPr lang="de-DE" i="1" dirty="0"/>
               <a:t>: Der Preis hängt nicht von der Tweet-Stimmung ab</a:t>
             </a:r>
-          </a:p>
-          <a:p>
-            <a:endParaRPr lang="de-DE" i="1" dirty="0"/>
-          </a:p>
-          <a:p>
-            <a:r>
-              <a:rPr lang="de-DE" sz="1400" i="1" dirty="0"/>
-              <a:t>H</a:t>
-            </a:r>
-            <a:r>
-              <a:rPr lang="de-DE" sz="1400" i="1" baseline="-25000" dirty="0"/>
-              <a:t>0a</a:t>
-            </a:r>
-            <a:r>
-              <a:rPr lang="de-DE" sz="1400" i="1" dirty="0"/>
-              <a:t>: Der durchschnittliche Preis der Avocados in den USA hängt vom höchsten „Ausreißer“ (positiv/negativ) ab.</a:t>
-            </a:r>
-          </a:p>
-          <a:p>
-            <a:r>
-              <a:rPr lang="de-DE" sz="1400" i="1" dirty="0"/>
-              <a:t>H</a:t>
-            </a:r>
-            <a:r>
-              <a:rPr lang="de-DE" sz="1400" i="1" baseline="-25000" dirty="0"/>
-              <a:t>1a</a:t>
-            </a:r>
-            <a:r>
-              <a:rPr lang="de-DE" sz="1400" i="1" dirty="0"/>
-              <a:t>: Der Preis hängt nicht von Stimmungs-Peaks ab</a:t>
-            </a:r>
-          </a:p>
-          <a:p>
-            <a:endParaRPr lang="de-DE" sz="1400" i="1" dirty="0"/>
-          </a:p>
-          <a:p>
-            <a:r>
-              <a:rPr lang="de-DE" sz="1400" i="1" dirty="0"/>
-              <a:t>H</a:t>
-            </a:r>
-            <a:r>
-              <a:rPr lang="de-DE" sz="1400" i="1" baseline="-25000" dirty="0"/>
-              <a:t>0b</a:t>
-            </a:r>
-            <a:r>
-              <a:rPr lang="de-DE" sz="1400" i="1" dirty="0"/>
-              <a:t>: Der durchschnittliche Preis der Avocados in den USA hängt von der Anzahl der Tweets ab.</a:t>
-            </a:r>
-          </a:p>
-          <a:p>
-            <a:r>
-              <a:rPr lang="de-DE" sz="1400" i="1" dirty="0"/>
-              <a:t>H</a:t>
-            </a:r>
-            <a:r>
-              <a:rPr lang="de-DE" sz="1400" i="1" baseline="-25000" dirty="0"/>
-              <a:t>1b</a:t>
-            </a:r>
-            <a:r>
-              <a:rPr lang="de-DE" sz="1400" i="1" dirty="0"/>
-              <a:t>: Der Preis hängt nicht von der Tweet-Anzahl ab</a:t>
-            </a:r>
-            <a:endParaRPr lang="de-DE" sz="1400" dirty="0"/>
-          </a:p>
-          <a:p>
-            <a:endParaRPr lang="de-DE" sz="1600" dirty="0"/>
           </a:p>
         </p:txBody>
       </p:sp>
@@ -11683,7 +12271,7 @@
             <a:pPr rtl="0"/>
             <a:fld id="{0354EEBD-0E7F-42E6-BE86-4864547D749E}" type="datetime1">
               <a:rPr lang="de-DE" smtClean="0"/>
-              <a:t>12.05.2020</a:t>
+              <a:t>30.06.2020</a:t>
             </a:fld>
             <a:endParaRPr lang="en-US" dirty="0"/>
           </a:p>
@@ -11702,7 +12290,7 @@
 </p:sld>
 </file>
 
-<file path=ppt/slides/slide3.xml><?xml version="1.0" encoding="utf-8"?>
+<file path=ppt/slides/slide4.xml><?xml version="1.0" encoding="utf-8"?>
 <p:sld xmlns:a="http://schemas.openxmlformats.org/drawingml/2006/main" xmlns:r="http://schemas.openxmlformats.org/officeDocument/2006/relationships" xmlns:p="http://schemas.openxmlformats.org/presentationml/2006/main">
   <p:cSld>
     <p:spTree>
@@ -12138,7 +12726,7 @@
             <a:pPr rtl="0"/>
             <a:fld id="{117FAFC6-AD0C-4B5B-B8B0-E729C6D4C810}" type="datetime1">
               <a:rPr lang="de-DE" smtClean="0"/>
-              <a:t>12.05.2020</a:t>
+              <a:t>30.06.2020</a:t>
             </a:fld>
             <a:endParaRPr lang="en-US" dirty="0"/>
           </a:p>
@@ -12157,7 +12745,7 @@
 </p:sld>
 </file>
 
-<file path=ppt/slides/slide4.xml><?xml version="1.0" encoding="utf-8"?>
+<file path=ppt/slides/slide5.xml><?xml version="1.0" encoding="utf-8"?>
 <p:sld xmlns:a="http://schemas.openxmlformats.org/drawingml/2006/main" xmlns:r="http://schemas.openxmlformats.org/officeDocument/2006/relationships" xmlns:p="http://schemas.openxmlformats.org/presentationml/2006/main">
   <p:cSld>
     <p:spTree>
@@ -14263,7 +14851,7 @@
             <a:pPr rtl="0"/>
             <a:fld id="{83627DD0-092D-4AD9-AAE0-0513E170352E}" type="datetime1">
               <a:rPr lang="de-DE" smtClean="0"/>
-              <a:t>12.05.2020</a:t>
+              <a:t>30.06.2020</a:t>
             </a:fld>
             <a:endParaRPr lang="en-US" dirty="0"/>
           </a:p>
@@ -14282,7 +14870,7 @@
 </p:sld>
 </file>
 
-<file path=ppt/slides/slide5.xml><?xml version="1.0" encoding="utf-8"?>
+<file path=ppt/slides/slide6.xml><?xml version="1.0" encoding="utf-8"?>
 <p:sld xmlns:a="http://schemas.openxmlformats.org/drawingml/2006/main" xmlns:r="http://schemas.openxmlformats.org/officeDocument/2006/relationships" xmlns:p="http://schemas.openxmlformats.org/presentationml/2006/main">
   <p:cSld>
     <p:spTree>
@@ -14356,7 +14944,7 @@
             <a:pPr rtl="0"/>
             <a:fld id="{83627DD0-092D-4AD9-AAE0-0513E170352E}" type="datetime1">
               <a:rPr lang="de-DE" smtClean="0"/>
-              <a:t>12.05.2020</a:t>
+              <a:t>30.06.2020</a:t>
             </a:fld>
             <a:endParaRPr lang="en-US" dirty="0"/>
           </a:p>
@@ -18095,7 +18683,7 @@
 </p:sld>
 </file>
 
-<file path=ppt/slides/slide6.xml><?xml version="1.0" encoding="utf-8"?>
+<file path=ppt/slides/slide7.xml><?xml version="1.0" encoding="utf-8"?>
 <p:sld xmlns:a="http://schemas.openxmlformats.org/drawingml/2006/main" xmlns:r="http://schemas.openxmlformats.org/officeDocument/2006/relationships" xmlns:p="http://schemas.openxmlformats.org/presentationml/2006/main">
   <p:cSld>
     <p:spTree>
@@ -18164,7 +18752,7 @@
             <a:pPr rtl="0"/>
             <a:fld id="{83627DD0-092D-4AD9-AAE0-0513E170352E}" type="datetime1">
               <a:rPr lang="de-DE" smtClean="0"/>
-              <a:t>12.05.2020</a:t>
+              <a:t>30.06.2020</a:t>
             </a:fld>
             <a:endParaRPr lang="en-US" dirty="0"/>
           </a:p>
@@ -18186,7 +18774,7 @@
             <p:ph idx="1"/>
             <p:extLst>
               <p:ext uri="{D42A27DB-BD31-4B8C-83A1-F6EECF244321}">
-                <p14:modId xmlns:p14="http://schemas.microsoft.com/office/powerpoint/2010/main" val="1826185407"/>
+                <p14:modId xmlns:p14="http://schemas.microsoft.com/office/powerpoint/2010/main" val="1127996538"/>
               </p:ext>
             </p:extLst>
           </p:nvPr>
@@ -18456,47 +19044,56 @@
             <a:pPr lvl="1"/>
             <a:r>
               <a:rPr lang="de-DE" dirty="0"/>
-              <a:t>Preisspanne:</a:t>
+              <a:t>Preisspanne: 1,14€ - 1,87€</a:t>
             </a:r>
           </a:p>
           <a:p>
             <a:pPr lvl="1"/>
             <a:r>
               <a:rPr lang="de-DE" dirty="0"/>
-              <a:t>Niedrigster Preis (Datum):</a:t>
+              <a:t>Niedrigster Preis (Datum): 1,14€ (KW5/2017)</a:t>
             </a:r>
           </a:p>
           <a:p>
             <a:pPr lvl="1"/>
             <a:r>
               <a:rPr lang="de-DE" dirty="0"/>
-              <a:t>Höchster Preis (Datum):</a:t>
+              <a:t>Höchster Preis (Datum): 1,87€ (KW39/2017)</a:t>
             </a:r>
           </a:p>
           <a:p>
             <a:pPr lvl="1"/>
             <a:r>
               <a:rPr lang="de-DE" dirty="0"/>
-              <a:t>Höchster Anstieg (Prozent/Datum)</a:t>
+              <a:t>Höchster Anstieg (Prozent/Datum): +11,6% (KW10/2017)</a:t>
             </a:r>
           </a:p>
           <a:p>
             <a:pPr lvl="1"/>
             <a:r>
               <a:rPr lang="de-DE" dirty="0"/>
-              <a:t>Tiefster Fall </a:t>
+              <a:t>Tiefster Fall (Prozent/Datum): -11,5% (KW5/2018)</a:t>
             </a:r>
-            <a:r>
-              <a:rPr lang="de-DE"/>
-              <a:t>(Prozent/Datum)</a:t>
-            </a:r>
-            <a:endParaRPr lang="de-DE" dirty="0"/>
           </a:p>
           <a:p>
             <a:pPr lvl="1"/>
             <a:r>
               <a:rPr lang="de-DE" dirty="0"/>
-              <a:t>Standardabweichung</a:t>
+              <a:t>Standardabweichung: 0,15</a:t>
+            </a:r>
+          </a:p>
+          <a:p>
+            <a:pPr lvl="1"/>
+            <a:r>
+              <a:rPr lang="de-DE" dirty="0"/>
+              <a:t>Median: 1,39€</a:t>
+            </a:r>
+          </a:p>
+          <a:p>
+            <a:pPr lvl="1"/>
+            <a:r>
+              <a:rPr lang="de-DE" dirty="0"/>
+              <a:t>Mittelwert: 1,41€</a:t>
             </a:r>
           </a:p>
         </p:txBody>
@@ -18514,7 +19111,7 @@
 </p:sld>
 </file>
 
-<file path=ppt/slides/slide7.xml><?xml version="1.0" encoding="utf-8"?>
+<file path=ppt/slides/slide8.xml><?xml version="1.0" encoding="utf-8"?>
 <p:sld xmlns:a="http://schemas.openxmlformats.org/drawingml/2006/main" xmlns:r="http://schemas.openxmlformats.org/officeDocument/2006/relationships" xmlns:p="http://schemas.openxmlformats.org/presentationml/2006/main">
   <p:cSld>
     <p:spTree>
@@ -18547,43 +19144,96 @@
             <p:ph type="title"/>
           </p:nvPr>
         </p:nvSpPr>
-        <p:spPr/>
+        <p:spPr>
+          <a:xfrm>
+            <a:off x="581193" y="729658"/>
+            <a:ext cx="11029616" cy="988332"/>
+          </a:xfrm>
+        </p:spPr>
         <p:txBody>
-          <a:bodyPr/>
+          <a:bodyPr anchor="b">
+            <a:normAutofit/>
+          </a:bodyPr>
           <a:lstStyle/>
           <a:p>
             <a:r>
               <a:rPr lang="de-DE" dirty="0"/>
-              <a:t>STATISTISCHE AUSWERTUNG – CRAMERS V</a:t>
+              <a:t>Trump Tweets – Statistische Betrachtung</a:t>
             </a:r>
           </a:p>
         </p:txBody>
       </p:sp>
-      <p:sp>
-        <p:nvSpPr>
-          <p:cNvPr id="3" name="Inhaltsplatzhalter 2">
+      <p:pic>
+        <p:nvPicPr>
+          <p:cNvPr id="6" name="Inhaltsplatzhalter 5" descr="Ein Bild, das Spiel enthält.&#10;&#10;Automatisch generierte Beschreibung">
             <a:extLst>
               <a:ext uri="{FF2B5EF4-FFF2-40B4-BE49-F238E27FC236}">
-                <a16:creationId xmlns:a16="http://schemas.microsoft.com/office/drawing/2014/main" id="{804ABF08-A51B-4776-BA35-B9FCD3A7B91D}"/>
+                <a16:creationId xmlns:a16="http://schemas.microsoft.com/office/drawing/2014/main" id="{A6F8B5D5-0A2E-4D48-ABF6-E296D1E44E35}"/>
               </a:ext>
             </a:extLst>
           </p:cNvPr>
-          <p:cNvSpPr>
-            <a:spLocks noGrp="1"/>
-          </p:cNvSpPr>
+          <p:cNvPicPr>
+            <a:picLocks noGrp="1" noChangeAspect="1"/>
+          </p:cNvPicPr>
           <p:nvPr>
-            <p:ph idx="1"/>
+            <p:ph sz="half" idx="1"/>
           </p:nvPr>
-        </p:nvSpPr>
-        <p:spPr/>
-        <p:txBody>
-          <a:bodyPr/>
-          <a:lstStyle/>
-          <a:p>
-            <a:endParaRPr lang="de-DE" dirty="0"/>
-          </a:p>
-        </p:txBody>
-      </p:sp>
+        </p:nvPicPr>
+        <p:blipFill>
+          <a:blip r:embed="rId2">
+            <a:extLst>
+              <a:ext uri="{28A0092B-C50C-407E-A947-70E740481C1C}">
+                <a14:useLocalDpi xmlns:a14="http://schemas.microsoft.com/office/drawing/2010/main" val="0"/>
+              </a:ext>
+            </a:extLst>
+          </a:blip>
+          <a:stretch>
+            <a:fillRect/>
+          </a:stretch>
+        </p:blipFill>
+        <p:spPr>
+          <a:xfrm>
+            <a:off x="0" y="1876021"/>
+            <a:ext cx="4263355" cy="3655827"/>
+          </a:xfrm>
+          <a:noFill/>
+        </p:spPr>
+      </p:pic>
+      <p:pic>
+        <p:nvPicPr>
+          <p:cNvPr id="8" name="Inhaltsplatzhalter 7">
+            <a:extLst>
+              <a:ext uri="{FF2B5EF4-FFF2-40B4-BE49-F238E27FC236}">
+                <a16:creationId xmlns:a16="http://schemas.microsoft.com/office/drawing/2014/main" id="{DE5C899A-FAA1-4C0D-AF39-8A7B380037F1}"/>
+              </a:ext>
+            </a:extLst>
+          </p:cNvPr>
+          <p:cNvPicPr>
+            <a:picLocks noGrp="1" noChangeAspect="1"/>
+          </p:cNvPicPr>
+          <p:nvPr>
+            <p:ph sz="half" idx="2"/>
+          </p:nvPr>
+        </p:nvPicPr>
+        <p:blipFill>
+          <a:blip r:embed="rId3">
+            <a:extLst>
+              <a:ext uri="{28A0092B-C50C-407E-A947-70E740481C1C}">
+                <a14:useLocalDpi xmlns:a14="http://schemas.microsoft.com/office/drawing/2010/main" val="0"/>
+              </a:ext>
+            </a:extLst>
+          </a:blip>
+          <a:stretch>
+            <a:fillRect/>
+          </a:stretch>
+        </p:blipFill>
+        <p:spPr>
+          <a:xfrm>
+            <a:off x="3441815" y="3311725"/>
+            <a:ext cx="4266000" cy="3656572"/>
+          </a:xfrm>
+        </p:spPr>
+      </p:pic>
       <p:sp>
         <p:nvSpPr>
           <p:cNvPr id="4" name="Datumsplatzhalter 3">
@@ -18600,17 +19250,335 @@
             <p:ph type="dt" sz="half" idx="10"/>
           </p:nvPr>
         </p:nvSpPr>
-        <p:spPr/>
+        <p:spPr>
+          <a:xfrm>
+            <a:off x="7605951" y="6423914"/>
+            <a:ext cx="2844799" cy="365125"/>
+          </a:xfrm>
+        </p:spPr>
         <p:txBody>
-          <a:bodyPr/>
+          <a:bodyPr anchor="ctr">
+            <a:normAutofit/>
+          </a:bodyPr>
           <a:lstStyle/>
           <a:p>
-            <a:pPr rtl="0"/>
+            <a:pPr rtl="0">
+              <a:spcAft>
+                <a:spcPts val="600"/>
+              </a:spcAft>
+            </a:pPr>
             <a:fld id="{83627DD0-092D-4AD9-AAE0-0513E170352E}" type="datetime1">
               <a:rPr lang="de-DE" smtClean="0"/>
-              <a:t>12.05.2020</a:t>
+              <a:pPr rtl="0">
+                <a:spcAft>
+                  <a:spcPts val="600"/>
+                </a:spcAft>
+              </a:pPr>
+              <a:t>30.06.2020</a:t>
             </a:fld>
-            <a:endParaRPr lang="en-US" dirty="0"/>
+            <a:endParaRPr lang="en-US"/>
+          </a:p>
+        </p:txBody>
+      </p:sp>
+      <p:sp>
+        <p:nvSpPr>
+          <p:cNvPr id="10" name="Inhaltsplatzhalter 5">
+            <a:extLst>
+              <a:ext uri="{FF2B5EF4-FFF2-40B4-BE49-F238E27FC236}">
+                <a16:creationId xmlns:a16="http://schemas.microsoft.com/office/drawing/2014/main" id="{A6110ABC-FC5C-4271-BF63-45518F2C2753}"/>
+              </a:ext>
+            </a:extLst>
+          </p:cNvPr>
+          <p:cNvSpPr txBox="1">
+            <a:spLocks/>
+          </p:cNvSpPr>
+          <p:nvPr/>
+        </p:nvSpPr>
+        <p:spPr>
+          <a:xfrm>
+            <a:off x="6988629" y="2477488"/>
+            <a:ext cx="5135363" cy="3497862"/>
+          </a:xfrm>
+          <a:prstGeom prst="rect">
+            <a:avLst/>
+          </a:prstGeom>
+        </p:spPr>
+        <p:txBody>
+          <a:bodyPr>
+            <a:normAutofit/>
+          </a:bodyPr>
+          <a:lstStyle>
+            <a:lvl1pPr marL="306000" indent="-306000" algn="l" defTabSz="457200" rtl="0" eaLnBrk="1" latinLnBrk="0" hangingPunct="1">
+              <a:lnSpc>
+                <a:spcPct val="110000"/>
+              </a:lnSpc>
+              <a:spcBef>
+                <a:spcPct val="20000"/>
+              </a:spcBef>
+              <a:spcAft>
+                <a:spcPts val="600"/>
+              </a:spcAft>
+              <a:buClr>
+                <a:schemeClr val="accent1"/>
+              </a:buClr>
+              <a:buSzPct val="92000"/>
+              <a:buFont typeface="Wingdings 2" panose="05020102010507070707" pitchFamily="18" charset="2"/>
+              <a:buChar char=""/>
+              <a:defRPr sz="1700" kern="1200">
+                <a:solidFill>
+                  <a:schemeClr val="tx1">
+                    <a:lumMod val="75000"/>
+                    <a:lumOff val="25000"/>
+                  </a:schemeClr>
+                </a:solidFill>
+                <a:latin typeface="+mn-lt"/>
+                <a:ea typeface="+mn-ea"/>
+                <a:cs typeface="+mn-cs"/>
+              </a:defRPr>
+            </a:lvl1pPr>
+            <a:lvl2pPr marL="630000" indent="-306000" algn="l" defTabSz="457200" rtl="0" eaLnBrk="1" latinLnBrk="0" hangingPunct="1">
+              <a:spcBef>
+                <a:spcPct val="20000"/>
+              </a:spcBef>
+              <a:spcAft>
+                <a:spcPts val="600"/>
+              </a:spcAft>
+              <a:buClr>
+                <a:schemeClr val="accent1"/>
+              </a:buClr>
+              <a:buSzPct val="92000"/>
+              <a:buFont typeface="Wingdings 2" panose="05020102010507070707" pitchFamily="18" charset="2"/>
+              <a:buChar char=""/>
+              <a:defRPr sz="1400" kern="1200">
+                <a:solidFill>
+                  <a:schemeClr val="tx1">
+                    <a:lumMod val="75000"/>
+                    <a:lumOff val="25000"/>
+                  </a:schemeClr>
+                </a:solidFill>
+                <a:latin typeface="+mn-lt"/>
+                <a:ea typeface="+mn-ea"/>
+                <a:cs typeface="+mn-cs"/>
+              </a:defRPr>
+            </a:lvl2pPr>
+            <a:lvl3pPr marL="900000" indent="-270000" algn="l" defTabSz="457200" rtl="0" eaLnBrk="1" latinLnBrk="0" hangingPunct="1">
+              <a:spcBef>
+                <a:spcPct val="20000"/>
+              </a:spcBef>
+              <a:spcAft>
+                <a:spcPts val="600"/>
+              </a:spcAft>
+              <a:buClr>
+                <a:schemeClr val="accent1"/>
+              </a:buClr>
+              <a:buSzPct val="92000"/>
+              <a:buFont typeface="Wingdings 2" panose="05020102010507070707" pitchFamily="18" charset="2"/>
+              <a:buChar char=""/>
+              <a:defRPr sz="1300" kern="1200">
+                <a:solidFill>
+                  <a:schemeClr val="tx1">
+                    <a:lumMod val="75000"/>
+                    <a:lumOff val="25000"/>
+                  </a:schemeClr>
+                </a:solidFill>
+                <a:latin typeface="+mn-lt"/>
+                <a:ea typeface="+mn-ea"/>
+                <a:cs typeface="+mn-cs"/>
+              </a:defRPr>
+            </a:lvl3pPr>
+            <a:lvl4pPr marL="1242000" indent="-234000" algn="l" defTabSz="457200" rtl="0" eaLnBrk="1" latinLnBrk="0" hangingPunct="1">
+              <a:spcBef>
+                <a:spcPct val="20000"/>
+              </a:spcBef>
+              <a:spcAft>
+                <a:spcPts val="600"/>
+              </a:spcAft>
+              <a:buClr>
+                <a:schemeClr val="accent1"/>
+              </a:buClr>
+              <a:buSzPct val="92000"/>
+              <a:buFont typeface="Wingdings 2" panose="05020102010507070707" pitchFamily="18" charset="2"/>
+              <a:buChar char=""/>
+              <a:defRPr sz="1100" kern="1200">
+                <a:solidFill>
+                  <a:schemeClr val="tx1">
+                    <a:lumMod val="75000"/>
+                    <a:lumOff val="25000"/>
+                  </a:schemeClr>
+                </a:solidFill>
+                <a:latin typeface="+mn-lt"/>
+                <a:ea typeface="+mn-ea"/>
+                <a:cs typeface="+mn-cs"/>
+              </a:defRPr>
+            </a:lvl4pPr>
+            <a:lvl5pPr marL="1602000" indent="-234000" algn="l" defTabSz="457200" rtl="0" eaLnBrk="1" latinLnBrk="0" hangingPunct="1">
+              <a:spcBef>
+                <a:spcPct val="20000"/>
+              </a:spcBef>
+              <a:spcAft>
+                <a:spcPts val="600"/>
+              </a:spcAft>
+              <a:buClr>
+                <a:schemeClr val="accent1"/>
+              </a:buClr>
+              <a:buSzPct val="92000"/>
+              <a:buFont typeface="Wingdings 2" panose="05020102010507070707" pitchFamily="18" charset="2"/>
+              <a:buChar char=""/>
+              <a:defRPr sz="1100" kern="1200">
+                <a:solidFill>
+                  <a:schemeClr val="tx1">
+                    <a:lumMod val="75000"/>
+                    <a:lumOff val="25000"/>
+                  </a:schemeClr>
+                </a:solidFill>
+                <a:latin typeface="+mn-lt"/>
+                <a:ea typeface="+mn-ea"/>
+                <a:cs typeface="+mn-cs"/>
+              </a:defRPr>
+            </a:lvl5pPr>
+            <a:lvl6pPr marL="1900000" indent="-228600" algn="l" defTabSz="457200" rtl="0" eaLnBrk="1" latinLnBrk="0" hangingPunct="1">
+              <a:spcBef>
+                <a:spcPct val="20000"/>
+              </a:spcBef>
+              <a:spcAft>
+                <a:spcPts val="600"/>
+              </a:spcAft>
+              <a:buClr>
+                <a:schemeClr val="accent2"/>
+              </a:buClr>
+              <a:buSzPct val="92000"/>
+              <a:buFont typeface="Wingdings 2" panose="05020102010507070707" pitchFamily="18" charset="2"/>
+              <a:buChar char=""/>
+              <a:defRPr sz="1200" kern="1200">
+                <a:solidFill>
+                  <a:schemeClr val="tx2"/>
+                </a:solidFill>
+                <a:latin typeface="+mn-lt"/>
+                <a:ea typeface="+mn-ea"/>
+                <a:cs typeface="+mn-cs"/>
+              </a:defRPr>
+            </a:lvl6pPr>
+            <a:lvl7pPr marL="2200000" indent="-228600" algn="l" defTabSz="457200" rtl="0" eaLnBrk="1" latinLnBrk="0" hangingPunct="1">
+              <a:spcBef>
+                <a:spcPct val="20000"/>
+              </a:spcBef>
+              <a:spcAft>
+                <a:spcPts val="600"/>
+              </a:spcAft>
+              <a:buClr>
+                <a:schemeClr val="accent2"/>
+              </a:buClr>
+              <a:buSzPct val="92000"/>
+              <a:buFont typeface="Wingdings 2" panose="05020102010507070707" pitchFamily="18" charset="2"/>
+              <a:buChar char=""/>
+              <a:defRPr sz="1200" kern="1200">
+                <a:solidFill>
+                  <a:schemeClr val="tx2"/>
+                </a:solidFill>
+                <a:latin typeface="+mn-lt"/>
+                <a:ea typeface="+mn-ea"/>
+                <a:cs typeface="+mn-cs"/>
+              </a:defRPr>
+            </a:lvl7pPr>
+            <a:lvl8pPr marL="2500000" indent="-228600" algn="l" defTabSz="457200" rtl="0" eaLnBrk="1" latinLnBrk="0" hangingPunct="1">
+              <a:spcBef>
+                <a:spcPct val="20000"/>
+              </a:spcBef>
+              <a:spcAft>
+                <a:spcPts val="600"/>
+              </a:spcAft>
+              <a:buClr>
+                <a:schemeClr val="accent2"/>
+              </a:buClr>
+              <a:buSzPct val="92000"/>
+              <a:buFont typeface="Wingdings 2" panose="05020102010507070707" pitchFamily="18" charset="2"/>
+              <a:buChar char=""/>
+              <a:defRPr sz="1200" kern="1200">
+                <a:solidFill>
+                  <a:schemeClr val="tx2"/>
+                </a:solidFill>
+                <a:latin typeface="+mn-lt"/>
+                <a:ea typeface="+mn-ea"/>
+                <a:cs typeface="+mn-cs"/>
+              </a:defRPr>
+            </a:lvl8pPr>
+            <a:lvl9pPr marL="2800000" indent="-228600" algn="l" defTabSz="457200" rtl="0" eaLnBrk="1" latinLnBrk="0" hangingPunct="1">
+              <a:spcBef>
+                <a:spcPct val="20000"/>
+              </a:spcBef>
+              <a:spcAft>
+                <a:spcPts val="600"/>
+              </a:spcAft>
+              <a:buClr>
+                <a:schemeClr val="accent2"/>
+              </a:buClr>
+              <a:buSzPct val="92000"/>
+              <a:buFont typeface="Wingdings 2" panose="05020102010507070707" pitchFamily="18" charset="2"/>
+              <a:buChar char=""/>
+              <a:defRPr sz="1200" kern="1200">
+                <a:solidFill>
+                  <a:schemeClr val="tx2"/>
+                </a:solidFill>
+                <a:latin typeface="+mn-lt"/>
+                <a:ea typeface="+mn-ea"/>
+                <a:cs typeface="+mn-cs"/>
+              </a:defRPr>
+            </a:lvl9pPr>
+          </a:lstStyle>
+          <a:p>
+            <a:r>
+              <a:rPr lang="de-DE" dirty="0"/>
+              <a:t>Statistische Merkmale</a:t>
+            </a:r>
+          </a:p>
+          <a:p>
+            <a:pPr lvl="1"/>
+            <a:r>
+              <a:rPr lang="de-DE" dirty="0"/>
+              <a:t>Positive Tweets: 24,1% (5070)</a:t>
+            </a:r>
+          </a:p>
+          <a:p>
+            <a:pPr lvl="1"/>
+            <a:r>
+              <a:rPr lang="de-DE" dirty="0"/>
+              <a:t>Negative Tweets: 28,7% (6051)</a:t>
+            </a:r>
+          </a:p>
+          <a:p>
+            <a:pPr lvl="1"/>
+            <a:r>
+              <a:rPr lang="de-DE" dirty="0"/>
+              <a:t>Neutrale Tweets: 47,2% (9932)</a:t>
+            </a:r>
+          </a:p>
+          <a:p>
+            <a:pPr lvl="1"/>
+            <a:r>
+              <a:rPr lang="de-DE" dirty="0"/>
+              <a:t>„Eigene“ Tweets: 95,7% (21054)</a:t>
+            </a:r>
+          </a:p>
+          <a:p>
+            <a:pPr lvl="1"/>
+            <a:r>
+              <a:rPr lang="de-DE" dirty="0"/>
+              <a:t>Spanne: +12 (09.04.2018) bis -15 (01.06.2015)</a:t>
+            </a:r>
+          </a:p>
+          <a:p>
+            <a:pPr lvl="1"/>
+            <a:r>
+              <a:rPr lang="de-DE" dirty="0"/>
+              <a:t>Mittelwert: 0,41</a:t>
+            </a:r>
+          </a:p>
+          <a:p>
+            <a:pPr lvl="1"/>
+            <a:r>
+              <a:rPr lang="de-DE" dirty="0"/>
+              <a:t>Standardabweichung: 1,71</a:t>
+            </a:r>
           </a:p>
         </p:txBody>
       </p:sp>
@@ -18627,7 +19595,7 @@
 </p:sld>
 </file>
 
-<file path=ppt/slides/slide8.xml><?xml version="1.0" encoding="utf-8"?>
+<file path=ppt/slides/slide9.xml><?xml version="1.0" encoding="utf-8"?>
 <p:sld xmlns:a="http://schemas.openxmlformats.org/drawingml/2006/main" xmlns:r="http://schemas.openxmlformats.org/officeDocument/2006/relationships" xmlns:p="http://schemas.openxmlformats.org/presentationml/2006/main">
   <p:cSld>
     <p:spTree>
@@ -18649,7 +19617,7 @@
           <p:cNvPr id="2" name="Titel 1">
             <a:extLst>
               <a:ext uri="{FF2B5EF4-FFF2-40B4-BE49-F238E27FC236}">
-                <a16:creationId xmlns:a16="http://schemas.microsoft.com/office/drawing/2014/main" id="{5E562972-3449-42D1-8185-B4BEFD52AB44}"/>
+                <a16:creationId xmlns:a16="http://schemas.microsoft.com/office/drawing/2014/main" id="{06547F51-032C-4802-B1D2-AAB3DB580DDA}"/>
               </a:ext>
             </a:extLst>
           </p:cNvPr>
@@ -18660,54 +19628,152 @@
             <p:ph type="title"/>
           </p:nvPr>
         </p:nvSpPr>
-        <p:spPr/>
+        <p:spPr>
+          <a:xfrm>
+            <a:off x="767857" y="933450"/>
+            <a:ext cx="3031852" cy="1722419"/>
+          </a:xfrm>
+        </p:spPr>
         <p:txBody>
-          <a:bodyPr rtlCol="0"/>
+          <a:bodyPr anchor="b">
+            <a:normAutofit/>
+          </a:bodyPr>
           <a:lstStyle/>
           <a:p>
-            <a:pPr rtl="0"/>
             <a:r>
-              <a:rPr lang="de"/>
-              <a:t>Titel Lorem Ipsum Dolor Sit Amet</a:t>
+              <a:rPr lang="de-DE" dirty="0"/>
+              <a:t>Zusammenfassung der Datensätze</a:t>
             </a:r>
           </a:p>
         </p:txBody>
       </p:sp>
-      <p:graphicFrame>
-        <p:nvGraphicFramePr>
-          <p:cNvPr id="4" name="Inhaltsplatzhalter 2">
+      <p:sp>
+        <p:nvSpPr>
+          <p:cNvPr id="3" name="Inhaltsplatzhalter 2">
             <a:extLst>
               <a:ext uri="{FF2B5EF4-FFF2-40B4-BE49-F238E27FC236}">
-                <a16:creationId xmlns:a16="http://schemas.microsoft.com/office/drawing/2014/main" id="{FF3F0D82-0AA6-45C3-8367-955CBFA02ED6}"/>
+                <a16:creationId xmlns:a16="http://schemas.microsoft.com/office/drawing/2014/main" id="{FBB37369-170F-422D-BE92-624C61E888F0}"/>
               </a:ext>
             </a:extLst>
           </p:cNvPr>
-          <p:cNvGraphicFramePr>
-            <a:graphicFrameLocks noGrp="1"/>
-          </p:cNvGraphicFramePr>
+          <p:cNvSpPr>
+            <a:spLocks noGrp="1"/>
+          </p:cNvSpPr>
           <p:nvPr>
             <p:ph idx="1"/>
-            <p:extLst>
-              <p:ext uri="{D42A27DB-BD31-4B8C-83A1-F6EECF244321}">
-                <p14:modId xmlns:p14="http://schemas.microsoft.com/office/powerpoint/2010/main" val="3086745933"/>
-              </p:ext>
-            </p:extLst>
           </p:nvPr>
-        </p:nvGraphicFramePr>
-        <p:xfrm>
-          <a:off x="581025" y="2341563"/>
-          <a:ext cx="11029950" cy="3633787"/>
-        </p:xfrm>
-        <a:graphic>
-          <a:graphicData uri="http://schemas.openxmlformats.org/drawingml/2006/diagram">
-            <dgm:relIds xmlns:dgm="http://schemas.openxmlformats.org/drawingml/2006/diagram" xmlns:r="http://schemas.openxmlformats.org/officeDocument/2006/relationships" r:dm="rId2" r:lo="rId3" r:qs="rId4" r:cs="rId5"/>
-          </a:graphicData>
-        </a:graphic>
-      </p:graphicFrame>
+        </p:nvSpPr>
+        <p:spPr>
+          <a:xfrm>
+            <a:off x="4900928" y="1179829"/>
+            <a:ext cx="6650991" cy="4658216"/>
+          </a:xfrm>
+        </p:spPr>
+        <p:txBody>
+          <a:bodyPr anchor="ctr">
+            <a:normAutofit/>
+          </a:bodyPr>
+          <a:lstStyle/>
+          <a:p>
+            <a:r>
+              <a:rPr lang="de-DE" dirty="0"/>
+              <a:t>Aus beiden Datensätzen wird nur der Zeitraum 04.01.2015 – 25.03.2018 verwendet (169 Wochen)</a:t>
+            </a:r>
+          </a:p>
+          <a:p>
+            <a:r>
+              <a:rPr lang="de-DE" dirty="0"/>
+              <a:t> Die Sentiment Score wird als wöchentlicher Durchschnitt errechnet</a:t>
+            </a:r>
+          </a:p>
+          <a:p>
+            <a:r>
+              <a:rPr lang="de-DE" dirty="0"/>
+              <a:t>Beide Werte werden normalisiert (0 – 1)</a:t>
+            </a:r>
+          </a:p>
+        </p:txBody>
+      </p:sp>
+      <p:sp>
+        <p:nvSpPr>
+          <p:cNvPr id="10" name="Text Placeholder 3">
+            <a:extLst>
+              <a:ext uri="{FF2B5EF4-FFF2-40B4-BE49-F238E27FC236}">
+                <a16:creationId xmlns:a16="http://schemas.microsoft.com/office/drawing/2014/main" id="{1A48A625-5603-41B7-9D97-7828AC4ACBC2}"/>
+              </a:ext>
+            </a:extLst>
+          </p:cNvPr>
+          <p:cNvSpPr>
+            <a:spLocks noGrp="1"/>
+          </p:cNvSpPr>
+          <p:nvPr>
+            <p:ph type="body" sz="half" idx="2"/>
+          </p:nvPr>
+        </p:nvSpPr>
+        <p:spPr>
+          <a:xfrm>
+            <a:off x="767857" y="2836654"/>
+            <a:ext cx="3031852" cy="3001392"/>
+          </a:xfrm>
+        </p:spPr>
+        <p:txBody>
+          <a:bodyPr/>
+          <a:lstStyle/>
+          <a:p>
+            <a:endParaRPr lang="en-US"/>
+          </a:p>
+        </p:txBody>
+      </p:sp>
+      <p:sp>
+        <p:nvSpPr>
+          <p:cNvPr id="5" name="Datumsplatzhalter 4">
+            <a:extLst>
+              <a:ext uri="{FF2B5EF4-FFF2-40B4-BE49-F238E27FC236}">
+                <a16:creationId xmlns:a16="http://schemas.microsoft.com/office/drawing/2014/main" id="{6E2302BA-704A-4491-BCEB-4FFDFCD83712}"/>
+              </a:ext>
+            </a:extLst>
+          </p:cNvPr>
+          <p:cNvSpPr>
+            <a:spLocks noGrp="1"/>
+          </p:cNvSpPr>
+          <p:nvPr>
+            <p:ph type="dt" sz="half" idx="10"/>
+          </p:nvPr>
+        </p:nvSpPr>
+        <p:spPr>
+          <a:xfrm>
+            <a:off x="7605951" y="6456916"/>
+            <a:ext cx="2844799" cy="365125"/>
+          </a:xfrm>
+        </p:spPr>
+        <p:txBody>
+          <a:bodyPr anchor="ctr">
+            <a:normAutofit/>
+          </a:bodyPr>
+          <a:lstStyle/>
+          <a:p>
+            <a:pPr rtl="0">
+              <a:spcAft>
+                <a:spcPts val="600"/>
+              </a:spcAft>
+            </a:pPr>
+            <a:fld id="{F95AE019-BB99-4C3A-AA2C-A36C39CE4DCB}" type="datetime1">
+              <a:rPr lang="de-DE" smtClean="0"/>
+              <a:pPr rtl="0">
+                <a:spcAft>
+                  <a:spcPts val="600"/>
+                </a:spcAft>
+              </a:pPr>
+              <a:t>30.06.2020</a:t>
+            </a:fld>
+            <a:endParaRPr lang="en-US"/>
+          </a:p>
+        </p:txBody>
+      </p:sp>
     </p:spTree>
     <p:extLst>
       <p:ext uri="{BB962C8B-B14F-4D97-AF65-F5344CB8AC3E}">
-        <p14:creationId xmlns:p14="http://schemas.microsoft.com/office/powerpoint/2010/main" val="263784652"/>
+        <p14:creationId xmlns:p14="http://schemas.microsoft.com/office/powerpoint/2010/main" val="3948182605"/>
       </p:ext>
     </p:extLst>
   </p:cSld>
